--- a/24ass/reactNext.pptx
+++ b/24ass/reactNext.pptx
@@ -26,6 +26,12 @@
     <p:sldId id="270" r:id="rId20"/>
     <p:sldId id="271" r:id="rId21"/>
     <p:sldId id="258" r:id="rId22"/>
+    <p:sldId id="277" r:id="rId23"/>
+    <p:sldId id="278" r:id="rId24"/>
+    <p:sldId id="279" r:id="rId25"/>
+    <p:sldId id="280" r:id="rId26"/>
+    <p:sldId id="281" r:id="rId27"/>
+    <p:sldId id="282" r:id="rId28"/>
   </p:sldIdLst>
   <p:sldSz cx="12192000" cy="6858000"/>
   <p:notesSz cx="6858000" cy="9144000"/>
@@ -124,6 +130,11 @@
       </a:defRPr>
     </a:lvl9pPr>
   </p:defaultTextStyle>
+  <p:extLst>
+    <p:ext uri="{EFAFB233-063F-42B5-8137-9DF3F51BA10A}">
+      <p15:sldGuideLst xmlns:p15="http://schemas.microsoft.com/office/powerpoint/2012/main"/>
+    </p:ext>
+  </p:extLst>
 </p:presentation>
 </file>
 
@@ -276,7 +287,7 @@
           <a:p>
             <a:fld id="{CB0399F5-7297-CE47-8C2F-0661FE09A915}" type="datetimeFigureOut">
               <a:rPr lang="en-IL" smtClean="0"/>
-              <a:t>24/07/2023</a:t>
+              <a:t>31/07/2023</a:t>
             </a:fld>
             <a:endParaRPr lang="en-IL"/>
           </a:p>
@@ -476,7 +487,7 @@
           <a:p>
             <a:fld id="{CB0399F5-7297-CE47-8C2F-0661FE09A915}" type="datetimeFigureOut">
               <a:rPr lang="en-IL" smtClean="0"/>
-              <a:t>24/07/2023</a:t>
+              <a:t>31/07/2023</a:t>
             </a:fld>
             <a:endParaRPr lang="en-IL"/>
           </a:p>
@@ -686,7 +697,7 @@
           <a:p>
             <a:fld id="{CB0399F5-7297-CE47-8C2F-0661FE09A915}" type="datetimeFigureOut">
               <a:rPr lang="en-IL" smtClean="0"/>
-              <a:t>24/07/2023</a:t>
+              <a:t>31/07/2023</a:t>
             </a:fld>
             <a:endParaRPr lang="en-IL"/>
           </a:p>
@@ -886,7 +897,7 @@
           <a:p>
             <a:fld id="{CB0399F5-7297-CE47-8C2F-0661FE09A915}" type="datetimeFigureOut">
               <a:rPr lang="en-IL" smtClean="0"/>
-              <a:t>24/07/2023</a:t>
+              <a:t>31/07/2023</a:t>
             </a:fld>
             <a:endParaRPr lang="en-IL"/>
           </a:p>
@@ -1162,7 +1173,7 @@
           <a:p>
             <a:fld id="{CB0399F5-7297-CE47-8C2F-0661FE09A915}" type="datetimeFigureOut">
               <a:rPr lang="en-IL" smtClean="0"/>
-              <a:t>24/07/2023</a:t>
+              <a:t>31/07/2023</a:t>
             </a:fld>
             <a:endParaRPr lang="en-IL"/>
           </a:p>
@@ -1430,7 +1441,7 @@
           <a:p>
             <a:fld id="{CB0399F5-7297-CE47-8C2F-0661FE09A915}" type="datetimeFigureOut">
               <a:rPr lang="en-IL" smtClean="0"/>
-              <a:t>24/07/2023</a:t>
+              <a:t>31/07/2023</a:t>
             </a:fld>
             <a:endParaRPr lang="en-IL"/>
           </a:p>
@@ -1845,7 +1856,7 @@
           <a:p>
             <a:fld id="{CB0399F5-7297-CE47-8C2F-0661FE09A915}" type="datetimeFigureOut">
               <a:rPr lang="en-IL" smtClean="0"/>
-              <a:t>24/07/2023</a:t>
+              <a:t>31/07/2023</a:t>
             </a:fld>
             <a:endParaRPr lang="en-IL"/>
           </a:p>
@@ -1987,7 +1998,7 @@
           <a:p>
             <a:fld id="{CB0399F5-7297-CE47-8C2F-0661FE09A915}" type="datetimeFigureOut">
               <a:rPr lang="en-IL" smtClean="0"/>
-              <a:t>24/07/2023</a:t>
+              <a:t>31/07/2023</a:t>
             </a:fld>
             <a:endParaRPr lang="en-IL"/>
           </a:p>
@@ -2100,7 +2111,7 @@
           <a:p>
             <a:fld id="{CB0399F5-7297-CE47-8C2F-0661FE09A915}" type="datetimeFigureOut">
               <a:rPr lang="en-IL" smtClean="0"/>
-              <a:t>24/07/2023</a:t>
+              <a:t>31/07/2023</a:t>
             </a:fld>
             <a:endParaRPr lang="en-IL"/>
           </a:p>
@@ -2413,7 +2424,7 @@
           <a:p>
             <a:fld id="{CB0399F5-7297-CE47-8C2F-0661FE09A915}" type="datetimeFigureOut">
               <a:rPr lang="en-IL" smtClean="0"/>
-              <a:t>24/07/2023</a:t>
+              <a:t>31/07/2023</a:t>
             </a:fld>
             <a:endParaRPr lang="en-IL"/>
           </a:p>
@@ -2702,7 +2713,7 @@
           <a:p>
             <a:fld id="{CB0399F5-7297-CE47-8C2F-0661FE09A915}" type="datetimeFigureOut">
               <a:rPr lang="en-IL" smtClean="0"/>
-              <a:t>24/07/2023</a:t>
+              <a:t>31/07/2023</a:t>
             </a:fld>
             <a:endParaRPr lang="en-IL"/>
           </a:p>
@@ -2945,7 +2956,7 @@
           <a:p>
             <a:fld id="{CB0399F5-7297-CE47-8C2F-0661FE09A915}" type="datetimeFigureOut">
               <a:rPr lang="en-IL" smtClean="0"/>
-              <a:t>24/07/2023</a:t>
+              <a:t>31/07/2023</a:t>
             </a:fld>
             <a:endParaRPr lang="en-IL"/>
           </a:p>
@@ -3348,6 +3359,14 @@
 <file path=ppt/slides/slide1.xml><?xml version="1.0" encoding="utf-8"?>
 <p:sld xmlns:a="http://schemas.openxmlformats.org/drawingml/2006/main" xmlns:r="http://schemas.openxmlformats.org/officeDocument/2006/relationships" xmlns:p="http://schemas.openxmlformats.org/presentationml/2006/main">
   <p:cSld>
+    <p:bg>
+      <p:bgPr>
+        <a:solidFill>
+          <a:schemeClr val="bg1"/>
+        </a:solidFill>
+        <a:effectLst/>
+      </p:bgPr>
+    </p:bg>
     <p:spTree>
       <p:nvGrpSpPr>
         <p:cNvPr id="1" name=""/>
@@ -3362,6 +3381,176 @@
           <a:chExt cx="0" cy="0"/>
         </a:xfrm>
       </p:grpSpPr>
+      <p:sp useBgFill="1">
+        <p:nvSpPr>
+          <p:cNvPr id="9" name="Rectangle 8">
+            <a:extLst>
+              <a:ext uri="{FF2B5EF4-FFF2-40B4-BE49-F238E27FC236}">
+                <a16:creationId xmlns:a16="http://schemas.microsoft.com/office/drawing/2014/main" id="{0671A8AE-40A1-4631-A6B8-581AFF065482}"/>
+              </a:ext>
+              <a:ext uri="{C183D7F6-B498-43B3-948B-1728B52AA6E4}">
+                <adec:decorative xmlns:adec="http://schemas.microsoft.com/office/drawing/2017/decorative" val="1"/>
+              </a:ext>
+            </a:extLst>
+          </p:cNvPr>
+          <p:cNvSpPr>
+            <a:spLocks noGrp="1" noRot="1" noChangeAspect="1" noMove="1" noResize="1" noEditPoints="1" noAdjustHandles="1" noChangeArrowheads="1" noChangeShapeType="1" noTextEdit="1"/>
+          </p:cNvSpPr>
+          <p:nvPr>
+            <p:extLst>
+              <p:ext uri="{386F3935-93C4-4BCD-93E2-E3B085C9AB24}">
+                <p16:designElem xmlns:p16="http://schemas.microsoft.com/office/powerpoint/2015/main" val="1"/>
+              </p:ext>
+            </p:extLst>
+          </p:nvPr>
+        </p:nvSpPr>
+        <p:spPr>
+          <a:xfrm>
+            <a:off x="0" y="0"/>
+            <a:ext cx="12192000" cy="6858000"/>
+          </a:xfrm>
+          <a:prstGeom prst="rect">
+            <a:avLst/>
+          </a:prstGeom>
+          <a:ln>
+            <a:noFill/>
+          </a:ln>
+        </p:spPr>
+        <p:style>
+          <a:lnRef idx="2">
+            <a:schemeClr val="accent1">
+              <a:shade val="50000"/>
+            </a:schemeClr>
+          </a:lnRef>
+          <a:fillRef idx="1">
+            <a:schemeClr val="accent1"/>
+          </a:fillRef>
+          <a:effectRef idx="0">
+            <a:schemeClr val="accent1"/>
+          </a:effectRef>
+          <a:fontRef idx="minor">
+            <a:schemeClr val="lt1"/>
+          </a:fontRef>
+        </p:style>
+        <p:txBody>
+          <a:bodyPr rtlCol="0" anchor="ctr"/>
+          <a:lstStyle/>
+          <a:p>
+            <a:pPr algn="ctr"/>
+            <a:endParaRPr lang="en-US"/>
+          </a:p>
+        </p:txBody>
+      </p:sp>
+      <p:pic>
+        <p:nvPicPr>
+          <p:cNvPr id="5" name="Picture 4">
+            <a:extLst>
+              <a:ext uri="{FF2B5EF4-FFF2-40B4-BE49-F238E27FC236}">
+                <a16:creationId xmlns:a16="http://schemas.microsoft.com/office/drawing/2014/main" id="{A91CA3A2-59A1-B5BE-0DD4-3ECDD449ADBA}"/>
+              </a:ext>
+            </a:extLst>
+          </p:cNvPr>
+          <p:cNvPicPr>
+            <a:picLocks noChangeAspect="1"/>
+          </p:cNvPicPr>
+          <p:nvPr/>
+        </p:nvPicPr>
+        <p:blipFill rotWithShape="1">
+          <a:blip r:embed="rId2"/>
+          <a:srcRect r="10887"/>
+          <a:stretch/>
+        </p:blipFill>
+        <p:spPr>
+          <a:xfrm>
+            <a:off x="3523488" y="10"/>
+            <a:ext cx="8668512" cy="6857990"/>
+          </a:xfrm>
+          <a:prstGeom prst="rect">
+            <a:avLst/>
+          </a:prstGeom>
+        </p:spPr>
+      </p:pic>
+      <p:sp>
+        <p:nvSpPr>
+          <p:cNvPr id="11" name="Rectangle 10">
+            <a:extLst>
+              <a:ext uri="{FF2B5EF4-FFF2-40B4-BE49-F238E27FC236}">
+                <a16:creationId xmlns:a16="http://schemas.microsoft.com/office/drawing/2014/main" id="{AB58EF07-17C2-48CF-ABB0-EEF1F17CB8F0}"/>
+              </a:ext>
+              <a:ext uri="{C183D7F6-B498-43B3-948B-1728B52AA6E4}">
+                <adec:decorative xmlns:adec="http://schemas.microsoft.com/office/drawing/2017/decorative" val="1"/>
+              </a:ext>
+            </a:extLst>
+          </p:cNvPr>
+          <p:cNvSpPr>
+            <a:spLocks noGrp="1" noRot="1" noChangeAspect="1" noMove="1" noResize="1" noEditPoints="1" noAdjustHandles="1" noChangeArrowheads="1" noChangeShapeType="1" noTextEdit="1"/>
+          </p:cNvSpPr>
+          <p:nvPr>
+            <p:extLst>
+              <p:ext uri="{386F3935-93C4-4BCD-93E2-E3B085C9AB24}">
+                <p16:designElem xmlns:p16="http://schemas.microsoft.com/office/powerpoint/2015/main" val="1"/>
+              </p:ext>
+            </p:extLst>
+          </p:nvPr>
+        </p:nvSpPr>
+        <p:spPr>
+          <a:xfrm>
+            <a:off x="3" y="0"/>
+            <a:ext cx="9339206" cy="6858000"/>
+          </a:xfrm>
+          <a:prstGeom prst="rect">
+            <a:avLst/>
+          </a:prstGeom>
+          <a:gradFill>
+            <a:gsLst>
+              <a:gs pos="58000">
+                <a:schemeClr val="tx1"/>
+              </a:gs>
+              <a:gs pos="33000">
+                <a:schemeClr val="tx1">
+                  <a:alpha val="64000"/>
+                </a:schemeClr>
+              </a:gs>
+              <a:gs pos="0">
+                <a:schemeClr val="tx1">
+                  <a:alpha val="0"/>
+                </a:schemeClr>
+              </a:gs>
+              <a:gs pos="100000">
+                <a:schemeClr val="tx1"/>
+              </a:gs>
+            </a:gsLst>
+            <a:lin ang="10800000" scaled="0"/>
+          </a:gradFill>
+          <a:ln>
+            <a:noFill/>
+          </a:ln>
+        </p:spPr>
+        <p:style>
+          <a:lnRef idx="2">
+            <a:schemeClr val="accent1">
+              <a:shade val="50000"/>
+            </a:schemeClr>
+          </a:lnRef>
+          <a:fillRef idx="1">
+            <a:schemeClr val="accent1"/>
+          </a:fillRef>
+          <a:effectRef idx="0">
+            <a:schemeClr val="accent1"/>
+          </a:effectRef>
+          <a:fontRef idx="minor">
+            <a:schemeClr val="lt1"/>
+          </a:fontRef>
+        </p:style>
+        <p:txBody>
+          <a:bodyPr rtlCol="0" anchor="ctr"/>
+          <a:lstStyle/>
+          <a:p>
+            <a:pPr algn="ctr"/>
+            <a:endParaRPr lang="en-US" dirty="0"/>
+          </a:p>
+        </p:txBody>
+      </p:sp>
       <p:sp>
         <p:nvSpPr>
           <p:cNvPr id="2" name="Title 1">
@@ -3378,13 +3567,25 @@
             <p:ph type="ctrTitle"/>
           </p:nvPr>
         </p:nvSpPr>
-        <p:spPr/>
-        <p:txBody>
-          <a:bodyPr/>
+        <p:spPr>
+          <a:xfrm>
+            <a:off x="477981" y="1122363"/>
+            <a:ext cx="4023360" cy="3204134"/>
+          </a:xfrm>
+        </p:spPr>
+        <p:txBody>
+          <a:bodyPr anchor="b">
+            <a:normAutofit/>
+          </a:bodyPr>
           <a:lstStyle/>
           <a:p>
-            <a:r>
-              <a:rPr lang="en-IL" dirty="0"/>
+            <a:pPr algn="l"/>
+            <a:r>
+              <a:rPr lang="en-IL" sz="4800">
+                <a:solidFill>
+                  <a:schemeClr val="bg1"/>
+                </a:solidFill>
+              </a:rPr>
               <a:t>React / Next.ts</a:t>
             </a:r>
           </a:p>
@@ -3406,19 +3607,196 @@
             <p:ph type="subTitle" idx="1"/>
           </p:nvPr>
         </p:nvSpPr>
-        <p:spPr/>
-        <p:txBody>
-          <a:bodyPr/>
+        <p:spPr>
+          <a:xfrm>
+            <a:off x="477980" y="4872922"/>
+            <a:ext cx="4023359" cy="1208141"/>
+          </a:xfrm>
+        </p:spPr>
+        <p:txBody>
+          <a:bodyPr>
+            <a:normAutofit/>
+          </a:bodyPr>
           <a:lstStyle/>
           <a:p>
-            <a:r>
-              <a:rPr lang="en-US" dirty="0"/>
+            <a:pPr algn="l"/>
+            <a:r>
+              <a:rPr lang="en-US" sz="2000">
+                <a:solidFill>
+                  <a:schemeClr val="bg1"/>
+                </a:solidFill>
+              </a:rPr>
               <a:t>L</a:t>
             </a:r>
             <a:r>
-              <a:rPr lang="en-IL" dirty="0"/>
+              <a:rPr lang="en-IL" sz="2000">
+                <a:solidFill>
+                  <a:schemeClr val="bg1"/>
+                </a:solidFill>
+              </a:rPr>
               <a:t>et the game begin</a:t>
             </a:r>
+          </a:p>
+        </p:txBody>
+      </p:sp>
+      <p:sp>
+        <p:nvSpPr>
+          <p:cNvPr id="13" name="Rectangle 12">
+            <a:extLst>
+              <a:ext uri="{FF2B5EF4-FFF2-40B4-BE49-F238E27FC236}">
+                <a16:creationId xmlns:a16="http://schemas.microsoft.com/office/drawing/2014/main" id="{AF2F604E-43BE-4DC3-B983-E071523364F8}"/>
+              </a:ext>
+              <a:ext uri="{C183D7F6-B498-43B3-948B-1728B52AA6E4}">
+                <adec:decorative xmlns:adec="http://schemas.microsoft.com/office/drawing/2017/decorative" val="1"/>
+              </a:ext>
+            </a:extLst>
+          </p:cNvPr>
+          <p:cNvSpPr>
+            <a:spLocks noGrp="1" noRot="1" noChangeAspect="1" noMove="1" noResize="1" noEditPoints="1" noAdjustHandles="1" noChangeArrowheads="1" noChangeShapeType="1" noTextEdit="1"/>
+          </p:cNvSpPr>
+          <p:nvPr>
+            <p:extLst>
+              <p:ext uri="{386F3935-93C4-4BCD-93E2-E3B085C9AB24}">
+                <p16:designElem xmlns:p16="http://schemas.microsoft.com/office/powerpoint/2015/main" val="1"/>
+              </p:ext>
+            </p:extLst>
+          </p:nvPr>
+        </p:nvSpPr>
+        <p:spPr>
+          <a:xfrm rot="5400000">
+            <a:off x="759921" y="346791"/>
+            <a:ext cx="146304" cy="704088"/>
+          </a:xfrm>
+          <a:prstGeom prst="rect">
+            <a:avLst/>
+          </a:prstGeom>
+          <a:solidFill>
+            <a:schemeClr val="accent2"/>
+          </a:solidFill>
+          <a:ln>
+            <a:noFill/>
+          </a:ln>
+        </p:spPr>
+        <p:style>
+          <a:lnRef idx="2">
+            <a:schemeClr val="accent1">
+              <a:shade val="50000"/>
+            </a:schemeClr>
+          </a:lnRef>
+          <a:fillRef idx="1">
+            <a:schemeClr val="accent1"/>
+          </a:fillRef>
+          <a:effectRef idx="0">
+            <a:schemeClr val="accent1"/>
+          </a:effectRef>
+          <a:fontRef idx="minor">
+            <a:schemeClr val="lt1"/>
+          </a:fontRef>
+        </p:style>
+        <p:txBody>
+          <a:bodyPr rtlCol="0" anchor="ctr"/>
+          <a:lstStyle/>
+          <a:p>
+            <a:pPr algn="ctr"/>
+            <a:endParaRPr lang="en-US">
+              <a:solidFill>
+                <a:prstClr val="white"/>
+              </a:solidFill>
+              <a:latin typeface="Calibri" panose="020F0502020204030204"/>
+            </a:endParaRPr>
+          </a:p>
+        </p:txBody>
+      </p:sp>
+      <p:sp>
+        <p:nvSpPr>
+          <p:cNvPr id="15" name="Rectangle 14">
+            <a:extLst>
+              <a:ext uri="{FF2B5EF4-FFF2-40B4-BE49-F238E27FC236}">
+                <a16:creationId xmlns:a16="http://schemas.microsoft.com/office/drawing/2014/main" id="{08C9B587-E65E-4B52-B37C-ABEBB6E87928}"/>
+              </a:ext>
+              <a:ext uri="{C183D7F6-B498-43B3-948B-1728B52AA6E4}">
+                <adec:decorative xmlns:adec="http://schemas.microsoft.com/office/drawing/2017/decorative" val="1"/>
+              </a:ext>
+            </a:extLst>
+          </p:cNvPr>
+          <p:cNvSpPr>
+            <a:spLocks noGrp="1" noRot="1" noChangeAspect="1" noMove="1" noResize="1" noEditPoints="1" noAdjustHandles="1" noChangeArrowheads="1" noChangeShapeType="1" noTextEdit="1"/>
+          </p:cNvSpPr>
+          <p:nvPr>
+            <p:extLst>
+              <p:ext uri="{386F3935-93C4-4BCD-93E2-E3B085C9AB24}">
+                <p16:designElem xmlns:p16="http://schemas.microsoft.com/office/powerpoint/2015/main" val="1"/>
+              </p:ext>
+            </p:extLst>
+          </p:nvPr>
+        </p:nvSpPr>
+        <p:spPr>
+          <a:xfrm>
+            <a:off x="481029" y="4546920"/>
+            <a:ext cx="3977640" cy="18288"/>
+          </a:xfrm>
+          <a:prstGeom prst="rect">
+            <a:avLst/>
+          </a:prstGeom>
+          <a:solidFill>
+            <a:schemeClr val="tx1"/>
+          </a:solidFill>
+          <a:ln w="3175">
+            <a:noFill/>
+          </a:ln>
+          <a:effectLst/>
+        </p:spPr>
+        <p:style>
+          <a:lnRef idx="2">
+            <a:schemeClr val="accent1">
+              <a:shade val="50000"/>
+            </a:schemeClr>
+          </a:lnRef>
+          <a:fillRef idx="1">
+            <a:schemeClr val="accent1"/>
+          </a:fillRef>
+          <a:effectRef idx="0">
+            <a:schemeClr val="accent1"/>
+          </a:effectRef>
+          <a:fontRef idx="minor">
+            <a:schemeClr val="lt1"/>
+          </a:fontRef>
+        </p:style>
+        <p:txBody>
+          <a:bodyPr rtlCol="0" anchor="ctr"/>
+          <a:lstStyle/>
+          <a:p>
+            <a:pPr marL="0" marR="0" lvl="0" indent="0" algn="ctr" defTabSz="914400" rtl="0" eaLnBrk="1" fontAlgn="auto" latinLnBrk="0" hangingPunct="1">
+              <a:lnSpc>
+                <a:spcPct val="100000"/>
+              </a:lnSpc>
+              <a:spcBef>
+                <a:spcPts val="0"/>
+              </a:spcBef>
+              <a:spcAft>
+                <a:spcPts val="0"/>
+              </a:spcAft>
+              <a:buClrTx/>
+              <a:buSzTx/>
+              <a:buFontTx/>
+              <a:buNone/>
+              <a:tabLst/>
+              <a:defRPr/>
+            </a:pPr>
+            <a:endParaRPr kumimoji="0" lang="en-US" sz="1800" b="0" i="0" u="none" strike="noStrike" kern="1200" cap="none" spc="0" normalizeH="0" baseline="0" noProof="0">
+              <a:ln>
+                <a:noFill/>
+              </a:ln>
+              <a:solidFill>
+                <a:prstClr val="white"/>
+              </a:solidFill>
+              <a:effectLst/>
+              <a:uLnTx/>
+              <a:uFillTx/>
+              <a:latin typeface="Calibri" panose="020F0502020204030204"/>
+              <a:ea typeface="+mn-ea"/>
+              <a:cs typeface="+mn-cs"/>
+            </a:endParaRPr>
           </a:p>
         </p:txBody>
       </p:sp>
@@ -3432,6 +3810,18 @@
   <p:clrMapOvr>
     <a:masterClrMapping/>
   </p:clrMapOvr>
+  <mc:AlternateContent xmlns:mc="http://schemas.openxmlformats.org/markup-compatibility/2006">
+    <mc:Choice xmlns:p159="http://schemas.microsoft.com/office/powerpoint/2015/09/main" Requires="p159">
+      <p:transition xmlns:p14="http://schemas.microsoft.com/office/powerpoint/2010/main" spd="slow" p14:dur="2000">
+        <p159:morph option="byObject"/>
+      </p:transition>
+    </mc:Choice>
+    <mc:Fallback>
+      <p:transition spd="slow">
+        <p:fade/>
+      </p:transition>
+    </mc:Fallback>
+  </mc:AlternateContent>
 </p:sld>
 </file>
 
@@ -5198,12 +5588,32 @@
   <p:clrMapOvr>
     <a:masterClrMapping/>
   </p:clrMapOvr>
+  <mc:AlternateContent xmlns:mc="http://schemas.openxmlformats.org/markup-compatibility/2006">
+    <mc:Choice xmlns:p159="http://schemas.microsoft.com/office/powerpoint/2015/09/main" Requires="p159">
+      <p:transition xmlns:p14="http://schemas.microsoft.com/office/powerpoint/2010/main" spd="slow" p14:dur="2000">
+        <p159:morph option="byObject"/>
+      </p:transition>
+    </mc:Choice>
+    <mc:Fallback>
+      <p:transition spd="slow">
+        <p:fade/>
+      </p:transition>
+    </mc:Fallback>
+  </mc:AlternateContent>
 </p:sld>
 </file>
 
 <file path=ppt/slides/slide11.xml><?xml version="1.0" encoding="utf-8"?>
 <p:sld xmlns:a="http://schemas.openxmlformats.org/drawingml/2006/main" xmlns:r="http://schemas.openxmlformats.org/officeDocument/2006/relationships" xmlns:p="http://schemas.openxmlformats.org/presentationml/2006/main">
   <p:cSld>
+    <p:bg>
+      <p:bgPr>
+        <a:solidFill>
+          <a:schemeClr val="bg1"/>
+        </a:solidFill>
+        <a:effectLst/>
+      </p:bgPr>
+    </p:bg>
     <p:spTree>
       <p:nvGrpSpPr>
         <p:cNvPr id="1" name=""/>
@@ -5220,6 +5630,76 @@
       </p:grpSpPr>
       <p:sp>
         <p:nvSpPr>
+          <p:cNvPr id="8" name="Rectangle 7">
+            <a:extLst>
+              <a:ext uri="{FF2B5EF4-FFF2-40B4-BE49-F238E27FC236}">
+                <a16:creationId xmlns:a16="http://schemas.microsoft.com/office/drawing/2014/main" id="{A7AE9375-4664-4DB2-922D-2782A6E439AC}"/>
+              </a:ext>
+              <a:ext uri="{C183D7F6-B498-43B3-948B-1728B52AA6E4}">
+                <adec:decorative xmlns:adec="http://schemas.microsoft.com/office/drawing/2017/decorative" val="1"/>
+              </a:ext>
+            </a:extLst>
+          </p:cNvPr>
+          <p:cNvSpPr>
+            <a:spLocks noGrp="1" noRot="1" noChangeAspect="1" noMove="1" noResize="1" noEditPoints="1" noAdjustHandles="1" noChangeArrowheads="1" noChangeShapeType="1" noTextEdit="1"/>
+          </p:cNvSpPr>
+          <p:nvPr>
+            <p:extLst>
+              <p:ext uri="{386F3935-93C4-4BCD-93E2-E3B085C9AB24}">
+                <p16:designElem xmlns:p16="http://schemas.microsoft.com/office/powerpoint/2015/main" val="1"/>
+              </p:ext>
+            </p:extLst>
+          </p:nvPr>
+        </p:nvSpPr>
+        <p:spPr>
+          <a:xfrm>
+            <a:off x="0" y="0"/>
+            <a:ext cx="12192000" cy="6858000"/>
+          </a:xfrm>
+          <a:prstGeom prst="rect">
+            <a:avLst/>
+          </a:prstGeom>
+          <a:solidFill>
+            <a:schemeClr val="tx1">
+              <a:lumMod val="95000"/>
+              <a:lumOff val="5000"/>
+            </a:schemeClr>
+          </a:solidFill>
+          <a:ln>
+            <a:noFill/>
+          </a:ln>
+        </p:spPr>
+        <p:style>
+          <a:lnRef idx="2">
+            <a:schemeClr val="accent1">
+              <a:shade val="50000"/>
+            </a:schemeClr>
+          </a:lnRef>
+          <a:fillRef idx="1">
+            <a:schemeClr val="accent1"/>
+          </a:fillRef>
+          <a:effectRef idx="0">
+            <a:schemeClr val="accent1"/>
+          </a:effectRef>
+          <a:fontRef idx="minor">
+            <a:schemeClr val="lt1"/>
+          </a:fontRef>
+        </p:style>
+        <p:txBody>
+          <a:bodyPr rtlCol="0" anchor="ctr"/>
+          <a:lstStyle/>
+          <a:p>
+            <a:pPr algn="ctr"/>
+            <a:endParaRPr lang="en-US" dirty="0">
+              <a:solidFill>
+                <a:schemeClr val="tx1"/>
+              </a:solidFill>
+            </a:endParaRPr>
+          </a:p>
+        </p:txBody>
+      </p:sp>
+      <p:sp>
+        <p:nvSpPr>
           <p:cNvPr id="2" name="Title 1">
             <a:extLst>
               <a:ext uri="{FF2B5EF4-FFF2-40B4-BE49-F238E27FC236}">
@@ -5234,22 +5714,90 @@
             <p:ph type="title"/>
           </p:nvPr>
         </p:nvSpPr>
-        <p:spPr/>
-        <p:txBody>
-          <a:bodyPr/>
+        <p:spPr>
+          <a:xfrm>
+            <a:off x="838200" y="669925"/>
+            <a:ext cx="4508946" cy="1325563"/>
+          </a:xfrm>
+        </p:spPr>
+        <p:txBody>
+          <a:bodyPr anchor="b">
+            <a:normAutofit/>
+          </a:bodyPr>
           <a:lstStyle/>
           <a:p>
-            <a:r>
-              <a:rPr lang="en-US" dirty="0"/>
+            <a:pPr algn="r"/>
+            <a:r>
+              <a:rPr lang="en-US">
+                <a:solidFill>
+                  <a:schemeClr val="bg1"/>
+                </a:solidFill>
+              </a:rPr>
               <a:t>L</a:t>
             </a:r>
             <a:r>
-              <a:rPr lang="en-IL" dirty="0"/>
+              <a:rPr lang="en-IL">
+                <a:solidFill>
+                  <a:schemeClr val="bg1"/>
+                </a:solidFill>
+              </a:rPr>
               <a:t>et’s start count (useState)</a:t>
             </a:r>
           </a:p>
         </p:txBody>
       </p:sp>
+      <p:cxnSp>
+        <p:nvCxnSpPr>
+          <p:cNvPr id="10" name="Straight Connector 9">
+            <a:extLst>
+              <a:ext uri="{FF2B5EF4-FFF2-40B4-BE49-F238E27FC236}">
+                <a16:creationId xmlns:a16="http://schemas.microsoft.com/office/drawing/2014/main" id="{EE504C98-6397-41C1-A8D8-2D9C4ED307E0}"/>
+              </a:ext>
+              <a:ext uri="{C183D7F6-B498-43B3-948B-1728B52AA6E4}">
+                <adec:decorative xmlns:adec="http://schemas.microsoft.com/office/drawing/2017/decorative" val="1"/>
+              </a:ext>
+            </a:extLst>
+          </p:cNvPr>
+          <p:cNvCxnSpPr>
+            <a:cxnSpLocks noGrp="1" noRot="1" noChangeAspect="1" noMove="1" noResize="1" noEditPoints="1" noAdjustHandles="1" noChangeArrowheads="1" noChangeShapeType="1"/>
+          </p:cNvCxnSpPr>
+          <p:nvPr>
+            <p:extLst>
+              <p:ext uri="{386F3935-93C4-4BCD-93E2-E3B085C9AB24}">
+                <p16:designElem xmlns:p16="http://schemas.microsoft.com/office/powerpoint/2015/main" val="1"/>
+              </p:ext>
+            </p:extLst>
+          </p:nvPr>
+        </p:nvCxnSpPr>
+        <p:spPr>
+          <a:xfrm flipH="1">
+            <a:off x="126210" y="2026340"/>
+            <a:ext cx="5220936" cy="0"/>
+          </a:xfrm>
+          <a:prstGeom prst="line">
+            <a:avLst/>
+          </a:prstGeom>
+          <a:ln w="12700">
+            <a:solidFill>
+              <a:schemeClr val="accent2"/>
+            </a:solidFill>
+          </a:ln>
+        </p:spPr>
+        <p:style>
+          <a:lnRef idx="1">
+            <a:schemeClr val="accent1"/>
+          </a:lnRef>
+          <a:fillRef idx="0">
+            <a:schemeClr val="accent1"/>
+          </a:fillRef>
+          <a:effectRef idx="0">
+            <a:schemeClr val="accent1"/>
+          </a:effectRef>
+          <a:fontRef idx="minor">
+            <a:schemeClr val="tx1"/>
+          </a:fontRef>
+        </p:style>
+      </p:cxnSp>
       <p:sp>
         <p:nvSpPr>
           <p:cNvPr id="3" name="Content Placeholder 2">
@@ -5266,49 +5814,34 @@
             <p:ph idx="1"/>
           </p:nvPr>
         </p:nvSpPr>
-        <p:spPr/>
-        <p:txBody>
-          <a:bodyPr/>
+        <p:spPr>
+          <a:xfrm>
+            <a:off x="1392667" y="2398957"/>
+            <a:ext cx="9406666" cy="3526144"/>
+          </a:xfrm>
+        </p:spPr>
+        <p:txBody>
+          <a:bodyPr>
+            <a:normAutofit/>
+          </a:bodyPr>
           <a:lstStyle/>
           <a:p>
-            <a:pPr algn="l"/>
-            <a:r>
-              <a:rPr lang="en-US" b="0" i="0" dirty="0">
+            <a:r>
+              <a:rPr lang="en-US" sz="2000" b="0" i="0">
                 <a:solidFill>
-                  <a:srgbClr val="374151"/>
+                  <a:schemeClr val="bg1"/>
                 </a:solidFill>
                 <a:effectLst/>
                 <a:latin typeface="Söhne"/>
               </a:rPr>
-              <a:t>In React, useState is a built-in hook that allows functional components to have state variables. Prior to React 16.8, state could only be managed in class components using the </a:t>
-            </a:r>
-            <a:r>
-              <a:rPr lang="en-US" b="0" i="0" dirty="0" err="1">
+              <a:t>In React, useState is a built-in hook that allows functional components to have state variables. Prior to React 16.8, state could only be managed in class components using the this.state approach, but with the introduction of hooks, functional components gained the ability to manage state as well.</a:t>
+            </a:r>
+          </a:p>
+          <a:p>
+            <a:r>
+              <a:rPr lang="en-US" sz="2000" b="0" i="0">
                 <a:solidFill>
-                  <a:srgbClr val="374151"/>
-                </a:solidFill>
-                <a:effectLst/>
-                <a:latin typeface="Söhne"/>
-              </a:rPr>
-              <a:t>this.state</a:t>
-            </a:r>
-            <a:r>
-              <a:rPr lang="en-US" b="0" i="0" dirty="0">
-                <a:solidFill>
-                  <a:srgbClr val="374151"/>
-                </a:solidFill>
-                <a:effectLst/>
-                <a:latin typeface="Söhne"/>
-              </a:rPr>
-              <a:t> approach, but with the introduction of hooks, functional components gained the ability to manage state as well.</a:t>
-            </a:r>
-          </a:p>
-          <a:p>
-            <a:pPr algn="l"/>
-            <a:r>
-              <a:rPr lang="en-US" b="0" i="0" dirty="0">
-                <a:solidFill>
-                  <a:srgbClr val="374151"/>
+                  <a:schemeClr val="bg1"/>
                 </a:solidFill>
                 <a:effectLst/>
                 <a:latin typeface="Söhne"/>
@@ -5320,7 +5853,74 @@
             <a:pPr marL="0" indent="0">
               <a:buNone/>
             </a:pPr>
-            <a:endParaRPr lang="en-IL" dirty="0"/>
+            <a:endParaRPr lang="en-IL" sz="2000">
+              <a:solidFill>
+                <a:schemeClr val="bg1"/>
+              </a:solidFill>
+            </a:endParaRPr>
+          </a:p>
+        </p:txBody>
+      </p:sp>
+      <p:sp>
+        <p:nvSpPr>
+          <p:cNvPr id="12" name="Rectangle 11">
+            <a:extLst>
+              <a:ext uri="{FF2B5EF4-FFF2-40B4-BE49-F238E27FC236}">
+                <a16:creationId xmlns:a16="http://schemas.microsoft.com/office/drawing/2014/main" id="{9DD005C1-8C51-42D6-9BEE-B9B83849743D}"/>
+              </a:ext>
+              <a:ext uri="{C183D7F6-B498-43B3-948B-1728B52AA6E4}">
+                <adec:decorative xmlns:adec="http://schemas.microsoft.com/office/drawing/2017/decorative" val="1"/>
+              </a:ext>
+            </a:extLst>
+          </p:cNvPr>
+          <p:cNvSpPr>
+            <a:spLocks noGrp="1" noRot="1" noChangeAspect="1" noMove="1" noResize="1" noEditPoints="1" noAdjustHandles="1" noChangeArrowheads="1" noChangeShapeType="1" noTextEdit="1"/>
+          </p:cNvSpPr>
+          <p:nvPr>
+            <p:extLst>
+              <p:ext uri="{386F3935-93C4-4BCD-93E2-E3B085C9AB24}">
+                <p16:designElem xmlns:p16="http://schemas.microsoft.com/office/powerpoint/2015/main" val="1"/>
+              </p:ext>
+            </p:extLst>
+          </p:nvPr>
+        </p:nvSpPr>
+        <p:spPr>
+          <a:xfrm>
+            <a:off x="126206" y="115193"/>
+            <a:ext cx="11939588" cy="6627614"/>
+          </a:xfrm>
+          <a:prstGeom prst="rect">
+            <a:avLst/>
+          </a:prstGeom>
+          <a:noFill/>
+          <a:ln w="12700">
+            <a:solidFill>
+              <a:schemeClr val="accent2"/>
+            </a:solidFill>
+          </a:ln>
+        </p:spPr>
+        <p:style>
+          <a:lnRef idx="2">
+            <a:schemeClr val="accent1">
+              <a:shade val="50000"/>
+            </a:schemeClr>
+          </a:lnRef>
+          <a:fillRef idx="1">
+            <a:schemeClr val="accent1"/>
+          </a:fillRef>
+          <a:effectRef idx="0">
+            <a:schemeClr val="accent1"/>
+          </a:effectRef>
+          <a:fontRef idx="minor">
+            <a:schemeClr val="lt1"/>
+          </a:fontRef>
+        </p:style>
+        <p:txBody>
+          <a:bodyPr rtlCol="0" anchor="ctr"/>
+          <a:lstStyle/>
+          <a:p>
+            <a:pPr algn="ctr"/>
+            <a:endParaRPr lang="en-US"/>
           </a:p>
         </p:txBody>
       </p:sp>
@@ -5334,6 +5934,18 @@
   <p:clrMapOvr>
     <a:masterClrMapping/>
   </p:clrMapOvr>
+  <mc:AlternateContent xmlns:mc="http://schemas.openxmlformats.org/markup-compatibility/2006">
+    <mc:Choice xmlns:p159="http://schemas.microsoft.com/office/powerpoint/2015/09/main" Requires="p159">
+      <p:transition xmlns:p14="http://schemas.microsoft.com/office/powerpoint/2010/main" spd="slow" p14:dur="2000">
+        <p159:morph option="byObject"/>
+      </p:transition>
+    </mc:Choice>
+    <mc:Fallback>
+      <p:transition spd="slow">
+        <p:fade/>
+      </p:transition>
+    </mc:Fallback>
+  </mc:AlternateContent>
 </p:sld>
 </file>
 
@@ -5510,6 +6122,18 @@
   <p:clrMapOvr>
     <a:masterClrMapping/>
   </p:clrMapOvr>
+  <mc:AlternateContent xmlns:mc="http://schemas.openxmlformats.org/markup-compatibility/2006">
+    <mc:Choice xmlns:p159="http://schemas.microsoft.com/office/powerpoint/2015/09/main" Requires="p159">
+      <p:transition xmlns:p14="http://schemas.microsoft.com/office/powerpoint/2010/main" spd="slow" p14:dur="2000">
+        <p159:morph option="byObject"/>
+      </p:transition>
+    </mc:Choice>
+    <mc:Fallback>
+      <p:transition spd="slow">
+        <p:fade/>
+      </p:transition>
+    </mc:Fallback>
+  </mc:AlternateContent>
 </p:sld>
 </file>
 
@@ -5686,6 +6310,18 @@
   <p:clrMapOvr>
     <a:masterClrMapping/>
   </p:clrMapOvr>
+  <mc:AlternateContent xmlns:mc="http://schemas.openxmlformats.org/markup-compatibility/2006">
+    <mc:Choice xmlns:p159="http://schemas.microsoft.com/office/powerpoint/2015/09/main" Requires="p159">
+      <p:transition xmlns:p14="http://schemas.microsoft.com/office/powerpoint/2010/main" spd="slow" p14:dur="2000">
+        <p159:morph option="byObject"/>
+      </p:transition>
+    </mc:Choice>
+    <mc:Fallback>
+      <p:transition spd="slow">
+        <p:fade/>
+      </p:transition>
+    </mc:Fallback>
+  </mc:AlternateContent>
 </p:sld>
 </file>
 
@@ -6178,6 +6814,18 @@
   <p:clrMapOvr>
     <a:masterClrMapping/>
   </p:clrMapOvr>
+  <mc:AlternateContent xmlns:mc="http://schemas.openxmlformats.org/markup-compatibility/2006">
+    <mc:Choice xmlns:p159="http://schemas.microsoft.com/office/powerpoint/2015/09/main" Requires="p159">
+      <p:transition xmlns:p14="http://schemas.microsoft.com/office/powerpoint/2010/main" spd="slow" p14:dur="2000">
+        <p159:morph option="byObject"/>
+      </p:transition>
+    </mc:Choice>
+    <mc:Fallback>
+      <p:transition spd="slow">
+        <p:fade/>
+      </p:transition>
+    </mc:Fallback>
+  </mc:AlternateContent>
 </p:sld>
 </file>
 
@@ -6616,12 +7264,32 @@
   <p:clrMapOvr>
     <a:masterClrMapping/>
   </p:clrMapOvr>
+  <mc:AlternateContent xmlns:mc="http://schemas.openxmlformats.org/markup-compatibility/2006">
+    <mc:Choice xmlns:p159="http://schemas.microsoft.com/office/powerpoint/2015/09/main" Requires="p159">
+      <p:transition xmlns:p14="http://schemas.microsoft.com/office/powerpoint/2010/main" spd="slow" p14:dur="2000">
+        <p159:morph option="byObject"/>
+      </p:transition>
+    </mc:Choice>
+    <mc:Fallback>
+      <p:transition spd="slow">
+        <p:fade/>
+      </p:transition>
+    </mc:Fallback>
+  </mc:AlternateContent>
 </p:sld>
 </file>
 
 <file path=ppt/slides/slide16.xml><?xml version="1.0" encoding="utf-8"?>
 <p:sld xmlns:a="http://schemas.openxmlformats.org/drawingml/2006/main" xmlns:r="http://schemas.openxmlformats.org/officeDocument/2006/relationships" xmlns:p="http://schemas.openxmlformats.org/presentationml/2006/main">
   <p:cSld>
+    <p:bg>
+      <p:bgPr>
+        <a:solidFill>
+          <a:schemeClr val="bg1"/>
+        </a:solidFill>
+        <a:effectLst/>
+      </p:bgPr>
+    </p:bg>
     <p:spTree>
       <p:nvGrpSpPr>
         <p:cNvPr id="1" name=""/>
@@ -6638,6 +7306,76 @@
       </p:grpSpPr>
       <p:sp>
         <p:nvSpPr>
+          <p:cNvPr id="8" name="Rectangle 7">
+            <a:extLst>
+              <a:ext uri="{FF2B5EF4-FFF2-40B4-BE49-F238E27FC236}">
+                <a16:creationId xmlns:a16="http://schemas.microsoft.com/office/drawing/2014/main" id="{A7AE9375-4664-4DB2-922D-2782A6E439AC}"/>
+              </a:ext>
+              <a:ext uri="{C183D7F6-B498-43B3-948B-1728B52AA6E4}">
+                <adec:decorative xmlns:adec="http://schemas.microsoft.com/office/drawing/2017/decorative" val="1"/>
+              </a:ext>
+            </a:extLst>
+          </p:cNvPr>
+          <p:cNvSpPr>
+            <a:spLocks noGrp="1" noRot="1" noChangeAspect="1" noMove="1" noResize="1" noEditPoints="1" noAdjustHandles="1" noChangeArrowheads="1" noChangeShapeType="1" noTextEdit="1"/>
+          </p:cNvSpPr>
+          <p:nvPr>
+            <p:extLst>
+              <p:ext uri="{386F3935-93C4-4BCD-93E2-E3B085C9AB24}">
+                <p16:designElem xmlns:p16="http://schemas.microsoft.com/office/powerpoint/2015/main" val="1"/>
+              </p:ext>
+            </p:extLst>
+          </p:nvPr>
+        </p:nvSpPr>
+        <p:spPr>
+          <a:xfrm>
+            <a:off x="0" y="0"/>
+            <a:ext cx="12192000" cy="6858000"/>
+          </a:xfrm>
+          <a:prstGeom prst="rect">
+            <a:avLst/>
+          </a:prstGeom>
+          <a:solidFill>
+            <a:schemeClr val="tx1">
+              <a:lumMod val="95000"/>
+              <a:lumOff val="5000"/>
+            </a:schemeClr>
+          </a:solidFill>
+          <a:ln>
+            <a:noFill/>
+          </a:ln>
+        </p:spPr>
+        <p:style>
+          <a:lnRef idx="2">
+            <a:schemeClr val="accent1">
+              <a:shade val="50000"/>
+            </a:schemeClr>
+          </a:lnRef>
+          <a:fillRef idx="1">
+            <a:schemeClr val="accent1"/>
+          </a:fillRef>
+          <a:effectRef idx="0">
+            <a:schemeClr val="accent1"/>
+          </a:effectRef>
+          <a:fontRef idx="minor">
+            <a:schemeClr val="lt1"/>
+          </a:fontRef>
+        </p:style>
+        <p:txBody>
+          <a:bodyPr rtlCol="0" anchor="ctr"/>
+          <a:lstStyle/>
+          <a:p>
+            <a:pPr algn="ctr"/>
+            <a:endParaRPr lang="en-US" dirty="0">
+              <a:solidFill>
+                <a:schemeClr val="tx1"/>
+              </a:solidFill>
+            </a:endParaRPr>
+          </a:p>
+        </p:txBody>
+      </p:sp>
+      <p:sp>
+        <p:nvSpPr>
           <p:cNvPr id="2" name="Title 1">
             <a:extLst>
               <a:ext uri="{FF2B5EF4-FFF2-40B4-BE49-F238E27FC236}">
@@ -6652,22 +7390,90 @@
             <p:ph type="title"/>
           </p:nvPr>
         </p:nvSpPr>
-        <p:spPr/>
-        <p:txBody>
-          <a:bodyPr/>
+        <p:spPr>
+          <a:xfrm>
+            <a:off x="838200" y="669925"/>
+            <a:ext cx="4508946" cy="1325563"/>
+          </a:xfrm>
+        </p:spPr>
+        <p:txBody>
+          <a:bodyPr anchor="b">
+            <a:normAutofit/>
+          </a:bodyPr>
           <a:lstStyle/>
           <a:p>
-            <a:r>
-              <a:rPr lang="en-US" dirty="0"/>
+            <a:pPr algn="r"/>
+            <a:r>
+              <a:rPr lang="en-US">
+                <a:solidFill>
+                  <a:schemeClr val="bg1"/>
+                </a:solidFill>
+              </a:rPr>
               <a:t>W</a:t>
             </a:r>
             <a:r>
-              <a:rPr lang="en-IL" dirty="0"/>
+              <a:rPr lang="en-IL">
+                <a:solidFill>
+                  <a:schemeClr val="bg1"/>
+                </a:solidFill>
+              </a:rPr>
               <a:t>ait what is the className?</a:t>
             </a:r>
           </a:p>
         </p:txBody>
       </p:sp>
+      <p:cxnSp>
+        <p:nvCxnSpPr>
+          <p:cNvPr id="10" name="Straight Connector 9">
+            <a:extLst>
+              <a:ext uri="{FF2B5EF4-FFF2-40B4-BE49-F238E27FC236}">
+                <a16:creationId xmlns:a16="http://schemas.microsoft.com/office/drawing/2014/main" id="{EE504C98-6397-41C1-A8D8-2D9C4ED307E0}"/>
+              </a:ext>
+              <a:ext uri="{C183D7F6-B498-43B3-948B-1728B52AA6E4}">
+                <adec:decorative xmlns:adec="http://schemas.microsoft.com/office/drawing/2017/decorative" val="1"/>
+              </a:ext>
+            </a:extLst>
+          </p:cNvPr>
+          <p:cNvCxnSpPr>
+            <a:cxnSpLocks noGrp="1" noRot="1" noChangeAspect="1" noMove="1" noResize="1" noEditPoints="1" noAdjustHandles="1" noChangeArrowheads="1" noChangeShapeType="1"/>
+          </p:cNvCxnSpPr>
+          <p:nvPr>
+            <p:extLst>
+              <p:ext uri="{386F3935-93C4-4BCD-93E2-E3B085C9AB24}">
+                <p16:designElem xmlns:p16="http://schemas.microsoft.com/office/powerpoint/2015/main" val="1"/>
+              </p:ext>
+            </p:extLst>
+          </p:nvPr>
+        </p:nvCxnSpPr>
+        <p:spPr>
+          <a:xfrm flipH="1">
+            <a:off x="126210" y="2026340"/>
+            <a:ext cx="5220936" cy="0"/>
+          </a:xfrm>
+          <a:prstGeom prst="line">
+            <a:avLst/>
+          </a:prstGeom>
+          <a:ln w="12700">
+            <a:solidFill>
+              <a:schemeClr val="accent2"/>
+            </a:solidFill>
+          </a:ln>
+        </p:spPr>
+        <p:style>
+          <a:lnRef idx="1">
+            <a:schemeClr val="accent1"/>
+          </a:lnRef>
+          <a:fillRef idx="0">
+            <a:schemeClr val="accent1"/>
+          </a:fillRef>
+          <a:effectRef idx="0">
+            <a:schemeClr val="accent1"/>
+          </a:effectRef>
+          <a:fontRef idx="minor">
+            <a:schemeClr val="tx1"/>
+          </a:fontRef>
+        </p:style>
+      </p:cxnSp>
       <p:sp>
         <p:nvSpPr>
           <p:cNvPr id="3" name="Content Placeholder 2">
@@ -6684,15 +7490,22 @@
             <p:ph idx="1"/>
           </p:nvPr>
         </p:nvSpPr>
-        <p:spPr/>
-        <p:txBody>
-          <a:bodyPr/>
+        <p:spPr>
+          <a:xfrm>
+            <a:off x="1392667" y="2398957"/>
+            <a:ext cx="9406666" cy="3526144"/>
+          </a:xfrm>
+        </p:spPr>
+        <p:txBody>
+          <a:bodyPr>
+            <a:normAutofit/>
+          </a:bodyPr>
           <a:lstStyle/>
           <a:p>
             <a:r>
-              <a:rPr lang="en-US" b="0" i="0" dirty="0">
+              <a:rPr lang="en-US" sz="2000" b="0" i="0">
                 <a:solidFill>
-                  <a:srgbClr val="374151"/>
+                  <a:schemeClr val="bg1"/>
                 </a:solidFill>
                 <a:effectLst/>
                 <a:latin typeface="Söhne"/>
@@ -6700,13 +7513,17 @@
               <a:t>In React, the </a:t>
             </a:r>
             <a:r>
-              <a:rPr lang="en-US" dirty="0" err="1"/>
+              <a:rPr lang="en-US" sz="2000">
+                <a:solidFill>
+                  <a:schemeClr val="bg1"/>
+                </a:solidFill>
+              </a:rPr>
               <a:t>className</a:t>
             </a:r>
             <a:r>
-              <a:rPr lang="en-US" b="0" i="0" dirty="0">
+              <a:rPr lang="en-US" sz="2000" b="0" i="0">
                 <a:solidFill>
-                  <a:srgbClr val="374151"/>
+                  <a:schemeClr val="bg1"/>
                 </a:solidFill>
                 <a:effectLst/>
                 <a:latin typeface="Söhne"/>
@@ -6714,13 +7531,17 @@
               <a:t> attribute is used to apply CSS classes to HTML elements and components. It is the React equivalent of the traditional </a:t>
             </a:r>
             <a:r>
-              <a:rPr lang="en-US" dirty="0"/>
+              <a:rPr lang="en-US" sz="2000">
+                <a:solidFill>
+                  <a:schemeClr val="bg1"/>
+                </a:solidFill>
+              </a:rPr>
               <a:t>class</a:t>
             </a:r>
             <a:r>
-              <a:rPr lang="en-US" b="0" i="0" dirty="0">
+              <a:rPr lang="en-US" sz="2000" b="0" i="0">
                 <a:solidFill>
-                  <a:srgbClr val="374151"/>
+                  <a:schemeClr val="bg1"/>
                 </a:solidFill>
                 <a:effectLst/>
                 <a:latin typeface="Söhne"/>
@@ -6728,13 +7549,17 @@
               <a:t> attribute used in regular HTML. Since </a:t>
             </a:r>
             <a:r>
-              <a:rPr lang="en-US" dirty="0"/>
+              <a:rPr lang="en-US" sz="2000">
+                <a:solidFill>
+                  <a:schemeClr val="bg1"/>
+                </a:solidFill>
+              </a:rPr>
               <a:t>class</a:t>
             </a:r>
             <a:r>
-              <a:rPr lang="en-US" b="0" i="0" dirty="0">
+              <a:rPr lang="en-US" sz="2000" b="0" i="0">
                 <a:solidFill>
-                  <a:srgbClr val="374151"/>
+                  <a:schemeClr val="bg1"/>
                 </a:solidFill>
                 <a:effectLst/>
                 <a:latin typeface="Söhne"/>
@@ -6742,20 +7567,91 @@
               <a:t> is a reserved keyword in JavaScript, React uses </a:t>
             </a:r>
             <a:r>
-              <a:rPr lang="en-US" dirty="0" err="1"/>
+              <a:rPr lang="en-US" sz="2000">
+                <a:solidFill>
+                  <a:schemeClr val="bg1"/>
+                </a:solidFill>
+              </a:rPr>
               <a:t>className</a:t>
             </a:r>
             <a:r>
-              <a:rPr lang="en-US" b="0" i="0" dirty="0">
+              <a:rPr lang="en-US" sz="2000" b="0" i="0">
                 <a:solidFill>
-                  <a:srgbClr val="374151"/>
+                  <a:schemeClr val="bg1"/>
                 </a:solidFill>
                 <a:effectLst/>
                 <a:latin typeface="Söhne"/>
               </a:rPr>
               <a:t> to set the class name for an element.</a:t>
             </a:r>
-            <a:endParaRPr lang="en-IL" dirty="0"/>
+            <a:endParaRPr lang="en-IL" sz="2000">
+              <a:solidFill>
+                <a:schemeClr val="bg1"/>
+              </a:solidFill>
+            </a:endParaRPr>
+          </a:p>
+        </p:txBody>
+      </p:sp>
+      <p:sp>
+        <p:nvSpPr>
+          <p:cNvPr id="12" name="Rectangle 11">
+            <a:extLst>
+              <a:ext uri="{FF2B5EF4-FFF2-40B4-BE49-F238E27FC236}">
+                <a16:creationId xmlns:a16="http://schemas.microsoft.com/office/drawing/2014/main" id="{9DD005C1-8C51-42D6-9BEE-B9B83849743D}"/>
+              </a:ext>
+              <a:ext uri="{C183D7F6-B498-43B3-948B-1728B52AA6E4}">
+                <adec:decorative xmlns:adec="http://schemas.microsoft.com/office/drawing/2017/decorative" val="1"/>
+              </a:ext>
+            </a:extLst>
+          </p:cNvPr>
+          <p:cNvSpPr>
+            <a:spLocks noGrp="1" noRot="1" noChangeAspect="1" noMove="1" noResize="1" noEditPoints="1" noAdjustHandles="1" noChangeArrowheads="1" noChangeShapeType="1" noTextEdit="1"/>
+          </p:cNvSpPr>
+          <p:nvPr>
+            <p:extLst>
+              <p:ext uri="{386F3935-93C4-4BCD-93E2-E3B085C9AB24}">
+                <p16:designElem xmlns:p16="http://schemas.microsoft.com/office/powerpoint/2015/main" val="1"/>
+              </p:ext>
+            </p:extLst>
+          </p:nvPr>
+        </p:nvSpPr>
+        <p:spPr>
+          <a:xfrm>
+            <a:off x="126206" y="115193"/>
+            <a:ext cx="11939588" cy="6627614"/>
+          </a:xfrm>
+          <a:prstGeom prst="rect">
+            <a:avLst/>
+          </a:prstGeom>
+          <a:noFill/>
+          <a:ln w="12700">
+            <a:solidFill>
+              <a:schemeClr val="accent2"/>
+            </a:solidFill>
+          </a:ln>
+        </p:spPr>
+        <p:style>
+          <a:lnRef idx="2">
+            <a:schemeClr val="accent1">
+              <a:shade val="50000"/>
+            </a:schemeClr>
+          </a:lnRef>
+          <a:fillRef idx="1">
+            <a:schemeClr val="accent1"/>
+          </a:fillRef>
+          <a:effectRef idx="0">
+            <a:schemeClr val="accent1"/>
+          </a:effectRef>
+          <a:fontRef idx="minor">
+            <a:schemeClr val="lt1"/>
+          </a:fontRef>
+        </p:style>
+        <p:txBody>
+          <a:bodyPr rtlCol="0" anchor="ctr"/>
+          <a:lstStyle/>
+          <a:p>
+            <a:pPr algn="ctr"/>
+            <a:endParaRPr lang="en-US"/>
           </a:p>
         </p:txBody>
       </p:sp>
@@ -6769,6 +7665,18 @@
   <p:clrMapOvr>
     <a:masterClrMapping/>
   </p:clrMapOvr>
+  <mc:AlternateContent xmlns:mc="http://schemas.openxmlformats.org/markup-compatibility/2006">
+    <mc:Choice xmlns:p159="http://schemas.microsoft.com/office/powerpoint/2015/09/main" Requires="p159">
+      <p:transition xmlns:p14="http://schemas.microsoft.com/office/powerpoint/2010/main" spd="slow" p14:dur="2000">
+        <p159:morph option="byObject"/>
+      </p:transition>
+    </mc:Choice>
+    <mc:Fallback>
+      <p:transition spd="slow">
+        <p:fade/>
+      </p:transition>
+    </mc:Fallback>
+  </mc:AlternateContent>
 </p:sld>
 </file>
 
@@ -7216,12 +8124,32 @@
   <p:clrMapOvr>
     <a:masterClrMapping/>
   </p:clrMapOvr>
+  <mc:AlternateContent xmlns:mc="http://schemas.openxmlformats.org/markup-compatibility/2006">
+    <mc:Choice xmlns:p159="http://schemas.microsoft.com/office/powerpoint/2015/09/main" Requires="p159">
+      <p:transition xmlns:p14="http://schemas.microsoft.com/office/powerpoint/2010/main" spd="slow" p14:dur="2000">
+        <p159:morph option="byObject"/>
+      </p:transition>
+    </mc:Choice>
+    <mc:Fallback>
+      <p:transition spd="slow">
+        <p:fade/>
+      </p:transition>
+    </mc:Fallback>
+  </mc:AlternateContent>
 </p:sld>
 </file>
 
 <file path=ppt/slides/slide18.xml><?xml version="1.0" encoding="utf-8"?>
 <p:sld xmlns:a="http://schemas.openxmlformats.org/drawingml/2006/main" xmlns:r="http://schemas.openxmlformats.org/officeDocument/2006/relationships" xmlns:p="http://schemas.openxmlformats.org/presentationml/2006/main">
   <p:cSld>
+    <p:bg>
+      <p:bgPr>
+        <a:solidFill>
+          <a:schemeClr val="bg1"/>
+        </a:solidFill>
+        <a:effectLst/>
+      </p:bgPr>
+    </p:bg>
     <p:spTree>
       <p:nvGrpSpPr>
         <p:cNvPr id="1" name=""/>
@@ -7238,6 +8166,76 @@
       </p:grpSpPr>
       <p:sp>
         <p:nvSpPr>
+          <p:cNvPr id="8" name="Rectangle 7">
+            <a:extLst>
+              <a:ext uri="{FF2B5EF4-FFF2-40B4-BE49-F238E27FC236}">
+                <a16:creationId xmlns:a16="http://schemas.microsoft.com/office/drawing/2014/main" id="{A7AE9375-4664-4DB2-922D-2782A6E439AC}"/>
+              </a:ext>
+              <a:ext uri="{C183D7F6-B498-43B3-948B-1728B52AA6E4}">
+                <adec:decorative xmlns:adec="http://schemas.microsoft.com/office/drawing/2017/decorative" val="1"/>
+              </a:ext>
+            </a:extLst>
+          </p:cNvPr>
+          <p:cNvSpPr>
+            <a:spLocks noGrp="1" noRot="1" noChangeAspect="1" noMove="1" noResize="1" noEditPoints="1" noAdjustHandles="1" noChangeArrowheads="1" noChangeShapeType="1" noTextEdit="1"/>
+          </p:cNvSpPr>
+          <p:nvPr>
+            <p:extLst>
+              <p:ext uri="{386F3935-93C4-4BCD-93E2-E3B085C9AB24}">
+                <p16:designElem xmlns:p16="http://schemas.microsoft.com/office/powerpoint/2015/main" val="1"/>
+              </p:ext>
+            </p:extLst>
+          </p:nvPr>
+        </p:nvSpPr>
+        <p:spPr>
+          <a:xfrm>
+            <a:off x="0" y="0"/>
+            <a:ext cx="12192000" cy="6858000"/>
+          </a:xfrm>
+          <a:prstGeom prst="rect">
+            <a:avLst/>
+          </a:prstGeom>
+          <a:solidFill>
+            <a:schemeClr val="tx1">
+              <a:lumMod val="95000"/>
+              <a:lumOff val="5000"/>
+            </a:schemeClr>
+          </a:solidFill>
+          <a:ln>
+            <a:noFill/>
+          </a:ln>
+        </p:spPr>
+        <p:style>
+          <a:lnRef idx="2">
+            <a:schemeClr val="accent1">
+              <a:shade val="50000"/>
+            </a:schemeClr>
+          </a:lnRef>
+          <a:fillRef idx="1">
+            <a:schemeClr val="accent1"/>
+          </a:fillRef>
+          <a:effectRef idx="0">
+            <a:schemeClr val="accent1"/>
+          </a:effectRef>
+          <a:fontRef idx="minor">
+            <a:schemeClr val="lt1"/>
+          </a:fontRef>
+        </p:style>
+        <p:txBody>
+          <a:bodyPr rtlCol="0" anchor="ctr"/>
+          <a:lstStyle/>
+          <a:p>
+            <a:pPr algn="ctr"/>
+            <a:endParaRPr lang="en-US" dirty="0">
+              <a:solidFill>
+                <a:schemeClr val="tx1"/>
+              </a:solidFill>
+            </a:endParaRPr>
+          </a:p>
+        </p:txBody>
+      </p:sp>
+      <p:sp>
+        <p:nvSpPr>
           <p:cNvPr id="2" name="Title 1">
             <a:extLst>
               <a:ext uri="{FF2B5EF4-FFF2-40B4-BE49-F238E27FC236}">
@@ -7252,45 +8250,114 @@
             <p:ph type="title"/>
           </p:nvPr>
         </p:nvSpPr>
-        <p:spPr/>
-        <p:txBody>
-          <a:bodyPr/>
-          <a:lstStyle/>
-          <a:p>
-            <a:r>
-              <a:rPr lang="en-IL" dirty="0"/>
-              <a:t>explain</a:t>
-            </a:r>
-          </a:p>
-        </p:txBody>
-      </p:sp>
-      <p:sp>
-        <p:nvSpPr>
-          <p:cNvPr id="3" name="Content Placeholder 2">
-            <a:extLst>
-              <a:ext uri="{FF2B5EF4-FFF2-40B4-BE49-F238E27FC236}">
-                <a16:creationId xmlns:a16="http://schemas.microsoft.com/office/drawing/2014/main" id="{5C521763-DD62-5B65-FDC7-2F77E21F569B}"/>
-              </a:ext>
-            </a:extLst>
-          </p:cNvPr>
-          <p:cNvSpPr>
-            <a:spLocks noGrp="1"/>
-          </p:cNvSpPr>
-          <p:nvPr>
-            <p:ph idx="1"/>
-          </p:nvPr>
-        </p:nvSpPr>
-        <p:spPr/>
-        <p:txBody>
-          <a:bodyPr>
-            <a:normAutofit lnSpcReduction="10000"/>
+        <p:spPr>
+          <a:xfrm>
+            <a:off x="838200" y="669925"/>
+            <a:ext cx="4508946" cy="1325563"/>
+          </a:xfrm>
+        </p:spPr>
+        <p:txBody>
+          <a:bodyPr anchor="b">
+            <a:normAutofit/>
           </a:bodyPr>
           <a:lstStyle/>
           <a:p>
-            <a:r>
-              <a:rPr lang="en-US" b="0" i="0" dirty="0">
+            <a:pPr algn="r"/>
+            <a:r>
+              <a:rPr lang="en-IL">
                 <a:solidFill>
-                  <a:srgbClr val="374151"/>
+                  <a:schemeClr val="bg1"/>
+                </a:solidFill>
+              </a:rPr>
+              <a:t>explain</a:t>
+            </a:r>
+          </a:p>
+        </p:txBody>
+      </p:sp>
+      <p:cxnSp>
+        <p:nvCxnSpPr>
+          <p:cNvPr id="10" name="Straight Connector 9">
+            <a:extLst>
+              <a:ext uri="{FF2B5EF4-FFF2-40B4-BE49-F238E27FC236}">
+                <a16:creationId xmlns:a16="http://schemas.microsoft.com/office/drawing/2014/main" id="{EE504C98-6397-41C1-A8D8-2D9C4ED307E0}"/>
+              </a:ext>
+              <a:ext uri="{C183D7F6-B498-43B3-948B-1728B52AA6E4}">
+                <adec:decorative xmlns:adec="http://schemas.microsoft.com/office/drawing/2017/decorative" val="1"/>
+              </a:ext>
+            </a:extLst>
+          </p:cNvPr>
+          <p:cNvCxnSpPr>
+            <a:cxnSpLocks noGrp="1" noRot="1" noChangeAspect="1" noMove="1" noResize="1" noEditPoints="1" noAdjustHandles="1" noChangeArrowheads="1" noChangeShapeType="1"/>
+          </p:cNvCxnSpPr>
+          <p:nvPr>
+            <p:extLst>
+              <p:ext uri="{386F3935-93C4-4BCD-93E2-E3B085C9AB24}">
+                <p16:designElem xmlns:p16="http://schemas.microsoft.com/office/powerpoint/2015/main" val="1"/>
+              </p:ext>
+            </p:extLst>
+          </p:nvPr>
+        </p:nvCxnSpPr>
+        <p:spPr>
+          <a:xfrm flipH="1">
+            <a:off x="126210" y="2026340"/>
+            <a:ext cx="5220936" cy="0"/>
+          </a:xfrm>
+          <a:prstGeom prst="line">
+            <a:avLst/>
+          </a:prstGeom>
+          <a:ln w="12700">
+            <a:solidFill>
+              <a:schemeClr val="accent2"/>
+            </a:solidFill>
+          </a:ln>
+        </p:spPr>
+        <p:style>
+          <a:lnRef idx="1">
+            <a:schemeClr val="accent1"/>
+          </a:lnRef>
+          <a:fillRef idx="0">
+            <a:schemeClr val="accent1"/>
+          </a:fillRef>
+          <a:effectRef idx="0">
+            <a:schemeClr val="accent1"/>
+          </a:effectRef>
+          <a:fontRef idx="minor">
+            <a:schemeClr val="tx1"/>
+          </a:fontRef>
+        </p:style>
+      </p:cxnSp>
+      <p:sp>
+        <p:nvSpPr>
+          <p:cNvPr id="3" name="Content Placeholder 2">
+            <a:extLst>
+              <a:ext uri="{FF2B5EF4-FFF2-40B4-BE49-F238E27FC236}">
+                <a16:creationId xmlns:a16="http://schemas.microsoft.com/office/drawing/2014/main" id="{5C521763-DD62-5B65-FDC7-2F77E21F569B}"/>
+              </a:ext>
+            </a:extLst>
+          </p:cNvPr>
+          <p:cNvSpPr>
+            <a:spLocks noGrp="1"/>
+          </p:cNvSpPr>
+          <p:nvPr>
+            <p:ph idx="1"/>
+          </p:nvPr>
+        </p:nvSpPr>
+        <p:spPr>
+          <a:xfrm>
+            <a:off x="1392667" y="2398957"/>
+            <a:ext cx="9406666" cy="3526144"/>
+          </a:xfrm>
+        </p:spPr>
+        <p:txBody>
+          <a:bodyPr>
+            <a:normAutofit/>
+          </a:bodyPr>
+          <a:lstStyle/>
+          <a:p>
+            <a:r>
+              <a:rPr lang="en-US" sz="2000" b="0" i="0">
+                <a:solidFill>
+                  <a:schemeClr val="bg1"/>
                 </a:solidFill>
                 <a:effectLst/>
                 <a:latin typeface="Söhne"/>
@@ -7299,13 +8366,13 @@
             </a:r>
           </a:p>
           <a:p>
-            <a:pPr marL="0" indent="0" algn="l">
+            <a:pPr marL="0" indent="0">
               <a:buNone/>
             </a:pPr>
             <a:r>
-              <a:rPr lang="en-US" b="1" i="0" dirty="0">
+              <a:rPr lang="en-US" sz="2000" b="1" i="0">
                 <a:solidFill>
-                  <a:srgbClr val="374151"/>
+                  <a:schemeClr val="bg1"/>
                 </a:solidFill>
                 <a:effectLst/>
                 <a:latin typeface="Söhne"/>
@@ -7313,9 +8380,9 @@
               <a:t>Scoped Styles</a:t>
             </a:r>
             <a:r>
-              <a:rPr lang="en-US" b="0" i="0" dirty="0">
+              <a:rPr lang="en-US" sz="2000" b="0" i="0">
                 <a:solidFill>
-                  <a:srgbClr val="374151"/>
+                  <a:schemeClr val="bg1"/>
                 </a:solidFill>
                 <a:effectLst/>
                 <a:latin typeface="Söhne"/>
@@ -7323,9 +8390,80 @@
               <a:t>: When using CSS Modules, each component gets its own unique class names, effectively scoping the styles to that specific component. This means that the styles defined in one component will not affect other components, helping to prevent unintended style conflicts.</a:t>
             </a:r>
             <a:br>
-              <a:rPr lang="en-US" dirty="0"/>
+              <a:rPr lang="en-US" sz="2000">
+                <a:solidFill>
+                  <a:schemeClr val="bg1"/>
+                </a:solidFill>
+              </a:rPr>
             </a:br>
-            <a:endParaRPr lang="en-IL" dirty="0"/>
+            <a:endParaRPr lang="en-IL" sz="2000">
+              <a:solidFill>
+                <a:schemeClr val="bg1"/>
+              </a:solidFill>
+            </a:endParaRPr>
+          </a:p>
+        </p:txBody>
+      </p:sp>
+      <p:sp>
+        <p:nvSpPr>
+          <p:cNvPr id="12" name="Rectangle 11">
+            <a:extLst>
+              <a:ext uri="{FF2B5EF4-FFF2-40B4-BE49-F238E27FC236}">
+                <a16:creationId xmlns:a16="http://schemas.microsoft.com/office/drawing/2014/main" id="{9DD005C1-8C51-42D6-9BEE-B9B83849743D}"/>
+              </a:ext>
+              <a:ext uri="{C183D7F6-B498-43B3-948B-1728B52AA6E4}">
+                <adec:decorative xmlns:adec="http://schemas.microsoft.com/office/drawing/2017/decorative" val="1"/>
+              </a:ext>
+            </a:extLst>
+          </p:cNvPr>
+          <p:cNvSpPr>
+            <a:spLocks noGrp="1" noRot="1" noChangeAspect="1" noMove="1" noResize="1" noEditPoints="1" noAdjustHandles="1" noChangeArrowheads="1" noChangeShapeType="1" noTextEdit="1"/>
+          </p:cNvSpPr>
+          <p:nvPr>
+            <p:extLst>
+              <p:ext uri="{386F3935-93C4-4BCD-93E2-E3B085C9AB24}">
+                <p16:designElem xmlns:p16="http://schemas.microsoft.com/office/powerpoint/2015/main" val="1"/>
+              </p:ext>
+            </p:extLst>
+          </p:nvPr>
+        </p:nvSpPr>
+        <p:spPr>
+          <a:xfrm>
+            <a:off x="126206" y="115193"/>
+            <a:ext cx="11939588" cy="6627614"/>
+          </a:xfrm>
+          <a:prstGeom prst="rect">
+            <a:avLst/>
+          </a:prstGeom>
+          <a:noFill/>
+          <a:ln w="12700">
+            <a:solidFill>
+              <a:schemeClr val="accent2"/>
+            </a:solidFill>
+          </a:ln>
+        </p:spPr>
+        <p:style>
+          <a:lnRef idx="2">
+            <a:schemeClr val="accent1">
+              <a:shade val="50000"/>
+            </a:schemeClr>
+          </a:lnRef>
+          <a:fillRef idx="1">
+            <a:schemeClr val="accent1"/>
+          </a:fillRef>
+          <a:effectRef idx="0">
+            <a:schemeClr val="accent1"/>
+          </a:effectRef>
+          <a:fontRef idx="minor">
+            <a:schemeClr val="lt1"/>
+          </a:fontRef>
+        </p:style>
+        <p:txBody>
+          <a:bodyPr rtlCol="0" anchor="ctr"/>
+          <a:lstStyle/>
+          <a:p>
+            <a:pPr algn="ctr"/>
+            <a:endParaRPr lang="en-US"/>
           </a:p>
         </p:txBody>
       </p:sp>
@@ -7339,6 +8477,18 @@
   <p:clrMapOvr>
     <a:masterClrMapping/>
   </p:clrMapOvr>
+  <mc:AlternateContent xmlns:mc="http://schemas.openxmlformats.org/markup-compatibility/2006">
+    <mc:Choice xmlns:p159="http://schemas.microsoft.com/office/powerpoint/2015/09/main" Requires="p159">
+      <p:transition xmlns:p14="http://schemas.microsoft.com/office/powerpoint/2010/main" spd="slow" p14:dur="2000">
+        <p159:morph option="byObject"/>
+      </p:transition>
+    </mc:Choice>
+    <mc:Fallback>
+      <p:transition spd="slow">
+        <p:fade/>
+      </p:transition>
+    </mc:Fallback>
+  </mc:AlternateContent>
 </p:sld>
 </file>
 
@@ -7515,6 +8665,18 @@
   <p:clrMapOvr>
     <a:masterClrMapping/>
   </p:clrMapOvr>
+  <mc:AlternateContent xmlns:mc="http://schemas.openxmlformats.org/markup-compatibility/2006">
+    <mc:Choice xmlns:p159="http://schemas.microsoft.com/office/powerpoint/2015/09/main" Requires="p159">
+      <p:transition xmlns:p14="http://schemas.microsoft.com/office/powerpoint/2010/main" spd="slow" p14:dur="2000">
+        <p159:morph option="byObject"/>
+      </p:transition>
+    </mc:Choice>
+    <mc:Fallback>
+      <p:transition spd="slow">
+        <p:fade/>
+      </p:transition>
+    </mc:Fallback>
+  </mc:AlternateContent>
 </p:sld>
 </file>
 
@@ -8282,10 +9444,2209 @@
   <p:clrMapOvr>
     <a:masterClrMapping/>
   </p:clrMapOvr>
+  <mc:AlternateContent xmlns:mc="http://schemas.openxmlformats.org/markup-compatibility/2006">
+    <mc:Choice xmlns:p159="http://schemas.microsoft.com/office/powerpoint/2015/09/main" Requires="p159">
+      <p:transition xmlns:p14="http://schemas.microsoft.com/office/powerpoint/2010/main" spd="slow" p14:dur="2000">
+        <p159:morph option="byObject"/>
+      </p:transition>
+    </mc:Choice>
+    <mc:Fallback>
+      <p:transition spd="slow">
+        <p:fade/>
+      </p:transition>
+    </mc:Fallback>
+  </mc:AlternateContent>
 </p:sld>
 </file>
 
 <file path=ppt/slides/slide20.xml><?xml version="1.0" encoding="utf-8"?>
+<p:sld xmlns:a="http://schemas.openxmlformats.org/drawingml/2006/main" xmlns:r="http://schemas.openxmlformats.org/officeDocument/2006/relationships" xmlns:p="http://schemas.openxmlformats.org/presentationml/2006/main">
+  <p:cSld>
+    <p:bg>
+      <p:bgPr>
+        <a:solidFill>
+          <a:schemeClr val="bg1"/>
+        </a:solidFill>
+        <a:effectLst/>
+      </p:bgPr>
+    </p:bg>
+    <p:spTree>
+      <p:nvGrpSpPr>
+        <p:cNvPr id="1" name=""/>
+        <p:cNvGrpSpPr/>
+        <p:nvPr/>
+      </p:nvGrpSpPr>
+      <p:grpSpPr>
+        <a:xfrm>
+          <a:off x="0" y="0"/>
+          <a:ext cx="0" cy="0"/>
+          <a:chOff x="0" y="0"/>
+          <a:chExt cx="0" cy="0"/>
+        </a:xfrm>
+      </p:grpSpPr>
+      <p:sp>
+        <p:nvSpPr>
+          <p:cNvPr id="8" name="Rectangle 7">
+            <a:extLst>
+              <a:ext uri="{FF2B5EF4-FFF2-40B4-BE49-F238E27FC236}">
+                <a16:creationId xmlns:a16="http://schemas.microsoft.com/office/drawing/2014/main" id="{FB5B0058-AF13-4859-B429-4EDDE2A26F7F}"/>
+              </a:ext>
+              <a:ext uri="{C183D7F6-B498-43B3-948B-1728B52AA6E4}">
+                <adec:decorative xmlns:adec="http://schemas.microsoft.com/office/drawing/2017/decorative" val="1"/>
+              </a:ext>
+            </a:extLst>
+          </p:cNvPr>
+          <p:cNvSpPr>
+            <a:spLocks noGrp="1" noRot="1" noChangeAspect="1" noMove="1" noResize="1" noEditPoints="1" noAdjustHandles="1" noChangeArrowheads="1" noChangeShapeType="1" noTextEdit="1"/>
+          </p:cNvSpPr>
+          <p:nvPr>
+            <p:extLst>
+              <p:ext uri="{386F3935-93C4-4BCD-93E2-E3B085C9AB24}">
+                <p16:designElem xmlns:p16="http://schemas.microsoft.com/office/powerpoint/2015/main" val="1"/>
+              </p:ext>
+            </p:extLst>
+          </p:nvPr>
+        </p:nvSpPr>
+        <p:spPr>
+          <a:xfrm>
+            <a:off x="0" y="0"/>
+            <a:ext cx="12192000" cy="6858000"/>
+          </a:xfrm>
+          <a:prstGeom prst="rect">
+            <a:avLst/>
+          </a:prstGeom>
+          <a:solidFill>
+            <a:schemeClr val="tx1">
+              <a:lumMod val="95000"/>
+              <a:lumOff val="5000"/>
+            </a:schemeClr>
+          </a:solidFill>
+          <a:ln>
+            <a:noFill/>
+          </a:ln>
+        </p:spPr>
+        <p:style>
+          <a:lnRef idx="2">
+            <a:schemeClr val="accent1">
+              <a:shade val="50000"/>
+            </a:schemeClr>
+          </a:lnRef>
+          <a:fillRef idx="1">
+            <a:schemeClr val="accent1"/>
+          </a:fillRef>
+          <a:effectRef idx="0">
+            <a:schemeClr val="accent1"/>
+          </a:effectRef>
+          <a:fontRef idx="minor">
+            <a:schemeClr val="lt1"/>
+          </a:fontRef>
+        </p:style>
+        <p:txBody>
+          <a:bodyPr rtlCol="0" anchor="ctr"/>
+          <a:lstStyle/>
+          <a:p>
+            <a:pPr algn="ctr"/>
+            <a:endParaRPr lang="en-US" dirty="0">
+              <a:solidFill>
+                <a:schemeClr val="bg1">
+                  <a:lumMod val="50000"/>
+                </a:schemeClr>
+              </a:solidFill>
+            </a:endParaRPr>
+          </a:p>
+        </p:txBody>
+      </p:sp>
+      <p:sp>
+        <p:nvSpPr>
+          <p:cNvPr id="2" name="Title 1">
+            <a:extLst>
+              <a:ext uri="{FF2B5EF4-FFF2-40B4-BE49-F238E27FC236}">
+                <a16:creationId xmlns:a16="http://schemas.microsoft.com/office/drawing/2014/main" id="{F4BBA9D2-A946-A458-CDC3-382407239AFC}"/>
+              </a:ext>
+            </a:extLst>
+          </p:cNvPr>
+          <p:cNvSpPr>
+            <a:spLocks noGrp="1"/>
+          </p:cNvSpPr>
+          <p:nvPr>
+            <p:ph type="title"/>
+          </p:nvPr>
+        </p:nvSpPr>
+        <p:spPr>
+          <a:xfrm>
+            <a:off x="1932903" y="949325"/>
+            <a:ext cx="8071706" cy="2387600"/>
+          </a:xfrm>
+        </p:spPr>
+        <p:txBody>
+          <a:bodyPr vert="horz" lIns="91440" tIns="45720" rIns="91440" bIns="45720" rtlCol="0" anchor="b">
+            <a:normAutofit/>
+          </a:bodyPr>
+          <a:lstStyle/>
+          <a:p>
+            <a:r>
+              <a:rPr lang="en-US" sz="6600" kern="1200">
+                <a:solidFill>
+                  <a:schemeClr val="bg1"/>
+                </a:solidFill>
+                <a:latin typeface="+mj-lt"/>
+                <a:ea typeface="+mj-ea"/>
+                <a:cs typeface="+mj-cs"/>
+              </a:rPr>
+              <a:t>layout</a:t>
+            </a:r>
+          </a:p>
+        </p:txBody>
+      </p:sp>
+      <p:sp>
+        <p:nvSpPr>
+          <p:cNvPr id="3" name="Content Placeholder 2">
+            <a:extLst>
+              <a:ext uri="{FF2B5EF4-FFF2-40B4-BE49-F238E27FC236}">
+                <a16:creationId xmlns:a16="http://schemas.microsoft.com/office/drawing/2014/main" id="{5C521763-DD62-5B65-FDC7-2F77E21F569B}"/>
+              </a:ext>
+            </a:extLst>
+          </p:cNvPr>
+          <p:cNvSpPr>
+            <a:spLocks noGrp="1"/>
+          </p:cNvSpPr>
+          <p:nvPr>
+            <p:ph idx="1"/>
+          </p:nvPr>
+        </p:nvSpPr>
+        <p:spPr>
+          <a:xfrm>
+            <a:off x="1932902" y="3429000"/>
+            <a:ext cx="8071697" cy="1655762"/>
+          </a:xfrm>
+        </p:spPr>
+        <p:txBody>
+          <a:bodyPr vert="horz" lIns="91440" tIns="45720" rIns="91440" bIns="45720" rtlCol="0">
+            <a:normAutofit/>
+          </a:bodyPr>
+          <a:lstStyle/>
+          <a:p>
+            <a:pPr marL="0" indent="0">
+              <a:buNone/>
+            </a:pPr>
+            <a:r>
+              <a:rPr lang="en-US" sz="3200" kern="1200">
+                <a:solidFill>
+                  <a:schemeClr val="bg1"/>
+                </a:solidFill>
+                <a:latin typeface="+mn-lt"/>
+                <a:ea typeface="+mn-ea"/>
+                <a:cs typeface="+mn-cs"/>
+              </a:rPr>
+              <a:t>https://nextjs.org/docs/app/building-your-application/routing/defining-routes</a:t>
+            </a:r>
+          </a:p>
+        </p:txBody>
+      </p:sp>
+      <p:cxnSp>
+        <p:nvCxnSpPr>
+          <p:cNvPr id="10" name="Straight Connector 9">
+            <a:extLst>
+              <a:ext uri="{FF2B5EF4-FFF2-40B4-BE49-F238E27FC236}">
+                <a16:creationId xmlns:a16="http://schemas.microsoft.com/office/drawing/2014/main" id="{EC4521DE-248E-440D-AAD6-FD9E7D34B3BF}"/>
+              </a:ext>
+              <a:ext uri="{C183D7F6-B498-43B3-948B-1728B52AA6E4}">
+                <adec:decorative xmlns:adec="http://schemas.microsoft.com/office/drawing/2017/decorative" val="1"/>
+              </a:ext>
+            </a:extLst>
+          </p:cNvPr>
+          <p:cNvCxnSpPr>
+            <a:cxnSpLocks noGrp="1" noRot="1" noChangeAspect="1" noMove="1" noResize="1" noEditPoints="1" noAdjustHandles="1" noChangeArrowheads="1" noChangeShapeType="1"/>
+          </p:cNvCxnSpPr>
+          <p:nvPr>
+            <p:extLst>
+              <p:ext uri="{386F3935-93C4-4BCD-93E2-E3B085C9AB24}">
+                <p16:designElem xmlns:p16="http://schemas.microsoft.com/office/powerpoint/2015/main" val="1"/>
+              </p:ext>
+            </p:extLst>
+          </p:nvPr>
+        </p:nvCxnSpPr>
+        <p:spPr>
+          <a:xfrm>
+            <a:off x="585285" y="0"/>
+            <a:ext cx="0" cy="6858000"/>
+          </a:xfrm>
+          <a:prstGeom prst="line">
+            <a:avLst/>
+          </a:prstGeom>
+          <a:ln w="12700">
+            <a:solidFill>
+              <a:schemeClr val="accent2"/>
+            </a:solidFill>
+          </a:ln>
+        </p:spPr>
+        <p:style>
+          <a:lnRef idx="1">
+            <a:schemeClr val="accent1"/>
+          </a:lnRef>
+          <a:fillRef idx="0">
+            <a:schemeClr val="accent1"/>
+          </a:fillRef>
+          <a:effectRef idx="0">
+            <a:schemeClr val="accent1"/>
+          </a:effectRef>
+          <a:fontRef idx="minor">
+            <a:schemeClr val="tx1"/>
+          </a:fontRef>
+        </p:style>
+      </p:cxnSp>
+      <p:cxnSp>
+        <p:nvCxnSpPr>
+          <p:cNvPr id="12" name="Straight Connector 11">
+            <a:extLst>
+              <a:ext uri="{FF2B5EF4-FFF2-40B4-BE49-F238E27FC236}">
+                <a16:creationId xmlns:a16="http://schemas.microsoft.com/office/drawing/2014/main" id="{442C13FA-4C0F-42D0-9626-5BA6040D8C31}"/>
+              </a:ext>
+              <a:ext uri="{C183D7F6-B498-43B3-948B-1728B52AA6E4}">
+                <adec:decorative xmlns:adec="http://schemas.microsoft.com/office/drawing/2017/decorative" val="1"/>
+              </a:ext>
+            </a:extLst>
+          </p:cNvPr>
+          <p:cNvCxnSpPr>
+            <a:cxnSpLocks noGrp="1" noRot="1" noChangeAspect="1" noMove="1" noResize="1" noEditPoints="1" noAdjustHandles="1" noChangeArrowheads="1" noChangeShapeType="1"/>
+          </p:cNvCxnSpPr>
+          <p:nvPr>
+            <p:extLst>
+              <p:ext uri="{386F3935-93C4-4BCD-93E2-E3B085C9AB24}">
+                <p16:designElem xmlns:p16="http://schemas.microsoft.com/office/powerpoint/2015/main" val="1"/>
+              </p:ext>
+            </p:extLst>
+          </p:nvPr>
+        </p:nvCxnSpPr>
+        <p:spPr>
+          <a:xfrm flipH="1">
+            <a:off x="0" y="6252485"/>
+            <a:ext cx="12192000" cy="0"/>
+          </a:xfrm>
+          <a:prstGeom prst="line">
+            <a:avLst/>
+          </a:prstGeom>
+          <a:ln w="12700">
+            <a:solidFill>
+              <a:schemeClr val="accent2"/>
+            </a:solidFill>
+          </a:ln>
+        </p:spPr>
+        <p:style>
+          <a:lnRef idx="1">
+            <a:schemeClr val="accent1"/>
+          </a:lnRef>
+          <a:fillRef idx="0">
+            <a:schemeClr val="accent1"/>
+          </a:fillRef>
+          <a:effectRef idx="0">
+            <a:schemeClr val="accent1"/>
+          </a:effectRef>
+          <a:fontRef idx="minor">
+            <a:schemeClr val="tx1"/>
+          </a:fontRef>
+        </p:style>
+      </p:cxnSp>
+    </p:spTree>
+    <p:extLst>
+      <p:ext uri="{BB962C8B-B14F-4D97-AF65-F5344CB8AC3E}">
+        <p14:creationId xmlns:p14="http://schemas.microsoft.com/office/powerpoint/2010/main" val="2076226408"/>
+      </p:ext>
+    </p:extLst>
+  </p:cSld>
+  <p:clrMapOvr>
+    <a:masterClrMapping/>
+  </p:clrMapOvr>
+  <mc:AlternateContent xmlns:mc="http://schemas.openxmlformats.org/markup-compatibility/2006">
+    <mc:Choice xmlns:p159="http://schemas.microsoft.com/office/powerpoint/2015/09/main" Requires="p159">
+      <p:transition xmlns:p14="http://schemas.microsoft.com/office/powerpoint/2010/main" spd="slow" p14:dur="2000">
+        <p159:morph option="byObject"/>
+      </p:transition>
+    </mc:Choice>
+    <mc:Fallback>
+      <p:transition spd="slow">
+        <p:fade/>
+      </p:transition>
+    </mc:Fallback>
+  </mc:AlternateContent>
+  <p:timing>
+    <p:tnLst>
+      <p:par>
+        <p:cTn id="1" dur="indefinite" restart="never" nodeType="tmRoot">
+          <p:childTnLst>
+            <p:seq concurrent="1" nextAc="seek">
+              <p:cTn id="2" dur="indefinite" nodeType="mainSeq">
+                <p:childTnLst>
+                  <p:par>
+                    <p:cTn id="3" fill="hold">
+                      <p:stCondLst>
+                        <p:cond delay="indefinite"/>
+                        <p:cond evt="onBegin" delay="0">
+                          <p:tn val="2"/>
+                        </p:cond>
+                      </p:stCondLst>
+                      <p:childTnLst>
+                        <p:par>
+                          <p:cTn id="4" fill="hold">
+                            <p:stCondLst>
+                              <p:cond delay="0"/>
+                            </p:stCondLst>
+                            <p:childTnLst>
+                              <p:par>
+                                <p:cTn id="5" presetID="10" presetClass="entr" presetSubtype="0" fill="hold" grpId="0" nodeType="withEffect">
+                                  <p:stCondLst>
+                                    <p:cond delay="500"/>
+                                  </p:stCondLst>
+                                  <p:iterate type="lt">
+                                    <p:tmPct val="10000"/>
+                                  </p:iterate>
+                                  <p:childTnLst>
+                                    <p:set>
+                                      <p:cBhvr>
+                                        <p:cTn id="6" dur="1" fill="hold">
+                                          <p:stCondLst>
+                                            <p:cond delay="0"/>
+                                          </p:stCondLst>
+                                        </p:cTn>
+                                        <p:tgtEl>
+                                          <p:spTgt spid="2"/>
+                                        </p:tgtEl>
+                                        <p:attrNameLst>
+                                          <p:attrName>style.visibility</p:attrName>
+                                        </p:attrNameLst>
+                                      </p:cBhvr>
+                                      <p:to>
+                                        <p:strVal val="visible"/>
+                                      </p:to>
+                                    </p:set>
+                                    <p:animEffect transition="in" filter="fade">
+                                      <p:cBhvr>
+                                        <p:cTn id="7" dur="400"/>
+                                        <p:tgtEl>
+                                          <p:spTgt spid="2"/>
+                                        </p:tgtEl>
+                                      </p:cBhvr>
+                                    </p:animEffect>
+                                  </p:childTnLst>
+                                </p:cTn>
+                              </p:par>
+                            </p:childTnLst>
+                          </p:cTn>
+                        </p:par>
+                      </p:childTnLst>
+                    </p:cTn>
+                  </p:par>
+                </p:childTnLst>
+              </p:cTn>
+              <p:prevCondLst>
+                <p:cond evt="onPrev" delay="0">
+                  <p:tgtEl>
+                    <p:sldTgt/>
+                  </p:tgtEl>
+                </p:cond>
+              </p:prevCondLst>
+              <p:nextCondLst>
+                <p:cond evt="onNext" delay="0">
+                  <p:tgtEl>
+                    <p:sldTgt/>
+                  </p:tgtEl>
+                </p:cond>
+              </p:nextCondLst>
+            </p:seq>
+          </p:childTnLst>
+        </p:cTn>
+      </p:par>
+    </p:tnLst>
+    <p:bldLst>
+      <p:bldP spid="2" grpId="0"/>
+    </p:bldLst>
+  </p:timing>
+</p:sld>
+</file>
+
+<file path=ppt/slides/slide21.xml><?xml version="1.0" encoding="utf-8"?>
+<p:sld xmlns:a="http://schemas.openxmlformats.org/drawingml/2006/main" xmlns:r="http://schemas.openxmlformats.org/officeDocument/2006/relationships" xmlns:p="http://schemas.openxmlformats.org/presentationml/2006/main">
+  <p:cSld>
+    <p:bg>
+      <p:bgPr>
+        <a:solidFill>
+          <a:schemeClr val="bg1"/>
+        </a:solidFill>
+        <a:effectLst/>
+      </p:bgPr>
+    </p:bg>
+    <p:spTree>
+      <p:nvGrpSpPr>
+        <p:cNvPr id="1" name=""/>
+        <p:cNvGrpSpPr/>
+        <p:nvPr/>
+      </p:nvGrpSpPr>
+      <p:grpSpPr>
+        <a:xfrm>
+          <a:off x="0" y="0"/>
+          <a:ext cx="0" cy="0"/>
+          <a:chOff x="0" y="0"/>
+          <a:chExt cx="0" cy="0"/>
+        </a:xfrm>
+      </p:grpSpPr>
+      <p:sp useBgFill="1">
+        <p:nvSpPr>
+          <p:cNvPr id="8" name="Rectangle 7">
+            <a:extLst>
+              <a:ext uri="{FF2B5EF4-FFF2-40B4-BE49-F238E27FC236}">
+                <a16:creationId xmlns:a16="http://schemas.microsoft.com/office/drawing/2014/main" id="{907EF6B7-1338-4443-8C46-6A318D952DFD}"/>
+              </a:ext>
+              <a:ext uri="{C183D7F6-B498-43B3-948B-1728B52AA6E4}">
+                <adec:decorative xmlns:adec="http://schemas.microsoft.com/office/drawing/2017/decorative" val="1"/>
+              </a:ext>
+            </a:extLst>
+          </p:cNvPr>
+          <p:cNvSpPr>
+            <a:spLocks noGrp="1" noRot="1" noChangeAspect="1" noMove="1" noResize="1" noEditPoints="1" noAdjustHandles="1" noChangeArrowheads="1" noChangeShapeType="1" noTextEdit="1"/>
+          </p:cNvSpPr>
+          <p:nvPr>
+            <p:extLst>
+              <p:ext uri="{386F3935-93C4-4BCD-93E2-E3B085C9AB24}">
+                <p16:designElem xmlns:p16="http://schemas.microsoft.com/office/powerpoint/2015/main" val="1"/>
+              </p:ext>
+            </p:extLst>
+          </p:nvPr>
+        </p:nvSpPr>
+        <p:spPr>
+          <a:xfrm>
+            <a:off x="3048" y="0"/>
+            <a:ext cx="12188952" cy="6858000"/>
+          </a:xfrm>
+          <a:prstGeom prst="rect">
+            <a:avLst/>
+          </a:prstGeom>
+          <a:ln>
+            <a:noFill/>
+          </a:ln>
+        </p:spPr>
+        <p:style>
+          <a:lnRef idx="2">
+            <a:schemeClr val="accent1">
+              <a:shade val="50000"/>
+            </a:schemeClr>
+          </a:lnRef>
+          <a:fillRef idx="1">
+            <a:schemeClr val="accent1"/>
+          </a:fillRef>
+          <a:effectRef idx="0">
+            <a:schemeClr val="accent1"/>
+          </a:effectRef>
+          <a:fontRef idx="minor">
+            <a:schemeClr val="lt1"/>
+          </a:fontRef>
+        </p:style>
+        <p:txBody>
+          <a:bodyPr rtlCol="0" anchor="ctr"/>
+          <a:lstStyle/>
+          <a:p>
+            <a:pPr algn="ctr"/>
+            <a:endParaRPr lang="en-US"/>
+          </a:p>
+        </p:txBody>
+      </p:sp>
+      <p:sp>
+        <p:nvSpPr>
+          <p:cNvPr id="10" name="Freeform: Shape 9">
+            <a:extLst>
+              <a:ext uri="{FF2B5EF4-FFF2-40B4-BE49-F238E27FC236}">
+                <a16:creationId xmlns:a16="http://schemas.microsoft.com/office/drawing/2014/main" id="{DAAE4CDD-124C-4DCF-9584-B6033B545DD5}"/>
+              </a:ext>
+              <a:ext uri="{C183D7F6-B498-43B3-948B-1728B52AA6E4}">
+                <adec:decorative xmlns:adec="http://schemas.microsoft.com/office/drawing/2017/decorative" val="1"/>
+              </a:ext>
+            </a:extLst>
+          </p:cNvPr>
+          <p:cNvSpPr>
+            <a:spLocks noGrp="1" noRot="1" noChangeAspect="1" noMove="1" noResize="1" noEditPoints="1" noAdjustHandles="1" noChangeArrowheads="1" noChangeShapeType="1" noTextEdit="1"/>
+          </p:cNvSpPr>
+          <p:nvPr>
+            <p:extLst>
+              <p:ext uri="{386F3935-93C4-4BCD-93E2-E3B085C9AB24}">
+                <p16:designElem xmlns:p16="http://schemas.microsoft.com/office/powerpoint/2015/main" val="1"/>
+              </p:ext>
+            </p:extLst>
+          </p:nvPr>
+        </p:nvSpPr>
+        <p:spPr>
+          <a:xfrm>
+            <a:off x="1" y="0"/>
+            <a:ext cx="4167271" cy="6858000"/>
+          </a:xfrm>
+          <a:custGeom>
+            <a:avLst/>
+            <a:gdLst>
+              <a:gd name="connsiteX0" fmla="*/ 0 w 4167271"/>
+              <a:gd name="connsiteY0" fmla="*/ 0 h 6858000"/>
+              <a:gd name="connsiteX1" fmla="*/ 2259550 w 4167271"/>
+              <a:gd name="connsiteY1" fmla="*/ 0 h 6858000"/>
+              <a:gd name="connsiteX2" fmla="*/ 2387803 w 4167271"/>
+              <a:gd name="connsiteY2" fmla="*/ 82222 h 6858000"/>
+              <a:gd name="connsiteX3" fmla="*/ 4167271 w 4167271"/>
+              <a:gd name="connsiteY3" fmla="*/ 3429000 h 6858000"/>
+              <a:gd name="connsiteX4" fmla="*/ 2387803 w 4167271"/>
+              <a:gd name="connsiteY4" fmla="*/ 6775779 h 6858000"/>
+              <a:gd name="connsiteX5" fmla="*/ 2259550 w 4167271"/>
+              <a:gd name="connsiteY5" fmla="*/ 6858000 h 6858000"/>
+              <a:gd name="connsiteX6" fmla="*/ 0 w 4167271"/>
+              <a:gd name="connsiteY6" fmla="*/ 6858000 h 6858000"/>
+            </a:gdLst>
+            <a:ahLst/>
+            <a:cxnLst>
+              <a:cxn ang="0">
+                <a:pos x="connsiteX0" y="connsiteY0"/>
+              </a:cxn>
+              <a:cxn ang="0">
+                <a:pos x="connsiteX1" y="connsiteY1"/>
+              </a:cxn>
+              <a:cxn ang="0">
+                <a:pos x="connsiteX2" y="connsiteY2"/>
+              </a:cxn>
+              <a:cxn ang="0">
+                <a:pos x="connsiteX3" y="connsiteY3"/>
+              </a:cxn>
+              <a:cxn ang="0">
+                <a:pos x="connsiteX4" y="connsiteY4"/>
+              </a:cxn>
+              <a:cxn ang="0">
+                <a:pos x="connsiteX5" y="connsiteY5"/>
+              </a:cxn>
+              <a:cxn ang="0">
+                <a:pos x="connsiteX6" y="connsiteY6"/>
+              </a:cxn>
+            </a:cxnLst>
+            <a:rect l="l" t="t" r="r" b="b"/>
+            <a:pathLst>
+              <a:path w="4167271" h="6858000">
+                <a:moveTo>
+                  <a:pt x="0" y="0"/>
+                </a:moveTo>
+                <a:lnTo>
+                  <a:pt x="2259550" y="0"/>
+                </a:lnTo>
+                <a:lnTo>
+                  <a:pt x="2387803" y="82222"/>
+                </a:lnTo>
+                <a:cubicBezTo>
+                  <a:pt x="3461407" y="807534"/>
+                  <a:pt x="4167271" y="2035835"/>
+                  <a:pt x="4167271" y="3429000"/>
+                </a:cubicBezTo>
+                <a:cubicBezTo>
+                  <a:pt x="4167271" y="4822165"/>
+                  <a:pt x="3461407" y="6050467"/>
+                  <a:pt x="2387803" y="6775779"/>
+                </a:cubicBezTo>
+                <a:lnTo>
+                  <a:pt x="2259550" y="6858000"/>
+                </a:lnTo>
+                <a:lnTo>
+                  <a:pt x="0" y="6858000"/>
+                </a:lnTo>
+                <a:close/>
+              </a:path>
+            </a:pathLst>
+          </a:custGeom>
+          <a:solidFill>
+            <a:schemeClr val="accent2"/>
+          </a:solidFill>
+          <a:ln>
+            <a:noFill/>
+          </a:ln>
+        </p:spPr>
+        <p:style>
+          <a:lnRef idx="2">
+            <a:schemeClr val="accent1">
+              <a:shade val="50000"/>
+            </a:schemeClr>
+          </a:lnRef>
+          <a:fillRef idx="1">
+            <a:schemeClr val="accent1"/>
+          </a:fillRef>
+          <a:effectRef idx="0">
+            <a:schemeClr val="accent1"/>
+          </a:effectRef>
+          <a:fontRef idx="minor">
+            <a:schemeClr val="lt1"/>
+          </a:fontRef>
+        </p:style>
+        <p:txBody>
+          <a:bodyPr rtlCol="0" anchor="ctr"/>
+          <a:lstStyle/>
+          <a:p>
+            <a:pPr algn="ctr"/>
+            <a:endParaRPr lang="en-US"/>
+          </a:p>
+        </p:txBody>
+      </p:sp>
+      <p:sp>
+        <p:nvSpPr>
+          <p:cNvPr id="2" name="Title 1">
+            <a:extLst>
+              <a:ext uri="{FF2B5EF4-FFF2-40B4-BE49-F238E27FC236}">
+                <a16:creationId xmlns:a16="http://schemas.microsoft.com/office/drawing/2014/main" id="{F4BBA9D2-A946-A458-CDC3-382407239AFC}"/>
+              </a:ext>
+            </a:extLst>
+          </p:cNvPr>
+          <p:cNvSpPr>
+            <a:spLocks noGrp="1"/>
+          </p:cNvSpPr>
+          <p:nvPr>
+            <p:ph type="title"/>
+          </p:nvPr>
+        </p:nvSpPr>
+        <p:spPr>
+          <a:xfrm>
+            <a:off x="686834" y="1153572"/>
+            <a:ext cx="3200400" cy="4461163"/>
+          </a:xfrm>
+        </p:spPr>
+        <p:txBody>
+          <a:bodyPr>
+            <a:normAutofit/>
+          </a:bodyPr>
+          <a:lstStyle/>
+          <a:p>
+            <a:r>
+              <a:rPr lang="en-IL">
+                <a:solidFill>
+                  <a:srgbClr val="FFFFFF"/>
+                </a:solidFill>
+              </a:rPr>
+              <a:t>props</a:t>
+            </a:r>
+          </a:p>
+        </p:txBody>
+      </p:sp>
+      <p:sp>
+        <p:nvSpPr>
+          <p:cNvPr id="12" name="Arc 11">
+            <a:extLst>
+              <a:ext uri="{FF2B5EF4-FFF2-40B4-BE49-F238E27FC236}">
+                <a16:creationId xmlns:a16="http://schemas.microsoft.com/office/drawing/2014/main" id="{081E4A58-353D-44AE-B2FC-2A74E2E400F7}"/>
+              </a:ext>
+              <a:ext uri="{C183D7F6-B498-43B3-948B-1728B52AA6E4}">
+                <adec:decorative xmlns:adec="http://schemas.microsoft.com/office/drawing/2017/decorative" val="1"/>
+              </a:ext>
+            </a:extLst>
+          </p:cNvPr>
+          <p:cNvSpPr>
+            <a:spLocks noGrp="1" noRot="1" noChangeAspect="1" noMove="1" noResize="1" noEditPoints="1" noAdjustHandles="1" noChangeArrowheads="1" noChangeShapeType="1" noTextEdit="1"/>
+          </p:cNvSpPr>
+          <p:nvPr>
+            <p:extLst>
+              <p:ext uri="{386F3935-93C4-4BCD-93E2-E3B085C9AB24}">
+                <p16:designElem xmlns:p16="http://schemas.microsoft.com/office/powerpoint/2015/main" val="1"/>
+              </p:ext>
+            </p:extLst>
+          </p:nvPr>
+        </p:nvSpPr>
+        <p:spPr>
+          <a:xfrm flipV="1">
+            <a:off x="7550402" y="2455479"/>
+            <a:ext cx="4083433" cy="4083433"/>
+          </a:xfrm>
+          <a:prstGeom prst="arc">
+            <a:avLst/>
+          </a:prstGeom>
+          <a:ln w="127000" cap="rnd">
+            <a:solidFill>
+              <a:schemeClr val="accent4"/>
+            </a:solidFill>
+            <a:prstDash val="dash"/>
+          </a:ln>
+        </p:spPr>
+        <p:style>
+          <a:lnRef idx="1">
+            <a:schemeClr val="accent1"/>
+          </a:lnRef>
+          <a:fillRef idx="0">
+            <a:schemeClr val="accent1"/>
+          </a:fillRef>
+          <a:effectRef idx="0">
+            <a:schemeClr val="accent1"/>
+          </a:effectRef>
+          <a:fontRef idx="minor">
+            <a:schemeClr val="tx1"/>
+          </a:fontRef>
+        </p:style>
+        <p:txBody>
+          <a:bodyPr rtlCol="0" anchor="ctr"/>
+          <a:lstStyle/>
+          <a:p>
+            <a:pPr algn="ctr"/>
+            <a:endParaRPr lang="en-US" dirty="0"/>
+          </a:p>
+        </p:txBody>
+      </p:sp>
+      <p:sp>
+        <p:nvSpPr>
+          <p:cNvPr id="3" name="Content Placeholder 2">
+            <a:extLst>
+              <a:ext uri="{FF2B5EF4-FFF2-40B4-BE49-F238E27FC236}">
+                <a16:creationId xmlns:a16="http://schemas.microsoft.com/office/drawing/2014/main" id="{5C521763-DD62-5B65-FDC7-2F77E21F569B}"/>
+              </a:ext>
+            </a:extLst>
+          </p:cNvPr>
+          <p:cNvSpPr>
+            <a:spLocks noGrp="1"/>
+          </p:cNvSpPr>
+          <p:nvPr>
+            <p:ph idx="1"/>
+          </p:nvPr>
+        </p:nvSpPr>
+        <p:spPr>
+          <a:xfrm>
+            <a:off x="4447308" y="591344"/>
+            <a:ext cx="6906491" cy="5585619"/>
+          </a:xfrm>
+        </p:spPr>
+        <p:txBody>
+          <a:bodyPr anchor="ctr">
+            <a:normAutofit/>
+          </a:bodyPr>
+          <a:lstStyle/>
+          <a:p>
+            <a:r>
+              <a:rPr lang="en-US" b="0" i="0">
+                <a:effectLst/>
+                <a:latin typeface="Söhne"/>
+              </a:rPr>
+              <a:t>In React, "props" is an abbreviation for "properties," and it's a mechanism for passing data from a parent component to a child component. Props are a fundamental concept in React and play a significant role in building reusable and modular components.</a:t>
+            </a:r>
+          </a:p>
+          <a:p>
+            <a:r>
+              <a:rPr lang="en-US" b="0" i="0">
+                <a:effectLst/>
+                <a:latin typeface="Söhne"/>
+              </a:rPr>
+              <a:t>When you create a React component, you can pass data to it by setting attributes (props) in the component's JSX tag. These props are then accessible within the component and can be used to customize its behavior, appearance, or any other aspect of the component's rendering.</a:t>
+            </a:r>
+          </a:p>
+          <a:p>
+            <a:endParaRPr lang="en-IL" dirty="0"/>
+          </a:p>
+        </p:txBody>
+      </p:sp>
+    </p:spTree>
+    <p:extLst>
+      <p:ext uri="{BB962C8B-B14F-4D97-AF65-F5344CB8AC3E}">
+        <p14:creationId xmlns:p14="http://schemas.microsoft.com/office/powerpoint/2010/main" val="4229194660"/>
+      </p:ext>
+    </p:extLst>
+  </p:cSld>
+  <p:clrMapOvr>
+    <a:masterClrMapping/>
+  </p:clrMapOvr>
+  <mc:AlternateContent xmlns:mc="http://schemas.openxmlformats.org/markup-compatibility/2006">
+    <mc:Choice xmlns:p159="http://schemas.microsoft.com/office/powerpoint/2015/09/main" Requires="p159">
+      <p:transition xmlns:p14="http://schemas.microsoft.com/office/powerpoint/2010/main" spd="slow" p14:dur="2000">
+        <p159:morph option="byObject"/>
+      </p:transition>
+    </mc:Choice>
+    <mc:Fallback>
+      <p:transition spd="slow">
+        <p:fade/>
+      </p:transition>
+    </mc:Fallback>
+  </mc:AlternateContent>
+</p:sld>
+</file>
+
+<file path=ppt/slides/slide22.xml><?xml version="1.0" encoding="utf-8"?>
+<p:sld xmlns:a="http://schemas.openxmlformats.org/drawingml/2006/main" xmlns:r="http://schemas.openxmlformats.org/officeDocument/2006/relationships" xmlns:p="http://schemas.openxmlformats.org/presentationml/2006/main">
+  <p:cSld>
+    <p:bg>
+      <p:bgPr>
+        <a:solidFill>
+          <a:schemeClr val="bg1"/>
+        </a:solidFill>
+        <a:effectLst/>
+      </p:bgPr>
+    </p:bg>
+    <p:spTree>
+      <p:nvGrpSpPr>
+        <p:cNvPr id="1" name=""/>
+        <p:cNvGrpSpPr/>
+        <p:nvPr/>
+      </p:nvGrpSpPr>
+      <p:grpSpPr>
+        <a:xfrm>
+          <a:off x="0" y="0"/>
+          <a:ext cx="0" cy="0"/>
+          <a:chOff x="0" y="0"/>
+          <a:chExt cx="0" cy="0"/>
+        </a:xfrm>
+      </p:grpSpPr>
+      <p:pic>
+        <p:nvPicPr>
+          <p:cNvPr id="5" name="Picture 4" descr="Spotlight on a dark foggy stage">
+            <a:extLst>
+              <a:ext uri="{FF2B5EF4-FFF2-40B4-BE49-F238E27FC236}">
+                <a16:creationId xmlns:a16="http://schemas.microsoft.com/office/drawing/2014/main" id="{DA4E19C1-52DE-97F4-076E-F1617D787FD5}"/>
+              </a:ext>
+            </a:extLst>
+          </p:cNvPr>
+          <p:cNvPicPr>
+            <a:picLocks noChangeAspect="1"/>
+          </p:cNvPicPr>
+          <p:nvPr/>
+        </p:nvPicPr>
+        <p:blipFill rotWithShape="1">
+          <a:blip r:embed="rId2"/>
+          <a:srcRect l="30950" r="-1" b="-1"/>
+          <a:stretch/>
+        </p:blipFill>
+        <p:spPr>
+          <a:xfrm>
+            <a:off x="5101771" y="10"/>
+            <a:ext cx="7094361" cy="6857989"/>
+          </a:xfrm>
+          <a:prstGeom prst="rect">
+            <a:avLst/>
+          </a:prstGeom>
+        </p:spPr>
+      </p:pic>
+      <p:sp>
+        <p:nvSpPr>
+          <p:cNvPr id="9" name="Rectangle 8">
+            <a:extLst>
+              <a:ext uri="{FF2B5EF4-FFF2-40B4-BE49-F238E27FC236}">
+                <a16:creationId xmlns:a16="http://schemas.microsoft.com/office/drawing/2014/main" id="{A34066D6-1B59-4642-A86D-39464CEE971B}"/>
+              </a:ext>
+              <a:ext uri="{C183D7F6-B498-43B3-948B-1728B52AA6E4}">
+                <adec:decorative xmlns:adec="http://schemas.microsoft.com/office/drawing/2017/decorative" val="1"/>
+              </a:ext>
+            </a:extLst>
+          </p:cNvPr>
+          <p:cNvSpPr>
+            <a:spLocks noGrp="1" noRot="1" noChangeAspect="1" noMove="1" noResize="1" noEditPoints="1" noAdjustHandles="1" noChangeArrowheads="1" noChangeShapeType="1" noTextEdit="1"/>
+          </p:cNvSpPr>
+          <p:nvPr>
+            <p:extLst>
+              <p:ext uri="{386F3935-93C4-4BCD-93E2-E3B085C9AB24}">
+                <p16:designElem xmlns:p16="http://schemas.microsoft.com/office/powerpoint/2015/main" val="1"/>
+              </p:ext>
+            </p:extLst>
+          </p:nvPr>
+        </p:nvSpPr>
+        <p:spPr>
+          <a:xfrm>
+            <a:off x="0" y="-4"/>
+            <a:ext cx="5272088" cy="6858004"/>
+          </a:xfrm>
+          <a:prstGeom prst="rect">
+            <a:avLst/>
+          </a:prstGeom>
+          <a:solidFill>
+            <a:schemeClr val="accent2"/>
+          </a:solidFill>
+          <a:ln>
+            <a:noFill/>
+          </a:ln>
+        </p:spPr>
+        <p:style>
+          <a:lnRef idx="2">
+            <a:schemeClr val="accent1">
+              <a:shade val="50000"/>
+            </a:schemeClr>
+          </a:lnRef>
+          <a:fillRef idx="1">
+            <a:schemeClr val="accent1"/>
+          </a:fillRef>
+          <a:effectRef idx="0">
+            <a:schemeClr val="accent1"/>
+          </a:effectRef>
+          <a:fontRef idx="minor">
+            <a:schemeClr val="lt1"/>
+          </a:fontRef>
+        </p:style>
+        <p:txBody>
+          <a:bodyPr rtlCol="0" anchor="ctr"/>
+          <a:lstStyle/>
+          <a:p>
+            <a:pPr algn="ctr"/>
+            <a:endParaRPr lang="en-US"/>
+          </a:p>
+        </p:txBody>
+      </p:sp>
+      <p:sp>
+        <p:nvSpPr>
+          <p:cNvPr id="11" name="Arc 10">
+            <a:extLst>
+              <a:ext uri="{FF2B5EF4-FFF2-40B4-BE49-F238E27FC236}">
+                <a16:creationId xmlns:a16="http://schemas.microsoft.com/office/drawing/2014/main" id="{18E928D9-3091-4385-B979-265D55AD02CE}"/>
+              </a:ext>
+              <a:ext uri="{C183D7F6-B498-43B3-948B-1728B52AA6E4}">
+                <adec:decorative xmlns:adec="http://schemas.microsoft.com/office/drawing/2017/decorative" val="1"/>
+              </a:ext>
+            </a:extLst>
+          </p:cNvPr>
+          <p:cNvSpPr>
+            <a:spLocks noGrp="1" noRot="1" noChangeAspect="1" noMove="1" noResize="1" noEditPoints="1" noAdjustHandles="1" noChangeArrowheads="1" noChangeShapeType="1" noTextEdit="1"/>
+          </p:cNvSpPr>
+          <p:nvPr>
+            <p:extLst>
+              <p:ext uri="{386F3935-93C4-4BCD-93E2-E3B085C9AB24}">
+                <p16:designElem xmlns:p16="http://schemas.microsoft.com/office/powerpoint/2015/main" val="1"/>
+              </p:ext>
+            </p:extLst>
+          </p:nvPr>
+        </p:nvSpPr>
+        <p:spPr>
+          <a:xfrm rot="303011">
+            <a:off x="1718653" y="700861"/>
+            <a:ext cx="2987899" cy="2987899"/>
+          </a:xfrm>
+          <a:prstGeom prst="arc">
+            <a:avLst>
+              <a:gd name="adj1" fmla="val 14612914"/>
+              <a:gd name="adj2" fmla="val 0"/>
+            </a:avLst>
+          </a:prstGeom>
+          <a:ln w="127000" cap="rnd">
+            <a:solidFill>
+              <a:schemeClr val="accent4"/>
+            </a:solidFill>
+            <a:prstDash val="dash"/>
+          </a:ln>
+        </p:spPr>
+        <p:style>
+          <a:lnRef idx="1">
+            <a:schemeClr val="accent1"/>
+          </a:lnRef>
+          <a:fillRef idx="0">
+            <a:schemeClr val="accent1"/>
+          </a:fillRef>
+          <a:effectRef idx="0">
+            <a:schemeClr val="accent1"/>
+          </a:effectRef>
+          <a:fontRef idx="minor">
+            <a:schemeClr val="tx1"/>
+          </a:fontRef>
+        </p:style>
+        <p:txBody>
+          <a:bodyPr rtlCol="0" anchor="ctr"/>
+          <a:lstStyle/>
+          <a:p>
+            <a:pPr marL="0" marR="0" lvl="0" indent="0" algn="ctr" defTabSz="914400" rtl="0" eaLnBrk="1" fontAlgn="auto" latinLnBrk="0" hangingPunct="1">
+              <a:lnSpc>
+                <a:spcPct val="100000"/>
+              </a:lnSpc>
+              <a:spcBef>
+                <a:spcPts val="0"/>
+              </a:spcBef>
+              <a:spcAft>
+                <a:spcPts val="0"/>
+              </a:spcAft>
+              <a:buClrTx/>
+              <a:buSzTx/>
+              <a:buFontTx/>
+              <a:buNone/>
+              <a:tabLst/>
+              <a:defRPr/>
+            </a:pPr>
+            <a:endParaRPr kumimoji="0" lang="en-US" sz="1800" b="0" i="0" u="none" strike="noStrike" kern="1200" cap="none" spc="0" normalizeH="0" baseline="0" noProof="0">
+              <a:ln>
+                <a:noFill/>
+              </a:ln>
+              <a:solidFill>
+                <a:srgbClr val="000000"/>
+              </a:solidFill>
+              <a:effectLst/>
+              <a:uLnTx/>
+              <a:uFillTx/>
+              <a:latin typeface="Calibri" panose="020F0502020204030204"/>
+              <a:ea typeface="+mn-ea"/>
+              <a:cs typeface="+mn-cs"/>
+            </a:endParaRPr>
+          </a:p>
+        </p:txBody>
+      </p:sp>
+      <p:sp>
+        <p:nvSpPr>
+          <p:cNvPr id="2" name="Title 1">
+            <a:extLst>
+              <a:ext uri="{FF2B5EF4-FFF2-40B4-BE49-F238E27FC236}">
+                <a16:creationId xmlns:a16="http://schemas.microsoft.com/office/drawing/2014/main" id="{8F149B6E-4B70-D49A-616D-BEF2DA929A85}"/>
+              </a:ext>
+            </a:extLst>
+          </p:cNvPr>
+          <p:cNvSpPr>
+            <a:spLocks noGrp="1"/>
+          </p:cNvSpPr>
+          <p:nvPr>
+            <p:ph type="title"/>
+          </p:nvPr>
+        </p:nvSpPr>
+        <p:spPr>
+          <a:xfrm>
+            <a:off x="643467" y="795509"/>
+            <a:ext cx="4092525" cy="2798604"/>
+          </a:xfrm>
+        </p:spPr>
+        <p:txBody>
+          <a:bodyPr vert="horz" lIns="91440" tIns="45720" rIns="91440" bIns="45720" rtlCol="0" anchor="b">
+            <a:normAutofit/>
+          </a:bodyPr>
+          <a:lstStyle/>
+          <a:p>
+            <a:pPr algn="ctr"/>
+            <a:r>
+              <a:rPr lang="en-US" sz="6000">
+                <a:solidFill>
+                  <a:srgbClr val="FFFFFF"/>
+                </a:solidFill>
+              </a:rPr>
+              <a:t>Optinal props just put ?</a:t>
+            </a:r>
+          </a:p>
+        </p:txBody>
+      </p:sp>
+      <p:sp>
+        <p:nvSpPr>
+          <p:cNvPr id="13" name="Oval 12">
+            <a:extLst>
+              <a:ext uri="{FF2B5EF4-FFF2-40B4-BE49-F238E27FC236}">
+                <a16:creationId xmlns:a16="http://schemas.microsoft.com/office/drawing/2014/main" id="{7D602432-D774-4CF5-94E8-7D52D01059D2}"/>
+              </a:ext>
+              <a:ext uri="{C183D7F6-B498-43B3-948B-1728B52AA6E4}">
+                <adec:decorative xmlns:adec="http://schemas.microsoft.com/office/drawing/2017/decorative" val="1"/>
+              </a:ext>
+            </a:extLst>
+          </p:cNvPr>
+          <p:cNvSpPr>
+            <a:spLocks noGrp="1" noRot="1" noChangeAspect="1" noMove="1" noResize="1" noEditPoints="1" noAdjustHandles="1" noChangeArrowheads="1" noChangeShapeType="1" noTextEdit="1"/>
+          </p:cNvSpPr>
+          <p:nvPr>
+            <p:extLst>
+              <p:ext uri="{386F3935-93C4-4BCD-93E2-E3B085C9AB24}">
+                <p16:designElem xmlns:p16="http://schemas.microsoft.com/office/powerpoint/2015/main" val="1"/>
+              </p:ext>
+            </p:extLst>
+          </p:nvPr>
+        </p:nvSpPr>
+        <p:spPr>
+          <a:xfrm>
+            <a:off x="1201186" y="4626633"/>
+            <a:ext cx="491961" cy="491961"/>
+          </a:xfrm>
+          <a:prstGeom prst="ellipse">
+            <a:avLst/>
+          </a:prstGeom>
+          <a:solidFill>
+            <a:schemeClr val="accent4"/>
+          </a:solidFill>
+          <a:ln>
+            <a:noFill/>
+          </a:ln>
+        </p:spPr>
+        <p:style>
+          <a:lnRef idx="2">
+            <a:schemeClr val="accent1">
+              <a:shade val="50000"/>
+            </a:schemeClr>
+          </a:lnRef>
+          <a:fillRef idx="1">
+            <a:schemeClr val="accent1"/>
+          </a:fillRef>
+          <a:effectRef idx="0">
+            <a:schemeClr val="accent1"/>
+          </a:effectRef>
+          <a:fontRef idx="minor">
+            <a:schemeClr val="lt1"/>
+          </a:fontRef>
+        </p:style>
+        <p:txBody>
+          <a:bodyPr rtlCol="0" anchor="ctr"/>
+          <a:lstStyle/>
+          <a:p>
+            <a:pPr marL="0" marR="0" lvl="0" indent="0" algn="ctr" defTabSz="914400" rtl="0" eaLnBrk="1" fontAlgn="auto" latinLnBrk="0" hangingPunct="1">
+              <a:lnSpc>
+                <a:spcPct val="100000"/>
+              </a:lnSpc>
+              <a:spcBef>
+                <a:spcPts val="0"/>
+              </a:spcBef>
+              <a:spcAft>
+                <a:spcPts val="0"/>
+              </a:spcAft>
+              <a:buClrTx/>
+              <a:buSzTx/>
+              <a:buFontTx/>
+              <a:buNone/>
+              <a:tabLst/>
+              <a:defRPr/>
+            </a:pPr>
+            <a:endParaRPr kumimoji="0" lang="en-US" sz="1800" b="0" i="0" u="none" strike="noStrike" kern="1200" cap="none" spc="0" normalizeH="0" baseline="0" noProof="0">
+              <a:ln>
+                <a:noFill/>
+              </a:ln>
+              <a:solidFill>
+                <a:srgbClr val="FFFFFF"/>
+              </a:solidFill>
+              <a:effectLst/>
+              <a:uLnTx/>
+              <a:uFillTx/>
+              <a:latin typeface="Calibri" panose="020F0502020204030204"/>
+              <a:ea typeface="+mn-ea"/>
+              <a:cs typeface="+mn-cs"/>
+            </a:endParaRPr>
+          </a:p>
+        </p:txBody>
+      </p:sp>
+      <p:sp>
+        <p:nvSpPr>
+          <p:cNvPr id="15" name="Rectangle 14">
+            <a:extLst>
+              <a:ext uri="{FF2B5EF4-FFF2-40B4-BE49-F238E27FC236}">
+                <a16:creationId xmlns:a16="http://schemas.microsoft.com/office/drawing/2014/main" id="{CBF9EBB4-5078-47B2-AAA0-DF4A88D8182A}"/>
+              </a:ext>
+              <a:ext uri="{C183D7F6-B498-43B3-948B-1728B52AA6E4}">
+                <adec:decorative xmlns:adec="http://schemas.microsoft.com/office/drawing/2017/decorative" val="1"/>
+              </a:ext>
+            </a:extLst>
+          </p:cNvPr>
+          <p:cNvSpPr>
+            <a:spLocks noGrp="1" noRot="1" noChangeAspect="1" noMove="1" noResize="1" noEditPoints="1" noAdjustHandles="1" noChangeArrowheads="1" noChangeShapeType="1" noTextEdit="1"/>
+          </p:cNvSpPr>
+          <p:nvPr>
+            <p:extLst>
+              <p:ext uri="{386F3935-93C4-4BCD-93E2-E3B085C9AB24}">
+                <p16:designElem xmlns:p16="http://schemas.microsoft.com/office/powerpoint/2015/main" val="1"/>
+              </p:ext>
+            </p:extLst>
+          </p:nvPr>
+        </p:nvSpPr>
+        <p:spPr>
+          <a:xfrm>
+            <a:off x="4927932" y="5011563"/>
+            <a:ext cx="731558" cy="731558"/>
+          </a:xfrm>
+          <a:prstGeom prst="rect">
+            <a:avLst/>
+          </a:prstGeom>
+          <a:noFill/>
+          <a:ln w="127000">
+            <a:solidFill>
+              <a:schemeClr val="accent4"/>
+            </a:solidFill>
+            <a:round/>
+          </a:ln>
+        </p:spPr>
+        <p:style>
+          <a:lnRef idx="2">
+            <a:schemeClr val="accent1">
+              <a:shade val="50000"/>
+            </a:schemeClr>
+          </a:lnRef>
+          <a:fillRef idx="1">
+            <a:schemeClr val="accent1"/>
+          </a:fillRef>
+          <a:effectRef idx="0">
+            <a:schemeClr val="accent1"/>
+          </a:effectRef>
+          <a:fontRef idx="minor">
+            <a:schemeClr val="lt1"/>
+          </a:fontRef>
+        </p:style>
+        <p:txBody>
+          <a:bodyPr rtlCol="0" anchor="ctr"/>
+          <a:lstStyle/>
+          <a:p>
+            <a:pPr marL="0" marR="0" lvl="0" indent="0" algn="ctr" defTabSz="914400" rtl="0" eaLnBrk="1" fontAlgn="auto" latinLnBrk="0" hangingPunct="1">
+              <a:lnSpc>
+                <a:spcPct val="100000"/>
+              </a:lnSpc>
+              <a:spcBef>
+                <a:spcPts val="0"/>
+              </a:spcBef>
+              <a:spcAft>
+                <a:spcPts val="0"/>
+              </a:spcAft>
+              <a:buClrTx/>
+              <a:buSzTx/>
+              <a:buFontTx/>
+              <a:buNone/>
+              <a:tabLst/>
+              <a:defRPr/>
+            </a:pPr>
+            <a:endParaRPr kumimoji="0" lang="en-US" sz="1800" b="0" i="0" u="none" strike="noStrike" kern="1200" cap="none" spc="0" normalizeH="0" baseline="0" noProof="0">
+              <a:ln>
+                <a:noFill/>
+              </a:ln>
+              <a:solidFill>
+                <a:srgbClr val="FFFFFF"/>
+              </a:solidFill>
+              <a:effectLst/>
+              <a:uLnTx/>
+              <a:uFillTx/>
+              <a:latin typeface="Calibri" panose="020F0502020204030204"/>
+              <a:ea typeface="+mn-ea"/>
+              <a:cs typeface="+mn-cs"/>
+            </a:endParaRPr>
+          </a:p>
+        </p:txBody>
+      </p:sp>
+    </p:spTree>
+    <p:extLst>
+      <p:ext uri="{BB962C8B-B14F-4D97-AF65-F5344CB8AC3E}">
+        <p14:creationId xmlns:p14="http://schemas.microsoft.com/office/powerpoint/2010/main" val="1318553521"/>
+      </p:ext>
+    </p:extLst>
+  </p:cSld>
+  <p:clrMapOvr>
+    <a:masterClrMapping/>
+  </p:clrMapOvr>
+  <mc:AlternateContent xmlns:mc="http://schemas.openxmlformats.org/markup-compatibility/2006">
+    <mc:Choice xmlns:p159="http://schemas.microsoft.com/office/powerpoint/2015/09/main" Requires="p159">
+      <p:transition xmlns:p14="http://schemas.microsoft.com/office/powerpoint/2010/main" spd="slow" p14:dur="2000">
+        <p159:morph option="byObject"/>
+      </p:transition>
+    </mc:Choice>
+    <mc:Fallback>
+      <p:transition spd="slow">
+        <p:fade/>
+      </p:transition>
+    </mc:Fallback>
+  </mc:AlternateContent>
+</p:sld>
+</file>
+
+<file path=ppt/slides/slide23.xml><?xml version="1.0" encoding="utf-8"?>
+<p:sld xmlns:a="http://schemas.openxmlformats.org/drawingml/2006/main" xmlns:r="http://schemas.openxmlformats.org/officeDocument/2006/relationships" xmlns:p="http://schemas.openxmlformats.org/presentationml/2006/main">
+  <p:cSld>
+    <p:bg>
+      <p:bgPr>
+        <a:solidFill>
+          <a:schemeClr val="bg1"/>
+        </a:solidFill>
+        <a:effectLst/>
+      </p:bgPr>
+    </p:bg>
+    <p:spTree>
+      <p:nvGrpSpPr>
+        <p:cNvPr id="1" name=""/>
+        <p:cNvGrpSpPr/>
+        <p:nvPr/>
+      </p:nvGrpSpPr>
+      <p:grpSpPr>
+        <a:xfrm>
+          <a:off x="0" y="0"/>
+          <a:ext cx="0" cy="0"/>
+          <a:chOff x="0" y="0"/>
+          <a:chExt cx="0" cy="0"/>
+        </a:xfrm>
+      </p:grpSpPr>
+      <p:sp useBgFill="1">
+        <p:nvSpPr>
+          <p:cNvPr id="8" name="Rectangle 7">
+            <a:extLst>
+              <a:ext uri="{FF2B5EF4-FFF2-40B4-BE49-F238E27FC236}">
+                <a16:creationId xmlns:a16="http://schemas.microsoft.com/office/drawing/2014/main" id="{907EF6B7-1338-4443-8C46-6A318D952DFD}"/>
+              </a:ext>
+              <a:ext uri="{C183D7F6-B498-43B3-948B-1728B52AA6E4}">
+                <adec:decorative xmlns:adec="http://schemas.microsoft.com/office/drawing/2017/decorative" val="1"/>
+              </a:ext>
+            </a:extLst>
+          </p:cNvPr>
+          <p:cNvSpPr>
+            <a:spLocks noGrp="1" noRot="1" noChangeAspect="1" noMove="1" noResize="1" noEditPoints="1" noAdjustHandles="1" noChangeArrowheads="1" noChangeShapeType="1" noTextEdit="1"/>
+          </p:cNvSpPr>
+          <p:nvPr>
+            <p:extLst>
+              <p:ext uri="{386F3935-93C4-4BCD-93E2-E3B085C9AB24}">
+                <p16:designElem xmlns:p16="http://schemas.microsoft.com/office/powerpoint/2015/main" val="1"/>
+              </p:ext>
+            </p:extLst>
+          </p:nvPr>
+        </p:nvSpPr>
+        <p:spPr>
+          <a:xfrm>
+            <a:off x="3048" y="0"/>
+            <a:ext cx="12188952" cy="6858000"/>
+          </a:xfrm>
+          <a:prstGeom prst="rect">
+            <a:avLst/>
+          </a:prstGeom>
+          <a:ln>
+            <a:noFill/>
+          </a:ln>
+        </p:spPr>
+        <p:style>
+          <a:lnRef idx="2">
+            <a:schemeClr val="accent1">
+              <a:shade val="50000"/>
+            </a:schemeClr>
+          </a:lnRef>
+          <a:fillRef idx="1">
+            <a:schemeClr val="accent1"/>
+          </a:fillRef>
+          <a:effectRef idx="0">
+            <a:schemeClr val="accent1"/>
+          </a:effectRef>
+          <a:fontRef idx="minor">
+            <a:schemeClr val="lt1"/>
+          </a:fontRef>
+        </p:style>
+        <p:txBody>
+          <a:bodyPr rtlCol="0" anchor="ctr"/>
+          <a:lstStyle/>
+          <a:p>
+            <a:pPr algn="ctr"/>
+            <a:endParaRPr lang="en-US"/>
+          </a:p>
+        </p:txBody>
+      </p:sp>
+      <p:sp>
+        <p:nvSpPr>
+          <p:cNvPr id="10" name="Freeform: Shape 9">
+            <a:extLst>
+              <a:ext uri="{FF2B5EF4-FFF2-40B4-BE49-F238E27FC236}">
+                <a16:creationId xmlns:a16="http://schemas.microsoft.com/office/drawing/2014/main" id="{DAAE4CDD-124C-4DCF-9584-B6033B545DD5}"/>
+              </a:ext>
+              <a:ext uri="{C183D7F6-B498-43B3-948B-1728B52AA6E4}">
+                <adec:decorative xmlns:adec="http://schemas.microsoft.com/office/drawing/2017/decorative" val="1"/>
+              </a:ext>
+            </a:extLst>
+          </p:cNvPr>
+          <p:cNvSpPr>
+            <a:spLocks noGrp="1" noRot="1" noChangeAspect="1" noMove="1" noResize="1" noEditPoints="1" noAdjustHandles="1" noChangeArrowheads="1" noChangeShapeType="1" noTextEdit="1"/>
+          </p:cNvSpPr>
+          <p:nvPr>
+            <p:extLst>
+              <p:ext uri="{386F3935-93C4-4BCD-93E2-E3B085C9AB24}">
+                <p16:designElem xmlns:p16="http://schemas.microsoft.com/office/powerpoint/2015/main" val="1"/>
+              </p:ext>
+            </p:extLst>
+          </p:nvPr>
+        </p:nvSpPr>
+        <p:spPr>
+          <a:xfrm>
+            <a:off x="1" y="0"/>
+            <a:ext cx="4167271" cy="6858000"/>
+          </a:xfrm>
+          <a:custGeom>
+            <a:avLst/>
+            <a:gdLst>
+              <a:gd name="connsiteX0" fmla="*/ 0 w 4167271"/>
+              <a:gd name="connsiteY0" fmla="*/ 0 h 6858000"/>
+              <a:gd name="connsiteX1" fmla="*/ 2259550 w 4167271"/>
+              <a:gd name="connsiteY1" fmla="*/ 0 h 6858000"/>
+              <a:gd name="connsiteX2" fmla="*/ 2387803 w 4167271"/>
+              <a:gd name="connsiteY2" fmla="*/ 82222 h 6858000"/>
+              <a:gd name="connsiteX3" fmla="*/ 4167271 w 4167271"/>
+              <a:gd name="connsiteY3" fmla="*/ 3429000 h 6858000"/>
+              <a:gd name="connsiteX4" fmla="*/ 2387803 w 4167271"/>
+              <a:gd name="connsiteY4" fmla="*/ 6775779 h 6858000"/>
+              <a:gd name="connsiteX5" fmla="*/ 2259550 w 4167271"/>
+              <a:gd name="connsiteY5" fmla="*/ 6858000 h 6858000"/>
+              <a:gd name="connsiteX6" fmla="*/ 0 w 4167271"/>
+              <a:gd name="connsiteY6" fmla="*/ 6858000 h 6858000"/>
+            </a:gdLst>
+            <a:ahLst/>
+            <a:cxnLst>
+              <a:cxn ang="0">
+                <a:pos x="connsiteX0" y="connsiteY0"/>
+              </a:cxn>
+              <a:cxn ang="0">
+                <a:pos x="connsiteX1" y="connsiteY1"/>
+              </a:cxn>
+              <a:cxn ang="0">
+                <a:pos x="connsiteX2" y="connsiteY2"/>
+              </a:cxn>
+              <a:cxn ang="0">
+                <a:pos x="connsiteX3" y="connsiteY3"/>
+              </a:cxn>
+              <a:cxn ang="0">
+                <a:pos x="connsiteX4" y="connsiteY4"/>
+              </a:cxn>
+              <a:cxn ang="0">
+                <a:pos x="connsiteX5" y="connsiteY5"/>
+              </a:cxn>
+              <a:cxn ang="0">
+                <a:pos x="connsiteX6" y="connsiteY6"/>
+              </a:cxn>
+            </a:cxnLst>
+            <a:rect l="l" t="t" r="r" b="b"/>
+            <a:pathLst>
+              <a:path w="4167271" h="6858000">
+                <a:moveTo>
+                  <a:pt x="0" y="0"/>
+                </a:moveTo>
+                <a:lnTo>
+                  <a:pt x="2259550" y="0"/>
+                </a:lnTo>
+                <a:lnTo>
+                  <a:pt x="2387803" y="82222"/>
+                </a:lnTo>
+                <a:cubicBezTo>
+                  <a:pt x="3461407" y="807534"/>
+                  <a:pt x="4167271" y="2035835"/>
+                  <a:pt x="4167271" y="3429000"/>
+                </a:cubicBezTo>
+                <a:cubicBezTo>
+                  <a:pt x="4167271" y="4822165"/>
+                  <a:pt x="3461407" y="6050467"/>
+                  <a:pt x="2387803" y="6775779"/>
+                </a:cubicBezTo>
+                <a:lnTo>
+                  <a:pt x="2259550" y="6858000"/>
+                </a:lnTo>
+                <a:lnTo>
+                  <a:pt x="0" y="6858000"/>
+                </a:lnTo>
+                <a:close/>
+              </a:path>
+            </a:pathLst>
+          </a:custGeom>
+          <a:solidFill>
+            <a:schemeClr val="accent2"/>
+          </a:solidFill>
+          <a:ln>
+            <a:noFill/>
+          </a:ln>
+        </p:spPr>
+        <p:style>
+          <a:lnRef idx="2">
+            <a:schemeClr val="accent1">
+              <a:shade val="50000"/>
+            </a:schemeClr>
+          </a:lnRef>
+          <a:fillRef idx="1">
+            <a:schemeClr val="accent1"/>
+          </a:fillRef>
+          <a:effectRef idx="0">
+            <a:schemeClr val="accent1"/>
+          </a:effectRef>
+          <a:fontRef idx="minor">
+            <a:schemeClr val="lt1"/>
+          </a:fontRef>
+        </p:style>
+        <p:txBody>
+          <a:bodyPr rtlCol="0" anchor="ctr"/>
+          <a:lstStyle/>
+          <a:p>
+            <a:pPr algn="ctr"/>
+            <a:endParaRPr lang="en-US"/>
+          </a:p>
+        </p:txBody>
+      </p:sp>
+      <p:sp>
+        <p:nvSpPr>
+          <p:cNvPr id="2" name="Title 1">
+            <a:extLst>
+              <a:ext uri="{FF2B5EF4-FFF2-40B4-BE49-F238E27FC236}">
+                <a16:creationId xmlns:a16="http://schemas.microsoft.com/office/drawing/2014/main" id="{8F149B6E-4B70-D49A-616D-BEF2DA929A85}"/>
+              </a:ext>
+            </a:extLst>
+          </p:cNvPr>
+          <p:cNvSpPr>
+            <a:spLocks noGrp="1"/>
+          </p:cNvSpPr>
+          <p:nvPr>
+            <p:ph type="title"/>
+          </p:nvPr>
+        </p:nvSpPr>
+        <p:spPr>
+          <a:xfrm>
+            <a:off x="686834" y="1153572"/>
+            <a:ext cx="3200400" cy="4461163"/>
+          </a:xfrm>
+        </p:spPr>
+        <p:txBody>
+          <a:bodyPr>
+            <a:normAutofit/>
+          </a:bodyPr>
+          <a:lstStyle/>
+          <a:p>
+            <a:r>
+              <a:rPr lang="en-US" b="1" i="0">
+                <a:solidFill>
+                  <a:srgbClr val="FFFFFF"/>
+                </a:solidFill>
+                <a:effectLst/>
+                <a:latin typeface="Söhne"/>
+              </a:rPr>
+              <a:t>useEffect</a:t>
+            </a:r>
+            <a:endParaRPr lang="en-IL">
+              <a:solidFill>
+                <a:srgbClr val="FFFFFF"/>
+              </a:solidFill>
+            </a:endParaRPr>
+          </a:p>
+        </p:txBody>
+      </p:sp>
+      <p:sp>
+        <p:nvSpPr>
+          <p:cNvPr id="12" name="Arc 11">
+            <a:extLst>
+              <a:ext uri="{FF2B5EF4-FFF2-40B4-BE49-F238E27FC236}">
+                <a16:creationId xmlns:a16="http://schemas.microsoft.com/office/drawing/2014/main" id="{081E4A58-353D-44AE-B2FC-2A74E2E400F7}"/>
+              </a:ext>
+              <a:ext uri="{C183D7F6-B498-43B3-948B-1728B52AA6E4}">
+                <adec:decorative xmlns:adec="http://schemas.microsoft.com/office/drawing/2017/decorative" val="1"/>
+              </a:ext>
+            </a:extLst>
+          </p:cNvPr>
+          <p:cNvSpPr>
+            <a:spLocks noGrp="1" noRot="1" noChangeAspect="1" noMove="1" noResize="1" noEditPoints="1" noAdjustHandles="1" noChangeArrowheads="1" noChangeShapeType="1" noTextEdit="1"/>
+          </p:cNvSpPr>
+          <p:nvPr>
+            <p:extLst>
+              <p:ext uri="{386F3935-93C4-4BCD-93E2-E3B085C9AB24}">
+                <p16:designElem xmlns:p16="http://schemas.microsoft.com/office/powerpoint/2015/main" val="1"/>
+              </p:ext>
+            </p:extLst>
+          </p:nvPr>
+        </p:nvSpPr>
+        <p:spPr>
+          <a:xfrm flipV="1">
+            <a:off x="7550402" y="2455479"/>
+            <a:ext cx="4083433" cy="4083433"/>
+          </a:xfrm>
+          <a:prstGeom prst="arc">
+            <a:avLst/>
+          </a:prstGeom>
+          <a:ln w="127000" cap="rnd">
+            <a:solidFill>
+              <a:schemeClr val="accent4"/>
+            </a:solidFill>
+            <a:prstDash val="dash"/>
+          </a:ln>
+        </p:spPr>
+        <p:style>
+          <a:lnRef idx="1">
+            <a:schemeClr val="accent1"/>
+          </a:lnRef>
+          <a:fillRef idx="0">
+            <a:schemeClr val="accent1"/>
+          </a:fillRef>
+          <a:effectRef idx="0">
+            <a:schemeClr val="accent1"/>
+          </a:effectRef>
+          <a:fontRef idx="minor">
+            <a:schemeClr val="tx1"/>
+          </a:fontRef>
+        </p:style>
+        <p:txBody>
+          <a:bodyPr rtlCol="0" anchor="ctr"/>
+          <a:lstStyle/>
+          <a:p>
+            <a:pPr algn="ctr"/>
+            <a:endParaRPr lang="en-US" dirty="0"/>
+          </a:p>
+        </p:txBody>
+      </p:sp>
+      <p:sp>
+        <p:nvSpPr>
+          <p:cNvPr id="3" name="Content Placeholder 2">
+            <a:extLst>
+              <a:ext uri="{FF2B5EF4-FFF2-40B4-BE49-F238E27FC236}">
+                <a16:creationId xmlns:a16="http://schemas.microsoft.com/office/drawing/2014/main" id="{61251FB7-22FF-72D6-5344-6790D4CA483B}"/>
+              </a:ext>
+            </a:extLst>
+          </p:cNvPr>
+          <p:cNvSpPr>
+            <a:spLocks noGrp="1"/>
+          </p:cNvSpPr>
+          <p:nvPr>
+            <p:ph idx="1"/>
+          </p:nvPr>
+        </p:nvSpPr>
+        <p:spPr>
+          <a:xfrm>
+            <a:off x="4447308" y="591344"/>
+            <a:ext cx="6906491" cy="5585619"/>
+          </a:xfrm>
+        </p:spPr>
+        <p:txBody>
+          <a:bodyPr anchor="ctr">
+            <a:normAutofit/>
+          </a:bodyPr>
+          <a:lstStyle/>
+          <a:p>
+            <a:r>
+              <a:rPr lang="en-US" sz="2600" b="0" i="0" err="1">
+                <a:effectLst/>
+                <a:latin typeface="Söhne"/>
+              </a:rPr>
+              <a:t>useEffect</a:t>
+            </a:r>
+            <a:r>
+              <a:rPr lang="en-US" sz="2600" b="0" i="0">
+                <a:effectLst/>
+                <a:latin typeface="Söhne"/>
+              </a:rPr>
+              <a:t> is a React Hook that allows you to perform side effects in functional components. Side effects refer to any action that affects the external world, such as fetching data from an API, subscribing to events, updating the document title, or manipulating the DOM.</a:t>
+            </a:r>
+          </a:p>
+          <a:p>
+            <a:r>
+              <a:rPr lang="en-US" sz="2600" b="0" i="0">
+                <a:effectLst/>
+                <a:latin typeface="Söhne"/>
+              </a:rPr>
+              <a:t>In class components, side effects were typically handled using lifecycle methods like </a:t>
+            </a:r>
+            <a:r>
+              <a:rPr lang="en-US" sz="2600" b="0" i="0" err="1">
+                <a:effectLst/>
+                <a:latin typeface="Söhne"/>
+              </a:rPr>
+              <a:t>componentDidMount</a:t>
+            </a:r>
+            <a:r>
+              <a:rPr lang="en-US" sz="2600" b="0" i="0">
+                <a:effectLst/>
+                <a:latin typeface="Söhne"/>
+              </a:rPr>
+              <a:t>, </a:t>
+            </a:r>
+            <a:r>
+              <a:rPr lang="en-US" sz="2600" b="0" i="0" err="1">
+                <a:effectLst/>
+                <a:latin typeface="Söhne"/>
+              </a:rPr>
+              <a:t>componentDidUpdate</a:t>
+            </a:r>
+            <a:r>
+              <a:rPr lang="en-US" sz="2600" b="0" i="0">
+                <a:effectLst/>
+                <a:latin typeface="Söhne"/>
+              </a:rPr>
+              <a:t>, and </a:t>
+            </a:r>
+            <a:r>
+              <a:rPr lang="en-US" sz="2600" b="0" i="0" err="1">
+                <a:effectLst/>
+                <a:latin typeface="Söhne"/>
+              </a:rPr>
+              <a:t>componentWillUnmount</a:t>
+            </a:r>
+            <a:r>
+              <a:rPr lang="en-US" sz="2600" b="0" i="0">
+                <a:effectLst/>
+                <a:latin typeface="Söhne"/>
+              </a:rPr>
+              <a:t>. However, with the introduction of React Hooks, you can achieve the same functionality in functional components using the </a:t>
+            </a:r>
+            <a:r>
+              <a:rPr lang="en-US" sz="2600" b="0" i="0" err="1">
+                <a:effectLst/>
+                <a:latin typeface="Söhne"/>
+              </a:rPr>
+              <a:t>useEffect</a:t>
+            </a:r>
+            <a:r>
+              <a:rPr lang="en-US" sz="2600" b="0" i="0">
+                <a:effectLst/>
+                <a:latin typeface="Söhne"/>
+              </a:rPr>
+              <a:t> hook.</a:t>
+            </a:r>
+          </a:p>
+          <a:p>
+            <a:endParaRPr lang="en-IL" sz="2600"/>
+          </a:p>
+        </p:txBody>
+      </p:sp>
+    </p:spTree>
+    <p:extLst>
+      <p:ext uri="{BB962C8B-B14F-4D97-AF65-F5344CB8AC3E}">
+        <p14:creationId xmlns:p14="http://schemas.microsoft.com/office/powerpoint/2010/main" val="3580790160"/>
+      </p:ext>
+    </p:extLst>
+  </p:cSld>
+  <p:clrMapOvr>
+    <a:masterClrMapping/>
+  </p:clrMapOvr>
+  <mc:AlternateContent xmlns:mc="http://schemas.openxmlformats.org/markup-compatibility/2006">
+    <mc:Choice xmlns:p159="http://schemas.microsoft.com/office/powerpoint/2015/09/main" Requires="p159">
+      <p:transition xmlns:p14="http://schemas.microsoft.com/office/powerpoint/2010/main" spd="slow" p14:dur="2000">
+        <p159:morph option="byObject"/>
+      </p:transition>
+    </mc:Choice>
+    <mc:Fallback>
+      <p:transition spd="slow">
+        <p:fade/>
+      </p:transition>
+    </mc:Fallback>
+  </mc:AlternateContent>
+</p:sld>
+</file>
+
+<file path=ppt/slides/slide24.xml><?xml version="1.0" encoding="utf-8"?>
+<p:sld xmlns:a="http://schemas.openxmlformats.org/drawingml/2006/main" xmlns:r="http://schemas.openxmlformats.org/officeDocument/2006/relationships" xmlns:p="http://schemas.openxmlformats.org/presentationml/2006/main">
+  <p:cSld>
+    <p:bg>
+      <p:bgPr>
+        <a:solidFill>
+          <a:schemeClr val="bg1"/>
+        </a:solidFill>
+        <a:effectLst/>
+      </p:bgPr>
+    </p:bg>
+    <p:spTree>
+      <p:nvGrpSpPr>
+        <p:cNvPr id="1" name=""/>
+        <p:cNvGrpSpPr/>
+        <p:nvPr/>
+      </p:nvGrpSpPr>
+      <p:grpSpPr>
+        <a:xfrm>
+          <a:off x="0" y="0"/>
+          <a:ext cx="0" cy="0"/>
+          <a:chOff x="0" y="0"/>
+          <a:chExt cx="0" cy="0"/>
+        </a:xfrm>
+      </p:grpSpPr>
+      <p:sp useBgFill="1">
+        <p:nvSpPr>
+          <p:cNvPr id="8" name="Rectangle 7">
+            <a:extLst>
+              <a:ext uri="{FF2B5EF4-FFF2-40B4-BE49-F238E27FC236}">
+                <a16:creationId xmlns:a16="http://schemas.microsoft.com/office/drawing/2014/main" id="{907EF6B7-1338-4443-8C46-6A318D952DFD}"/>
+              </a:ext>
+              <a:ext uri="{C183D7F6-B498-43B3-948B-1728B52AA6E4}">
+                <adec:decorative xmlns:adec="http://schemas.microsoft.com/office/drawing/2017/decorative" val="1"/>
+              </a:ext>
+            </a:extLst>
+          </p:cNvPr>
+          <p:cNvSpPr>
+            <a:spLocks noGrp="1" noRot="1" noChangeAspect="1" noMove="1" noResize="1" noEditPoints="1" noAdjustHandles="1" noChangeArrowheads="1" noChangeShapeType="1" noTextEdit="1"/>
+          </p:cNvSpPr>
+          <p:nvPr>
+            <p:extLst>
+              <p:ext uri="{386F3935-93C4-4BCD-93E2-E3B085C9AB24}">
+                <p16:designElem xmlns:p16="http://schemas.microsoft.com/office/powerpoint/2015/main" val="1"/>
+              </p:ext>
+            </p:extLst>
+          </p:nvPr>
+        </p:nvSpPr>
+        <p:spPr>
+          <a:xfrm>
+            <a:off x="3048" y="0"/>
+            <a:ext cx="12188952" cy="6858000"/>
+          </a:xfrm>
+          <a:prstGeom prst="rect">
+            <a:avLst/>
+          </a:prstGeom>
+          <a:ln>
+            <a:noFill/>
+          </a:ln>
+        </p:spPr>
+        <p:style>
+          <a:lnRef idx="2">
+            <a:schemeClr val="accent1">
+              <a:shade val="50000"/>
+            </a:schemeClr>
+          </a:lnRef>
+          <a:fillRef idx="1">
+            <a:schemeClr val="accent1"/>
+          </a:fillRef>
+          <a:effectRef idx="0">
+            <a:schemeClr val="accent1"/>
+          </a:effectRef>
+          <a:fontRef idx="minor">
+            <a:schemeClr val="lt1"/>
+          </a:fontRef>
+        </p:style>
+        <p:txBody>
+          <a:bodyPr rtlCol="0" anchor="ctr"/>
+          <a:lstStyle/>
+          <a:p>
+            <a:pPr algn="ctr"/>
+            <a:endParaRPr lang="en-US"/>
+          </a:p>
+        </p:txBody>
+      </p:sp>
+      <p:sp>
+        <p:nvSpPr>
+          <p:cNvPr id="10" name="Freeform: Shape 9">
+            <a:extLst>
+              <a:ext uri="{FF2B5EF4-FFF2-40B4-BE49-F238E27FC236}">
+                <a16:creationId xmlns:a16="http://schemas.microsoft.com/office/drawing/2014/main" id="{DAAE4CDD-124C-4DCF-9584-B6033B545DD5}"/>
+              </a:ext>
+              <a:ext uri="{C183D7F6-B498-43B3-948B-1728B52AA6E4}">
+                <adec:decorative xmlns:adec="http://schemas.microsoft.com/office/drawing/2017/decorative" val="1"/>
+              </a:ext>
+            </a:extLst>
+          </p:cNvPr>
+          <p:cNvSpPr>
+            <a:spLocks noGrp="1" noRot="1" noChangeAspect="1" noMove="1" noResize="1" noEditPoints="1" noAdjustHandles="1" noChangeArrowheads="1" noChangeShapeType="1" noTextEdit="1"/>
+          </p:cNvSpPr>
+          <p:nvPr>
+            <p:extLst>
+              <p:ext uri="{386F3935-93C4-4BCD-93E2-E3B085C9AB24}">
+                <p16:designElem xmlns:p16="http://schemas.microsoft.com/office/powerpoint/2015/main" val="1"/>
+              </p:ext>
+            </p:extLst>
+          </p:nvPr>
+        </p:nvSpPr>
+        <p:spPr>
+          <a:xfrm>
+            <a:off x="1" y="0"/>
+            <a:ext cx="4167271" cy="6858000"/>
+          </a:xfrm>
+          <a:custGeom>
+            <a:avLst/>
+            <a:gdLst>
+              <a:gd name="connsiteX0" fmla="*/ 0 w 4167271"/>
+              <a:gd name="connsiteY0" fmla="*/ 0 h 6858000"/>
+              <a:gd name="connsiteX1" fmla="*/ 2259550 w 4167271"/>
+              <a:gd name="connsiteY1" fmla="*/ 0 h 6858000"/>
+              <a:gd name="connsiteX2" fmla="*/ 2387803 w 4167271"/>
+              <a:gd name="connsiteY2" fmla="*/ 82222 h 6858000"/>
+              <a:gd name="connsiteX3" fmla="*/ 4167271 w 4167271"/>
+              <a:gd name="connsiteY3" fmla="*/ 3429000 h 6858000"/>
+              <a:gd name="connsiteX4" fmla="*/ 2387803 w 4167271"/>
+              <a:gd name="connsiteY4" fmla="*/ 6775779 h 6858000"/>
+              <a:gd name="connsiteX5" fmla="*/ 2259550 w 4167271"/>
+              <a:gd name="connsiteY5" fmla="*/ 6858000 h 6858000"/>
+              <a:gd name="connsiteX6" fmla="*/ 0 w 4167271"/>
+              <a:gd name="connsiteY6" fmla="*/ 6858000 h 6858000"/>
+            </a:gdLst>
+            <a:ahLst/>
+            <a:cxnLst>
+              <a:cxn ang="0">
+                <a:pos x="connsiteX0" y="connsiteY0"/>
+              </a:cxn>
+              <a:cxn ang="0">
+                <a:pos x="connsiteX1" y="connsiteY1"/>
+              </a:cxn>
+              <a:cxn ang="0">
+                <a:pos x="connsiteX2" y="connsiteY2"/>
+              </a:cxn>
+              <a:cxn ang="0">
+                <a:pos x="connsiteX3" y="connsiteY3"/>
+              </a:cxn>
+              <a:cxn ang="0">
+                <a:pos x="connsiteX4" y="connsiteY4"/>
+              </a:cxn>
+              <a:cxn ang="0">
+                <a:pos x="connsiteX5" y="connsiteY5"/>
+              </a:cxn>
+              <a:cxn ang="0">
+                <a:pos x="connsiteX6" y="connsiteY6"/>
+              </a:cxn>
+            </a:cxnLst>
+            <a:rect l="l" t="t" r="r" b="b"/>
+            <a:pathLst>
+              <a:path w="4167271" h="6858000">
+                <a:moveTo>
+                  <a:pt x="0" y="0"/>
+                </a:moveTo>
+                <a:lnTo>
+                  <a:pt x="2259550" y="0"/>
+                </a:lnTo>
+                <a:lnTo>
+                  <a:pt x="2387803" y="82222"/>
+                </a:lnTo>
+                <a:cubicBezTo>
+                  <a:pt x="3461407" y="807534"/>
+                  <a:pt x="4167271" y="2035835"/>
+                  <a:pt x="4167271" y="3429000"/>
+                </a:cubicBezTo>
+                <a:cubicBezTo>
+                  <a:pt x="4167271" y="4822165"/>
+                  <a:pt x="3461407" y="6050467"/>
+                  <a:pt x="2387803" y="6775779"/>
+                </a:cubicBezTo>
+                <a:lnTo>
+                  <a:pt x="2259550" y="6858000"/>
+                </a:lnTo>
+                <a:lnTo>
+                  <a:pt x="0" y="6858000"/>
+                </a:lnTo>
+                <a:close/>
+              </a:path>
+            </a:pathLst>
+          </a:custGeom>
+          <a:solidFill>
+            <a:schemeClr val="accent2"/>
+          </a:solidFill>
+          <a:ln>
+            <a:noFill/>
+          </a:ln>
+        </p:spPr>
+        <p:style>
+          <a:lnRef idx="2">
+            <a:schemeClr val="accent1">
+              <a:shade val="50000"/>
+            </a:schemeClr>
+          </a:lnRef>
+          <a:fillRef idx="1">
+            <a:schemeClr val="accent1"/>
+          </a:fillRef>
+          <a:effectRef idx="0">
+            <a:schemeClr val="accent1"/>
+          </a:effectRef>
+          <a:fontRef idx="minor">
+            <a:schemeClr val="lt1"/>
+          </a:fontRef>
+        </p:style>
+        <p:txBody>
+          <a:bodyPr rtlCol="0" anchor="ctr"/>
+          <a:lstStyle/>
+          <a:p>
+            <a:pPr algn="ctr"/>
+            <a:endParaRPr lang="en-US"/>
+          </a:p>
+        </p:txBody>
+      </p:sp>
+      <p:sp>
+        <p:nvSpPr>
+          <p:cNvPr id="2" name="Title 1">
+            <a:extLst>
+              <a:ext uri="{FF2B5EF4-FFF2-40B4-BE49-F238E27FC236}">
+                <a16:creationId xmlns:a16="http://schemas.microsoft.com/office/drawing/2014/main" id="{8F149B6E-4B70-D49A-616D-BEF2DA929A85}"/>
+              </a:ext>
+            </a:extLst>
+          </p:cNvPr>
+          <p:cNvSpPr>
+            <a:spLocks noGrp="1"/>
+          </p:cNvSpPr>
+          <p:nvPr>
+            <p:ph type="title"/>
+          </p:nvPr>
+        </p:nvSpPr>
+        <p:spPr>
+          <a:xfrm>
+            <a:off x="686834" y="1153572"/>
+            <a:ext cx="3200400" cy="4461163"/>
+          </a:xfrm>
+        </p:spPr>
+        <p:txBody>
+          <a:bodyPr>
+            <a:normAutofit/>
+          </a:bodyPr>
+          <a:lstStyle/>
+          <a:p>
+            <a:r>
+              <a:rPr lang="en-US" b="0" i="0">
+                <a:solidFill>
+                  <a:srgbClr val="FFFFFF"/>
+                </a:solidFill>
+                <a:effectLst/>
+                <a:latin typeface="Söhne"/>
+              </a:rPr>
+              <a:t>useEffect</a:t>
+            </a:r>
+            <a:endParaRPr lang="en-IL">
+              <a:solidFill>
+                <a:srgbClr val="FFFFFF"/>
+              </a:solidFill>
+            </a:endParaRPr>
+          </a:p>
+        </p:txBody>
+      </p:sp>
+      <p:sp>
+        <p:nvSpPr>
+          <p:cNvPr id="12" name="Arc 11">
+            <a:extLst>
+              <a:ext uri="{FF2B5EF4-FFF2-40B4-BE49-F238E27FC236}">
+                <a16:creationId xmlns:a16="http://schemas.microsoft.com/office/drawing/2014/main" id="{081E4A58-353D-44AE-B2FC-2A74E2E400F7}"/>
+              </a:ext>
+              <a:ext uri="{C183D7F6-B498-43B3-948B-1728B52AA6E4}">
+                <adec:decorative xmlns:adec="http://schemas.microsoft.com/office/drawing/2017/decorative" val="1"/>
+              </a:ext>
+            </a:extLst>
+          </p:cNvPr>
+          <p:cNvSpPr>
+            <a:spLocks noGrp="1" noRot="1" noChangeAspect="1" noMove="1" noResize="1" noEditPoints="1" noAdjustHandles="1" noChangeArrowheads="1" noChangeShapeType="1" noTextEdit="1"/>
+          </p:cNvSpPr>
+          <p:nvPr>
+            <p:extLst>
+              <p:ext uri="{386F3935-93C4-4BCD-93E2-E3B085C9AB24}">
+                <p16:designElem xmlns:p16="http://schemas.microsoft.com/office/powerpoint/2015/main" val="1"/>
+              </p:ext>
+            </p:extLst>
+          </p:nvPr>
+        </p:nvSpPr>
+        <p:spPr>
+          <a:xfrm flipV="1">
+            <a:off x="7550402" y="2455479"/>
+            <a:ext cx="4083433" cy="4083433"/>
+          </a:xfrm>
+          <a:prstGeom prst="arc">
+            <a:avLst/>
+          </a:prstGeom>
+          <a:ln w="127000" cap="rnd">
+            <a:solidFill>
+              <a:schemeClr val="accent4"/>
+            </a:solidFill>
+            <a:prstDash val="dash"/>
+          </a:ln>
+        </p:spPr>
+        <p:style>
+          <a:lnRef idx="1">
+            <a:schemeClr val="accent1"/>
+          </a:lnRef>
+          <a:fillRef idx="0">
+            <a:schemeClr val="accent1"/>
+          </a:fillRef>
+          <a:effectRef idx="0">
+            <a:schemeClr val="accent1"/>
+          </a:effectRef>
+          <a:fontRef idx="minor">
+            <a:schemeClr val="tx1"/>
+          </a:fontRef>
+        </p:style>
+        <p:txBody>
+          <a:bodyPr rtlCol="0" anchor="ctr"/>
+          <a:lstStyle/>
+          <a:p>
+            <a:pPr algn="ctr"/>
+            <a:endParaRPr lang="en-US" dirty="0"/>
+          </a:p>
+        </p:txBody>
+      </p:sp>
+      <p:sp>
+        <p:nvSpPr>
+          <p:cNvPr id="3" name="Content Placeholder 2">
+            <a:extLst>
+              <a:ext uri="{FF2B5EF4-FFF2-40B4-BE49-F238E27FC236}">
+                <a16:creationId xmlns:a16="http://schemas.microsoft.com/office/drawing/2014/main" id="{61251FB7-22FF-72D6-5344-6790D4CA483B}"/>
+              </a:ext>
+            </a:extLst>
+          </p:cNvPr>
+          <p:cNvSpPr>
+            <a:spLocks noGrp="1"/>
+          </p:cNvSpPr>
+          <p:nvPr>
+            <p:ph idx="1"/>
+          </p:nvPr>
+        </p:nvSpPr>
+        <p:spPr>
+          <a:xfrm>
+            <a:off x="4447308" y="591344"/>
+            <a:ext cx="6906491" cy="5585619"/>
+          </a:xfrm>
+        </p:spPr>
+        <p:txBody>
+          <a:bodyPr anchor="ctr">
+            <a:normAutofit/>
+          </a:bodyPr>
+          <a:lstStyle/>
+          <a:p>
+            <a:r>
+              <a:rPr lang="en-US" sz="2600" b="0" i="0" err="1">
+                <a:effectLst/>
+                <a:latin typeface="Söhne"/>
+              </a:rPr>
+              <a:t>useEffect</a:t>
+            </a:r>
+            <a:r>
+              <a:rPr lang="en-US" sz="2600" b="0" i="0">
+                <a:effectLst/>
+                <a:latin typeface="Söhne"/>
+              </a:rPr>
+              <a:t> is a React Hook that allows you to perform side effects in functional components. Side effects refer to any action that affects the external world, such as fetching data from an API, subscribing to events, updating the document title, or manipulating the DOM.</a:t>
+            </a:r>
+          </a:p>
+          <a:p>
+            <a:r>
+              <a:rPr lang="en-US" sz="2600" b="0" i="0">
+                <a:effectLst/>
+                <a:latin typeface="Söhne"/>
+              </a:rPr>
+              <a:t>In class components, side effects were typically handled using lifecycle methods like </a:t>
+            </a:r>
+            <a:r>
+              <a:rPr lang="en-US" sz="2600" b="0" i="0" err="1">
+                <a:effectLst/>
+                <a:latin typeface="Söhne"/>
+              </a:rPr>
+              <a:t>componentDidMount</a:t>
+            </a:r>
+            <a:r>
+              <a:rPr lang="en-US" sz="2600" b="0" i="0">
+                <a:effectLst/>
+                <a:latin typeface="Söhne"/>
+              </a:rPr>
+              <a:t>, </a:t>
+            </a:r>
+            <a:r>
+              <a:rPr lang="en-US" sz="2600" b="0" i="0" err="1">
+                <a:effectLst/>
+                <a:latin typeface="Söhne"/>
+              </a:rPr>
+              <a:t>componentDidUpdate</a:t>
+            </a:r>
+            <a:r>
+              <a:rPr lang="en-US" sz="2600" b="0" i="0">
+                <a:effectLst/>
+                <a:latin typeface="Söhne"/>
+              </a:rPr>
+              <a:t>, and </a:t>
+            </a:r>
+            <a:r>
+              <a:rPr lang="en-US" sz="2600" b="0" i="0" err="1">
+                <a:effectLst/>
+                <a:latin typeface="Söhne"/>
+              </a:rPr>
+              <a:t>componentWillUnmount</a:t>
+            </a:r>
+            <a:r>
+              <a:rPr lang="en-US" sz="2600" b="0" i="0">
+                <a:effectLst/>
+                <a:latin typeface="Söhne"/>
+              </a:rPr>
+              <a:t>. However, with the introduction of React Hooks, you can achieve the same functionality in functional components using the </a:t>
+            </a:r>
+            <a:r>
+              <a:rPr lang="en-US" sz="2600" b="0" i="0" err="1">
+                <a:effectLst/>
+                <a:latin typeface="Söhne"/>
+              </a:rPr>
+              <a:t>useEffect</a:t>
+            </a:r>
+            <a:r>
+              <a:rPr lang="en-US" sz="2600" b="0" i="0">
+                <a:effectLst/>
+                <a:latin typeface="Söhne"/>
+              </a:rPr>
+              <a:t> hook.</a:t>
+            </a:r>
+          </a:p>
+          <a:p>
+            <a:endParaRPr lang="en-IL" sz="2600"/>
+          </a:p>
+        </p:txBody>
+      </p:sp>
+    </p:spTree>
+    <p:extLst>
+      <p:ext uri="{BB962C8B-B14F-4D97-AF65-F5344CB8AC3E}">
+        <p14:creationId xmlns:p14="http://schemas.microsoft.com/office/powerpoint/2010/main" val="1870836704"/>
+      </p:ext>
+    </p:extLst>
+  </p:cSld>
+  <p:clrMapOvr>
+    <a:masterClrMapping/>
+  </p:clrMapOvr>
+  <mc:AlternateContent xmlns:mc="http://schemas.openxmlformats.org/markup-compatibility/2006">
+    <mc:Choice xmlns:p159="http://schemas.microsoft.com/office/powerpoint/2015/09/main" Requires="p159">
+      <p:transition xmlns:p14="http://schemas.microsoft.com/office/powerpoint/2010/main" spd="slow" p14:dur="2000">
+        <p159:morph option="byObject"/>
+      </p:transition>
+    </mc:Choice>
+    <mc:Fallback>
+      <p:transition spd="slow">
+        <p:fade/>
+      </p:transition>
+    </mc:Fallback>
+  </mc:AlternateContent>
+</p:sld>
+</file>
+
+<file path=ppt/slides/slide25.xml><?xml version="1.0" encoding="utf-8"?>
 <p:sld xmlns:a="http://schemas.openxmlformats.org/drawingml/2006/main" xmlns:r="http://schemas.openxmlformats.org/officeDocument/2006/relationships" xmlns:p="http://schemas.openxmlformats.org/presentationml/2006/main">
   <p:cSld>
     <p:spTree>
@@ -8307,7 +11668,7 @@
           <p:cNvPr id="2" name="Title 1">
             <a:extLst>
               <a:ext uri="{FF2B5EF4-FFF2-40B4-BE49-F238E27FC236}">
-                <a16:creationId xmlns:a16="http://schemas.microsoft.com/office/drawing/2014/main" id="{F4BBA9D2-A946-A458-CDC3-382407239AFC}"/>
+                <a16:creationId xmlns:a16="http://schemas.microsoft.com/office/drawing/2014/main" id="{8F149B6E-4B70-D49A-616D-BEF2DA929A85}"/>
               </a:ext>
             </a:extLst>
           </p:cNvPr>
@@ -8323,10 +11684,7 @@
           <a:bodyPr/>
           <a:lstStyle/>
           <a:p>
-            <a:r>
-              <a:rPr lang="en-IL" dirty="0"/>
-              <a:t>layout</a:t>
-            </a:r>
+            <a:endParaRPr lang="en-IL"/>
           </a:p>
         </p:txBody>
       </p:sp>
@@ -8335,7 +11693,7 @@
           <p:cNvPr id="3" name="Content Placeholder 2">
             <a:extLst>
               <a:ext uri="{FF2B5EF4-FFF2-40B4-BE49-F238E27FC236}">
-                <a16:creationId xmlns:a16="http://schemas.microsoft.com/office/drawing/2014/main" id="{5C521763-DD62-5B65-FDC7-2F77E21F569B}"/>
+                <a16:creationId xmlns:a16="http://schemas.microsoft.com/office/drawing/2014/main" id="{61251FB7-22FF-72D6-5344-6790D4CA483B}"/>
               </a:ext>
             </a:extLst>
           </p:cNvPr>
@@ -8351,36 +11709,36 @@
           <a:bodyPr/>
           <a:lstStyle/>
           <a:p>
-            <a:r>
-              <a:rPr lang="en-US" dirty="0"/>
-              <a:t>https://</a:t>
-            </a:r>
-            <a:r>
-              <a:rPr lang="en-US" dirty="0" err="1"/>
-              <a:t>nextjs.org</a:t>
-            </a:r>
-            <a:r>
-              <a:rPr lang="en-US" dirty="0"/>
-              <a:t>/docs/app/building-your-application/routing/defining-routes</a:t>
-            </a:r>
-            <a:endParaRPr lang="en-IL" dirty="0"/>
+            <a:endParaRPr lang="en-IL"/>
           </a:p>
         </p:txBody>
       </p:sp>
     </p:spTree>
     <p:extLst>
       <p:ext uri="{BB962C8B-B14F-4D97-AF65-F5344CB8AC3E}">
-        <p14:creationId xmlns:p14="http://schemas.microsoft.com/office/powerpoint/2010/main" val="2076226408"/>
+        <p14:creationId xmlns:p14="http://schemas.microsoft.com/office/powerpoint/2010/main" val="2716474097"/>
       </p:ext>
     </p:extLst>
   </p:cSld>
   <p:clrMapOvr>
     <a:masterClrMapping/>
   </p:clrMapOvr>
+  <mc:AlternateContent xmlns:mc="http://schemas.openxmlformats.org/markup-compatibility/2006">
+    <mc:Choice xmlns:p159="http://schemas.microsoft.com/office/powerpoint/2015/09/main" Requires="p159">
+      <p:transition xmlns:p14="http://schemas.microsoft.com/office/powerpoint/2010/main" spd="slow" p14:dur="2000">
+        <p159:morph option="byObject"/>
+      </p:transition>
+    </mc:Choice>
+    <mc:Fallback>
+      <p:transition spd="slow">
+        <p:fade/>
+      </p:transition>
+    </mc:Fallback>
+  </mc:AlternateContent>
 </p:sld>
 </file>
 
-<file path=ppt/slides/slide21.xml><?xml version="1.0" encoding="utf-8"?>
+<file path=ppt/slides/slide26.xml><?xml version="1.0" encoding="utf-8"?>
 <p:sld xmlns:a="http://schemas.openxmlformats.org/drawingml/2006/main" xmlns:r="http://schemas.openxmlformats.org/officeDocument/2006/relationships" xmlns:p="http://schemas.openxmlformats.org/presentationml/2006/main">
   <p:cSld>
     <p:spTree>
@@ -8402,7 +11760,7 @@
           <p:cNvPr id="2" name="Title 1">
             <a:extLst>
               <a:ext uri="{FF2B5EF4-FFF2-40B4-BE49-F238E27FC236}">
-                <a16:creationId xmlns:a16="http://schemas.microsoft.com/office/drawing/2014/main" id="{F4BBA9D2-A946-A458-CDC3-382407239AFC}"/>
+                <a16:creationId xmlns:a16="http://schemas.microsoft.com/office/drawing/2014/main" id="{8F149B6E-4B70-D49A-616D-BEF2DA929A85}"/>
               </a:ext>
             </a:extLst>
           </p:cNvPr>
@@ -8427,7 +11785,7 @@
           <p:cNvPr id="3" name="Content Placeholder 2">
             <a:extLst>
               <a:ext uri="{FF2B5EF4-FFF2-40B4-BE49-F238E27FC236}">
-                <a16:creationId xmlns:a16="http://schemas.microsoft.com/office/drawing/2014/main" id="{5C521763-DD62-5B65-FDC7-2F77E21F569B}"/>
+                <a16:creationId xmlns:a16="http://schemas.microsoft.com/office/drawing/2014/main" id="{61251FB7-22FF-72D6-5344-6790D4CA483B}"/>
               </a:ext>
             </a:extLst>
           </p:cNvPr>
@@ -8450,13 +11808,117 @@
     </p:spTree>
     <p:extLst>
       <p:ext uri="{BB962C8B-B14F-4D97-AF65-F5344CB8AC3E}">
-        <p14:creationId xmlns:p14="http://schemas.microsoft.com/office/powerpoint/2010/main" val="4229194660"/>
+        <p14:creationId xmlns:p14="http://schemas.microsoft.com/office/powerpoint/2010/main" val="556474225"/>
       </p:ext>
     </p:extLst>
   </p:cSld>
   <p:clrMapOvr>
     <a:masterClrMapping/>
   </p:clrMapOvr>
+  <mc:AlternateContent xmlns:mc="http://schemas.openxmlformats.org/markup-compatibility/2006">
+    <mc:Choice xmlns:p159="http://schemas.microsoft.com/office/powerpoint/2015/09/main" Requires="p159">
+      <p:transition xmlns:p14="http://schemas.microsoft.com/office/powerpoint/2010/main" spd="slow" p14:dur="2000">
+        <p159:morph option="byObject"/>
+      </p:transition>
+    </mc:Choice>
+    <mc:Fallback>
+      <p:transition spd="slow">
+        <p:fade/>
+      </p:transition>
+    </mc:Fallback>
+  </mc:AlternateContent>
+</p:sld>
+</file>
+
+<file path=ppt/slides/slide27.xml><?xml version="1.0" encoding="utf-8"?>
+<p:sld xmlns:a="http://schemas.openxmlformats.org/drawingml/2006/main" xmlns:r="http://schemas.openxmlformats.org/officeDocument/2006/relationships" xmlns:p="http://schemas.openxmlformats.org/presentationml/2006/main">
+  <p:cSld>
+    <p:spTree>
+      <p:nvGrpSpPr>
+        <p:cNvPr id="1" name=""/>
+        <p:cNvGrpSpPr/>
+        <p:nvPr/>
+      </p:nvGrpSpPr>
+      <p:grpSpPr>
+        <a:xfrm>
+          <a:off x="0" y="0"/>
+          <a:ext cx="0" cy="0"/>
+          <a:chOff x="0" y="0"/>
+          <a:chExt cx="0" cy="0"/>
+        </a:xfrm>
+      </p:grpSpPr>
+      <p:sp>
+        <p:nvSpPr>
+          <p:cNvPr id="2" name="Title 1">
+            <a:extLst>
+              <a:ext uri="{FF2B5EF4-FFF2-40B4-BE49-F238E27FC236}">
+                <a16:creationId xmlns:a16="http://schemas.microsoft.com/office/drawing/2014/main" id="{8F149B6E-4B70-D49A-616D-BEF2DA929A85}"/>
+              </a:ext>
+            </a:extLst>
+          </p:cNvPr>
+          <p:cNvSpPr>
+            <a:spLocks noGrp="1"/>
+          </p:cNvSpPr>
+          <p:nvPr>
+            <p:ph type="title"/>
+          </p:nvPr>
+        </p:nvSpPr>
+        <p:spPr/>
+        <p:txBody>
+          <a:bodyPr/>
+          <a:lstStyle/>
+          <a:p>
+            <a:endParaRPr lang="en-IL"/>
+          </a:p>
+        </p:txBody>
+      </p:sp>
+      <p:sp>
+        <p:nvSpPr>
+          <p:cNvPr id="3" name="Content Placeholder 2">
+            <a:extLst>
+              <a:ext uri="{FF2B5EF4-FFF2-40B4-BE49-F238E27FC236}">
+                <a16:creationId xmlns:a16="http://schemas.microsoft.com/office/drawing/2014/main" id="{61251FB7-22FF-72D6-5344-6790D4CA483B}"/>
+              </a:ext>
+            </a:extLst>
+          </p:cNvPr>
+          <p:cNvSpPr>
+            <a:spLocks noGrp="1"/>
+          </p:cNvSpPr>
+          <p:nvPr>
+            <p:ph idx="1"/>
+          </p:nvPr>
+        </p:nvSpPr>
+        <p:spPr/>
+        <p:txBody>
+          <a:bodyPr/>
+          <a:lstStyle/>
+          <a:p>
+            <a:endParaRPr lang="en-IL"/>
+          </a:p>
+        </p:txBody>
+      </p:sp>
+    </p:spTree>
+    <p:extLst>
+      <p:ext uri="{BB962C8B-B14F-4D97-AF65-F5344CB8AC3E}">
+        <p14:creationId xmlns:p14="http://schemas.microsoft.com/office/powerpoint/2010/main" val="3517898534"/>
+      </p:ext>
+    </p:extLst>
+  </p:cSld>
+  <p:clrMapOvr>
+    <a:masterClrMapping/>
+  </p:clrMapOvr>
+  <mc:AlternateContent xmlns:mc="http://schemas.openxmlformats.org/markup-compatibility/2006">
+    <mc:Choice xmlns:p159="http://schemas.microsoft.com/office/powerpoint/2015/09/main" Requires="p159">
+      <p:transition xmlns:p14="http://schemas.microsoft.com/office/powerpoint/2010/main" spd="slow" p14:dur="2000">
+        <p159:morph option="byObject"/>
+      </p:transition>
+    </mc:Choice>
+    <mc:Fallback>
+      <p:transition spd="slow">
+        <p:fade/>
+      </p:transition>
+    </mc:Fallback>
+  </mc:AlternateContent>
 </p:sld>
 </file>
 
@@ -9282,12 +12744,32 @@
   <p:clrMapOvr>
     <a:masterClrMapping/>
   </p:clrMapOvr>
+  <mc:AlternateContent xmlns:mc="http://schemas.openxmlformats.org/markup-compatibility/2006">
+    <mc:Choice xmlns:p159="http://schemas.microsoft.com/office/powerpoint/2015/09/main" Requires="p159">
+      <p:transition xmlns:p14="http://schemas.microsoft.com/office/powerpoint/2010/main" spd="slow" p14:dur="2000">
+        <p159:morph option="byObject"/>
+      </p:transition>
+    </mc:Choice>
+    <mc:Fallback>
+      <p:transition spd="slow">
+        <p:fade/>
+      </p:transition>
+    </mc:Fallback>
+  </mc:AlternateContent>
 </p:sld>
 </file>
 
 <file path=ppt/slides/slide4.xml><?xml version="1.0" encoding="utf-8"?>
 <p:sld xmlns:a="http://schemas.openxmlformats.org/drawingml/2006/main" xmlns:r="http://schemas.openxmlformats.org/officeDocument/2006/relationships" xmlns:p="http://schemas.openxmlformats.org/presentationml/2006/main">
   <p:cSld>
+    <p:bg>
+      <p:bgPr>
+        <a:solidFill>
+          <a:schemeClr val="bg1"/>
+        </a:solidFill>
+        <a:effectLst/>
+      </p:bgPr>
+    </p:bg>
     <p:spTree>
       <p:nvGrpSpPr>
         <p:cNvPr id="1" name=""/>
@@ -9304,6 +12786,76 @@
       </p:grpSpPr>
       <p:sp>
         <p:nvSpPr>
+          <p:cNvPr id="8" name="Rectangle 7">
+            <a:extLst>
+              <a:ext uri="{FF2B5EF4-FFF2-40B4-BE49-F238E27FC236}">
+                <a16:creationId xmlns:a16="http://schemas.microsoft.com/office/drawing/2014/main" id="{A7AE9375-4664-4DB2-922D-2782A6E439AC}"/>
+              </a:ext>
+              <a:ext uri="{C183D7F6-B498-43B3-948B-1728B52AA6E4}">
+                <adec:decorative xmlns:adec="http://schemas.microsoft.com/office/drawing/2017/decorative" val="1"/>
+              </a:ext>
+            </a:extLst>
+          </p:cNvPr>
+          <p:cNvSpPr>
+            <a:spLocks noGrp="1" noRot="1" noChangeAspect="1" noMove="1" noResize="1" noEditPoints="1" noAdjustHandles="1" noChangeArrowheads="1" noChangeShapeType="1" noTextEdit="1"/>
+          </p:cNvSpPr>
+          <p:nvPr>
+            <p:extLst>
+              <p:ext uri="{386F3935-93C4-4BCD-93E2-E3B085C9AB24}">
+                <p16:designElem xmlns:p16="http://schemas.microsoft.com/office/powerpoint/2015/main" val="1"/>
+              </p:ext>
+            </p:extLst>
+          </p:nvPr>
+        </p:nvSpPr>
+        <p:spPr>
+          <a:xfrm>
+            <a:off x="0" y="0"/>
+            <a:ext cx="12192000" cy="6858000"/>
+          </a:xfrm>
+          <a:prstGeom prst="rect">
+            <a:avLst/>
+          </a:prstGeom>
+          <a:solidFill>
+            <a:schemeClr val="tx1">
+              <a:lumMod val="95000"/>
+              <a:lumOff val="5000"/>
+            </a:schemeClr>
+          </a:solidFill>
+          <a:ln>
+            <a:noFill/>
+          </a:ln>
+        </p:spPr>
+        <p:style>
+          <a:lnRef idx="2">
+            <a:schemeClr val="accent1">
+              <a:shade val="50000"/>
+            </a:schemeClr>
+          </a:lnRef>
+          <a:fillRef idx="1">
+            <a:schemeClr val="accent1"/>
+          </a:fillRef>
+          <a:effectRef idx="0">
+            <a:schemeClr val="accent1"/>
+          </a:effectRef>
+          <a:fontRef idx="minor">
+            <a:schemeClr val="lt1"/>
+          </a:fontRef>
+        </p:style>
+        <p:txBody>
+          <a:bodyPr rtlCol="0" anchor="ctr"/>
+          <a:lstStyle/>
+          <a:p>
+            <a:pPr algn="ctr"/>
+            <a:endParaRPr lang="en-US" dirty="0">
+              <a:solidFill>
+                <a:schemeClr val="tx1"/>
+              </a:solidFill>
+            </a:endParaRPr>
+          </a:p>
+        </p:txBody>
+      </p:sp>
+      <p:sp>
+        <p:nvSpPr>
           <p:cNvPr id="2" name="Title 1">
             <a:extLst>
               <a:ext uri="{FF2B5EF4-FFF2-40B4-BE49-F238E27FC236}">
@@ -9318,78 +12870,125 @@
             <p:ph type="title"/>
           </p:nvPr>
         </p:nvSpPr>
-        <p:spPr/>
+        <p:spPr>
+          <a:xfrm>
+            <a:off x="838200" y="669925"/>
+            <a:ext cx="4508946" cy="1325563"/>
+          </a:xfrm>
+        </p:spPr>
+        <p:txBody>
+          <a:bodyPr anchor="b">
+            <a:normAutofit/>
+          </a:bodyPr>
+          <a:lstStyle/>
+          <a:p>
+            <a:pPr algn="r"/>
+            <a:r>
+              <a:rPr lang="en-US" b="1" i="0">
+                <a:solidFill>
+                  <a:schemeClr val="bg1"/>
+                </a:solidFill>
+                <a:effectLst/>
+                <a:latin typeface="Söhne"/>
+              </a:rPr>
+              <a:t>Why should you use Next.js?</a:t>
+            </a:r>
+            <a:endParaRPr lang="en-IL">
+              <a:solidFill>
+                <a:schemeClr val="bg1"/>
+              </a:solidFill>
+            </a:endParaRPr>
+          </a:p>
+        </p:txBody>
+      </p:sp>
+      <p:cxnSp>
+        <p:nvCxnSpPr>
+          <p:cNvPr id="10" name="Straight Connector 9">
+            <a:extLst>
+              <a:ext uri="{FF2B5EF4-FFF2-40B4-BE49-F238E27FC236}">
+                <a16:creationId xmlns:a16="http://schemas.microsoft.com/office/drawing/2014/main" id="{EE504C98-6397-41C1-A8D8-2D9C4ED307E0}"/>
+              </a:ext>
+              <a:ext uri="{C183D7F6-B498-43B3-948B-1728B52AA6E4}">
+                <adec:decorative xmlns:adec="http://schemas.microsoft.com/office/drawing/2017/decorative" val="1"/>
+              </a:ext>
+            </a:extLst>
+          </p:cNvPr>
+          <p:cNvCxnSpPr>
+            <a:cxnSpLocks noGrp="1" noRot="1" noChangeAspect="1" noMove="1" noResize="1" noEditPoints="1" noAdjustHandles="1" noChangeArrowheads="1" noChangeShapeType="1"/>
+          </p:cNvCxnSpPr>
+          <p:nvPr>
+            <p:extLst>
+              <p:ext uri="{386F3935-93C4-4BCD-93E2-E3B085C9AB24}">
+                <p16:designElem xmlns:p16="http://schemas.microsoft.com/office/powerpoint/2015/main" val="1"/>
+              </p:ext>
+            </p:extLst>
+          </p:nvPr>
+        </p:nvCxnSpPr>
+        <p:spPr>
+          <a:xfrm flipH="1">
+            <a:off x="126210" y="2026340"/>
+            <a:ext cx="5220936" cy="0"/>
+          </a:xfrm>
+          <a:prstGeom prst="line">
+            <a:avLst/>
+          </a:prstGeom>
+          <a:ln w="12700">
+            <a:solidFill>
+              <a:schemeClr val="accent2"/>
+            </a:solidFill>
+          </a:ln>
+        </p:spPr>
+        <p:style>
+          <a:lnRef idx="1">
+            <a:schemeClr val="accent1"/>
+          </a:lnRef>
+          <a:fillRef idx="0">
+            <a:schemeClr val="accent1"/>
+          </a:fillRef>
+          <a:effectRef idx="0">
+            <a:schemeClr val="accent1"/>
+          </a:effectRef>
+          <a:fontRef idx="minor">
+            <a:schemeClr val="tx1"/>
+          </a:fontRef>
+        </p:style>
+      </p:cxnSp>
+      <p:sp>
+        <p:nvSpPr>
+          <p:cNvPr id="3" name="Content Placeholder 2">
+            <a:extLst>
+              <a:ext uri="{FF2B5EF4-FFF2-40B4-BE49-F238E27FC236}">
+                <a16:creationId xmlns:a16="http://schemas.microsoft.com/office/drawing/2014/main" id="{5C521763-DD62-5B65-FDC7-2F77E21F569B}"/>
+              </a:ext>
+            </a:extLst>
+          </p:cNvPr>
+          <p:cNvSpPr>
+            <a:spLocks noGrp="1"/>
+          </p:cNvSpPr>
+          <p:nvPr>
+            <p:ph idx="1"/>
+          </p:nvPr>
+        </p:nvSpPr>
+        <p:spPr>
+          <a:xfrm>
+            <a:off x="1392667" y="2398957"/>
+            <a:ext cx="9406666" cy="3526144"/>
+          </a:xfrm>
+        </p:spPr>
         <p:txBody>
           <a:bodyPr>
             <a:normAutofit/>
           </a:bodyPr>
           <a:lstStyle/>
           <a:p>
-            <a:r>
-              <a:rPr lang="en-US" b="1" i="0" dirty="0">
-                <a:solidFill>
-                  <a:srgbClr val="374151"/>
-                </a:solidFill>
-                <a:effectLst/>
-                <a:latin typeface="Söhne"/>
-              </a:rPr>
-              <a:t>Why should you use </a:t>
-            </a:r>
-            <a:r>
-              <a:rPr lang="en-US" b="1" i="0" dirty="0" err="1">
-                <a:solidFill>
-                  <a:srgbClr val="374151"/>
-                </a:solidFill>
-                <a:effectLst/>
-                <a:latin typeface="Söhne"/>
-              </a:rPr>
-              <a:t>Next.js</a:t>
-            </a:r>
-            <a:r>
-              <a:rPr lang="en-US" b="1" i="0" dirty="0">
-                <a:solidFill>
-                  <a:srgbClr val="374151"/>
-                </a:solidFill>
-                <a:effectLst/>
-                <a:latin typeface="Söhne"/>
-              </a:rPr>
-              <a:t>?</a:t>
-            </a:r>
-            <a:endParaRPr lang="en-IL" dirty="0"/>
-          </a:p>
-        </p:txBody>
-      </p:sp>
-      <p:sp>
-        <p:nvSpPr>
-          <p:cNvPr id="3" name="Content Placeholder 2">
-            <a:extLst>
-              <a:ext uri="{FF2B5EF4-FFF2-40B4-BE49-F238E27FC236}">
-                <a16:creationId xmlns:a16="http://schemas.microsoft.com/office/drawing/2014/main" id="{5C521763-DD62-5B65-FDC7-2F77E21F569B}"/>
-              </a:ext>
-            </a:extLst>
-          </p:cNvPr>
-          <p:cNvSpPr>
-            <a:spLocks noGrp="1"/>
-          </p:cNvSpPr>
-          <p:nvPr>
-            <p:ph idx="1"/>
-          </p:nvPr>
-        </p:nvSpPr>
-        <p:spPr/>
-        <p:txBody>
-          <a:bodyPr>
-            <a:normAutofit fontScale="70000" lnSpcReduction="20000"/>
-          </a:bodyPr>
-          <a:lstStyle/>
-          <a:p>
-            <a:pPr algn="l">
+            <a:pPr>
               <a:buFont typeface="+mj-lt"/>
               <a:buAutoNum type="arabicPeriod"/>
             </a:pPr>
             <a:r>
-              <a:rPr lang="en-US" b="1" i="0" dirty="0">
+              <a:rPr lang="en-US" sz="1400" b="1" i="0">
                 <a:solidFill>
-                  <a:srgbClr val="374151"/>
+                  <a:schemeClr val="bg1"/>
                 </a:solidFill>
                 <a:effectLst/>
                 <a:latin typeface="Söhne"/>
@@ -9397,45 +12996,25 @@
               <a:t>Improved SEO:</a:t>
             </a:r>
             <a:r>
-              <a:rPr lang="en-US" b="0" i="0" dirty="0">
+              <a:rPr lang="en-US" sz="1400" b="0" i="0">
                 <a:solidFill>
-                  <a:srgbClr val="374151"/>
+                  <a:schemeClr val="bg1"/>
                 </a:solidFill>
                 <a:effectLst/>
                 <a:latin typeface="Söhne"/>
               </a:rPr>
-              <a:t> Traditional single-page applications (SPAs) built with React suffer from SEO issues because the content is loaded client-side and search engine bots often see an empty page. </a:t>
-            </a:r>
-            <a:r>
-              <a:rPr lang="en-US" b="0" i="0" dirty="0" err="1">
-                <a:solidFill>
-                  <a:srgbClr val="374151"/>
-                </a:solidFill>
-                <a:effectLst/>
-                <a:latin typeface="Söhne"/>
-              </a:rPr>
-              <a:t>Next.js</a:t>
-            </a:r>
-            <a:r>
-              <a:rPr lang="en-US" b="0" i="0" dirty="0">
-                <a:solidFill>
-                  <a:srgbClr val="374151"/>
-                </a:solidFill>
-                <a:effectLst/>
-                <a:latin typeface="Söhne"/>
-              </a:rPr>
-              <a:t> offers SSR and SSG, which allows search engine bots to see the fully rendered page.</a:t>
-            </a:r>
-          </a:p>
-          <a:p>
-            <a:pPr algn="l">
+              <a:t> Traditional single-page applications (SPAs) built with React suffer from SEO issues because the content is loaded client-side and search engine bots often see an empty page. Next.js offers SSR and SSG, which allows search engine bots to see the fully rendered page.</a:t>
+            </a:r>
+          </a:p>
+          <a:p>
+            <a:pPr>
               <a:buFont typeface="+mj-lt"/>
               <a:buAutoNum type="arabicPeriod"/>
             </a:pPr>
             <a:r>
-              <a:rPr lang="en-US" b="1" i="0" dirty="0">
+              <a:rPr lang="en-US" sz="1400" b="1" i="0">
                 <a:solidFill>
-                  <a:srgbClr val="374151"/>
+                  <a:schemeClr val="bg1"/>
                 </a:solidFill>
                 <a:effectLst/>
                 <a:latin typeface="Söhne"/>
@@ -9443,45 +13022,25 @@
               <a:t>Performance optimization:</a:t>
             </a:r>
             <a:r>
-              <a:rPr lang="en-US" b="0" i="0" dirty="0">
+              <a:rPr lang="en-US" sz="1400" b="0" i="0">
                 <a:solidFill>
-                  <a:srgbClr val="374151"/>
+                  <a:schemeClr val="bg1"/>
                 </a:solidFill>
                 <a:effectLst/>
                 <a:latin typeface="Söhne"/>
               </a:rPr>
-              <a:t> </a:t>
-            </a:r>
-            <a:r>
-              <a:rPr lang="en-US" b="0" i="0" dirty="0" err="1">
-                <a:solidFill>
-                  <a:srgbClr val="374151"/>
-                </a:solidFill>
-                <a:effectLst/>
-                <a:latin typeface="Söhne"/>
-              </a:rPr>
-              <a:t>Next.js</a:t>
-            </a:r>
-            <a:r>
-              <a:rPr lang="en-US" b="0" i="0" dirty="0">
-                <a:solidFill>
-                  <a:srgbClr val="374151"/>
-                </a:solidFill>
-                <a:effectLst/>
-                <a:latin typeface="Söhne"/>
-              </a:rPr>
-              <a:t> automatically implements code splitting, which means every page only loads what’s necessary for that page. This leads to faster page loads.</a:t>
-            </a:r>
-          </a:p>
-          <a:p>
-            <a:pPr algn="l">
+              <a:t> Next.js automatically implements code splitting, which means every page only loads what’s necessary for that page. This leads to faster page loads.</a:t>
+            </a:r>
+          </a:p>
+          <a:p>
+            <a:pPr>
               <a:buFont typeface="+mj-lt"/>
               <a:buAutoNum type="arabicPeriod"/>
             </a:pPr>
             <a:r>
-              <a:rPr lang="en-US" b="1" i="0" dirty="0">
+              <a:rPr lang="en-US" sz="1400" b="1" i="0">
                 <a:solidFill>
-                  <a:srgbClr val="374151"/>
+                  <a:schemeClr val="bg1"/>
                 </a:solidFill>
                 <a:effectLst/>
                 <a:latin typeface="Söhne"/>
@@ -9489,45 +13048,25 @@
               <a:t>Development experience:</a:t>
             </a:r>
             <a:r>
-              <a:rPr lang="en-US" b="0" i="0" dirty="0">
+              <a:rPr lang="en-US" sz="1400" b="0" i="0">
                 <a:solidFill>
-                  <a:srgbClr val="374151"/>
+                  <a:schemeClr val="bg1"/>
                 </a:solidFill>
                 <a:effectLst/>
                 <a:latin typeface="Söhne"/>
               </a:rPr>
-              <a:t> </a:t>
-            </a:r>
-            <a:r>
-              <a:rPr lang="en-US" b="0" i="0" dirty="0" err="1">
-                <a:solidFill>
-                  <a:srgbClr val="374151"/>
-                </a:solidFill>
-                <a:effectLst/>
-                <a:latin typeface="Söhne"/>
-              </a:rPr>
-              <a:t>Next.js</a:t>
-            </a:r>
-            <a:r>
-              <a:rPr lang="en-US" b="0" i="0" dirty="0">
-                <a:solidFill>
-                  <a:srgbClr val="374151"/>
-                </a:solidFill>
-                <a:effectLst/>
-                <a:latin typeface="Söhne"/>
-              </a:rPr>
-              <a:t> offers features like hot code reloading, automatic routing, and universal rendering which make development smoother.</a:t>
-            </a:r>
-          </a:p>
-          <a:p>
-            <a:pPr algn="l">
+              <a:t> Next.js offers features like hot code reloading, automatic routing, and universal rendering which make development smoother.</a:t>
+            </a:r>
+          </a:p>
+          <a:p>
+            <a:pPr>
               <a:buFont typeface="+mj-lt"/>
               <a:buAutoNum type="arabicPeriod"/>
             </a:pPr>
             <a:r>
-              <a:rPr lang="en-US" b="1" i="0" dirty="0">
+              <a:rPr lang="en-US" sz="1400" b="1" i="0">
                 <a:solidFill>
-                  <a:srgbClr val="374151"/>
+                  <a:schemeClr val="bg1"/>
                 </a:solidFill>
                 <a:effectLst/>
                 <a:latin typeface="Söhne"/>
@@ -9535,9 +13074,9 @@
               <a:t>Incremental Static Regeneration:</a:t>
             </a:r>
             <a:r>
-              <a:rPr lang="en-US" b="0" i="0" dirty="0">
+              <a:rPr lang="en-US" sz="1400" b="0" i="0">
                 <a:solidFill>
-                  <a:srgbClr val="374151"/>
+                  <a:schemeClr val="bg1"/>
                 </a:solidFill>
                 <a:effectLst/>
                 <a:latin typeface="Söhne"/>
@@ -9546,14 +13085,14 @@
             </a:r>
           </a:p>
           <a:p>
-            <a:pPr algn="l">
+            <a:pPr>
               <a:buFont typeface="+mj-lt"/>
               <a:buAutoNum type="arabicPeriod"/>
             </a:pPr>
             <a:r>
-              <a:rPr lang="en-US" b="1" i="0" dirty="0">
+              <a:rPr lang="en-US" sz="1400" b="1" i="0">
                 <a:solidFill>
-                  <a:srgbClr val="374151"/>
+                  <a:schemeClr val="bg1"/>
                 </a:solidFill>
                 <a:effectLst/>
                 <a:latin typeface="Söhne"/>
@@ -9561,45 +13100,25 @@
               <a:t>Versatility:</a:t>
             </a:r>
             <a:r>
-              <a:rPr lang="en-US" b="0" i="0" dirty="0">
+              <a:rPr lang="en-US" sz="1400" b="0" i="0">
                 <a:solidFill>
-                  <a:srgbClr val="374151"/>
+                  <a:schemeClr val="bg1"/>
                 </a:solidFill>
                 <a:effectLst/>
                 <a:latin typeface="Söhne"/>
               </a:rPr>
-              <a:t> </a:t>
-            </a:r>
-            <a:r>
-              <a:rPr lang="en-US" b="0" i="0" dirty="0" err="1">
-                <a:solidFill>
-                  <a:srgbClr val="374151"/>
-                </a:solidFill>
-                <a:effectLst/>
-                <a:latin typeface="Söhne"/>
-              </a:rPr>
-              <a:t>Next.js</a:t>
-            </a:r>
-            <a:r>
-              <a:rPr lang="en-US" b="0" i="0" dirty="0">
-                <a:solidFill>
-                  <a:srgbClr val="374151"/>
-                </a:solidFill>
-                <a:effectLst/>
-                <a:latin typeface="Söhne"/>
-              </a:rPr>
-              <a:t> works great for both small and large scale applications. It's a great choice whether you're creating a personal project or a large, enterprise-level application.</a:t>
-            </a:r>
-          </a:p>
-          <a:p>
-            <a:pPr algn="l">
+              <a:t> Next.js works great for both small and large scale applications. It's a great choice whether you're creating a personal project or a large, enterprise-level application.</a:t>
+            </a:r>
+          </a:p>
+          <a:p>
+            <a:pPr>
               <a:buFont typeface="+mj-lt"/>
               <a:buAutoNum type="arabicPeriod"/>
             </a:pPr>
             <a:r>
-              <a:rPr lang="en-US" b="1" i="0" dirty="0">
+              <a:rPr lang="en-US" sz="1400" b="1" i="0">
                 <a:solidFill>
-                  <a:srgbClr val="374151"/>
+                  <a:schemeClr val="bg1"/>
                 </a:solidFill>
                 <a:effectLst/>
                 <a:latin typeface="Söhne"/>
@@ -9607,55 +13126,78 @@
               <a:t>Community and Ecosystem:</a:t>
             </a:r>
             <a:r>
-              <a:rPr lang="en-US" b="0" i="0" dirty="0">
+              <a:rPr lang="en-US" sz="1400" b="0" i="0">
                 <a:solidFill>
-                  <a:srgbClr val="374151"/>
+                  <a:schemeClr val="bg1"/>
                 </a:solidFill>
                 <a:effectLst/>
                 <a:latin typeface="Söhne"/>
               </a:rPr>
-              <a:t> Since </a:t>
-            </a:r>
-            <a:r>
-              <a:rPr lang="en-US" b="0" i="0" dirty="0" err="1">
-                <a:solidFill>
-                  <a:srgbClr val="374151"/>
-                </a:solidFill>
-                <a:effectLst/>
-                <a:latin typeface="Söhne"/>
-              </a:rPr>
-              <a:t>Next.js</a:t>
-            </a:r>
-            <a:r>
-              <a:rPr lang="en-US" b="0" i="0" dirty="0">
-                <a:solidFill>
-                  <a:srgbClr val="374151"/>
-                </a:solidFill>
-                <a:effectLst/>
-                <a:latin typeface="Söhne"/>
-              </a:rPr>
-              <a:t> is built on top of React, you have access to the robust React ecosystem, and there's a large community for </a:t>
-            </a:r>
-            <a:r>
-              <a:rPr lang="en-US" b="0" i="0" dirty="0" err="1">
-                <a:solidFill>
-                  <a:srgbClr val="374151"/>
-                </a:solidFill>
-                <a:effectLst/>
-                <a:latin typeface="Söhne"/>
-              </a:rPr>
-              <a:t>Next.js</a:t>
-            </a:r>
-            <a:r>
-              <a:rPr lang="en-US" b="0" i="0" dirty="0">
-                <a:solidFill>
-                  <a:srgbClr val="374151"/>
-                </a:solidFill>
-                <a:effectLst/>
-                <a:latin typeface="Söhne"/>
-              </a:rPr>
-              <a:t> itself as well.</a:t>
-            </a:r>
+              <a:t> Since Next.js is built on top of React, you have access to the robust React ecosystem, and there's a large community for Next.js itself as well.</a:t>
+            </a:r>
+          </a:p>
+        </p:txBody>
+      </p:sp>
+      <p:sp>
+        <p:nvSpPr>
+          <p:cNvPr id="12" name="Rectangle 11">
+            <a:extLst>
+              <a:ext uri="{FF2B5EF4-FFF2-40B4-BE49-F238E27FC236}">
+                <a16:creationId xmlns:a16="http://schemas.microsoft.com/office/drawing/2014/main" id="{9DD005C1-8C51-42D6-9BEE-B9B83849743D}"/>
+              </a:ext>
+              <a:ext uri="{C183D7F6-B498-43B3-948B-1728B52AA6E4}">
+                <adec:decorative xmlns:adec="http://schemas.microsoft.com/office/drawing/2017/decorative" val="1"/>
+              </a:ext>
+            </a:extLst>
+          </p:cNvPr>
+          <p:cNvSpPr>
+            <a:spLocks noGrp="1" noRot="1" noChangeAspect="1" noMove="1" noResize="1" noEditPoints="1" noAdjustHandles="1" noChangeArrowheads="1" noChangeShapeType="1" noTextEdit="1"/>
+          </p:cNvSpPr>
+          <p:nvPr>
+            <p:extLst>
+              <p:ext uri="{386F3935-93C4-4BCD-93E2-E3B085C9AB24}">
+                <p16:designElem xmlns:p16="http://schemas.microsoft.com/office/powerpoint/2015/main" val="1"/>
+              </p:ext>
+            </p:extLst>
+          </p:nvPr>
+        </p:nvSpPr>
+        <p:spPr>
+          <a:xfrm>
+            <a:off x="126206" y="115193"/>
+            <a:ext cx="11939588" cy="6627614"/>
+          </a:xfrm>
+          <a:prstGeom prst="rect">
+            <a:avLst/>
+          </a:prstGeom>
+          <a:noFill/>
+          <a:ln w="12700">
+            <a:solidFill>
+              <a:schemeClr val="accent2"/>
+            </a:solidFill>
+          </a:ln>
+        </p:spPr>
+        <p:style>
+          <a:lnRef idx="2">
+            <a:schemeClr val="accent1">
+              <a:shade val="50000"/>
+            </a:schemeClr>
+          </a:lnRef>
+          <a:fillRef idx="1">
+            <a:schemeClr val="accent1"/>
+          </a:fillRef>
+          <a:effectRef idx="0">
+            <a:schemeClr val="accent1"/>
+          </a:effectRef>
+          <a:fontRef idx="minor">
+            <a:schemeClr val="lt1"/>
+          </a:fontRef>
+        </p:style>
+        <p:txBody>
+          <a:bodyPr rtlCol="0" anchor="ctr"/>
+          <a:lstStyle/>
+          <a:p>
+            <a:pPr algn="ctr"/>
+            <a:endParaRPr lang="en-US"/>
           </a:p>
         </p:txBody>
       </p:sp>
@@ -9669,12 +13211,32 @@
   <p:clrMapOvr>
     <a:masterClrMapping/>
   </p:clrMapOvr>
+  <mc:AlternateContent xmlns:mc="http://schemas.openxmlformats.org/markup-compatibility/2006">
+    <mc:Choice xmlns:p159="http://schemas.microsoft.com/office/powerpoint/2015/09/main" Requires="p159">
+      <p:transition xmlns:p14="http://schemas.microsoft.com/office/powerpoint/2010/main" spd="slow" p14:dur="2000">
+        <p159:morph option="byObject"/>
+      </p:transition>
+    </mc:Choice>
+    <mc:Fallback>
+      <p:transition spd="slow">
+        <p:fade/>
+      </p:transition>
+    </mc:Fallback>
+  </mc:AlternateContent>
 </p:sld>
 </file>
 
 <file path=ppt/slides/slide5.xml><?xml version="1.0" encoding="utf-8"?>
 <p:sld xmlns:a="http://schemas.openxmlformats.org/drawingml/2006/main" xmlns:r="http://schemas.openxmlformats.org/officeDocument/2006/relationships" xmlns:p="http://schemas.openxmlformats.org/presentationml/2006/main">
   <p:cSld>
+    <p:bg>
+      <p:bgPr>
+        <a:solidFill>
+          <a:schemeClr val="bg1"/>
+        </a:solidFill>
+        <a:effectLst/>
+      </p:bgPr>
+    </p:bg>
     <p:spTree>
       <p:nvGrpSpPr>
         <p:cNvPr id="1" name=""/>
@@ -9691,6 +13253,76 @@
       </p:grpSpPr>
       <p:sp>
         <p:nvSpPr>
+          <p:cNvPr id="8" name="Rectangle 7">
+            <a:extLst>
+              <a:ext uri="{FF2B5EF4-FFF2-40B4-BE49-F238E27FC236}">
+                <a16:creationId xmlns:a16="http://schemas.microsoft.com/office/drawing/2014/main" id="{A7AE9375-4664-4DB2-922D-2782A6E439AC}"/>
+              </a:ext>
+              <a:ext uri="{C183D7F6-B498-43B3-948B-1728B52AA6E4}">
+                <adec:decorative xmlns:adec="http://schemas.microsoft.com/office/drawing/2017/decorative" val="1"/>
+              </a:ext>
+            </a:extLst>
+          </p:cNvPr>
+          <p:cNvSpPr>
+            <a:spLocks noGrp="1" noRot="1" noChangeAspect="1" noMove="1" noResize="1" noEditPoints="1" noAdjustHandles="1" noChangeArrowheads="1" noChangeShapeType="1" noTextEdit="1"/>
+          </p:cNvSpPr>
+          <p:nvPr>
+            <p:extLst>
+              <p:ext uri="{386F3935-93C4-4BCD-93E2-E3B085C9AB24}">
+                <p16:designElem xmlns:p16="http://schemas.microsoft.com/office/powerpoint/2015/main" val="1"/>
+              </p:ext>
+            </p:extLst>
+          </p:nvPr>
+        </p:nvSpPr>
+        <p:spPr>
+          <a:xfrm>
+            <a:off x="0" y="0"/>
+            <a:ext cx="12192000" cy="6858000"/>
+          </a:xfrm>
+          <a:prstGeom prst="rect">
+            <a:avLst/>
+          </a:prstGeom>
+          <a:solidFill>
+            <a:schemeClr val="tx1">
+              <a:lumMod val="95000"/>
+              <a:lumOff val="5000"/>
+            </a:schemeClr>
+          </a:solidFill>
+          <a:ln>
+            <a:noFill/>
+          </a:ln>
+        </p:spPr>
+        <p:style>
+          <a:lnRef idx="2">
+            <a:schemeClr val="accent1">
+              <a:shade val="50000"/>
+            </a:schemeClr>
+          </a:lnRef>
+          <a:fillRef idx="1">
+            <a:schemeClr val="accent1"/>
+          </a:fillRef>
+          <a:effectRef idx="0">
+            <a:schemeClr val="accent1"/>
+          </a:effectRef>
+          <a:fontRef idx="minor">
+            <a:schemeClr val="lt1"/>
+          </a:fontRef>
+        </p:style>
+        <p:txBody>
+          <a:bodyPr rtlCol="0" anchor="ctr"/>
+          <a:lstStyle/>
+          <a:p>
+            <a:pPr algn="ctr"/>
+            <a:endParaRPr lang="en-US" dirty="0">
+              <a:solidFill>
+                <a:schemeClr val="tx1"/>
+              </a:solidFill>
+            </a:endParaRPr>
+          </a:p>
+        </p:txBody>
+      </p:sp>
+      <p:sp>
+        <p:nvSpPr>
           <p:cNvPr id="2" name="Title 1">
             <a:extLst>
               <a:ext uri="{FF2B5EF4-FFF2-40B4-BE49-F238E27FC236}">
@@ -9705,25 +13337,89 @@
             <p:ph type="title"/>
           </p:nvPr>
         </p:nvSpPr>
-        <p:spPr/>
-        <p:txBody>
-          <a:bodyPr/>
+        <p:spPr>
+          <a:xfrm>
+            <a:off x="838200" y="669925"/>
+            <a:ext cx="4508946" cy="1325563"/>
+          </a:xfrm>
+        </p:spPr>
+        <p:txBody>
+          <a:bodyPr anchor="b">
+            <a:normAutofit/>
+          </a:bodyPr>
           <a:lstStyle/>
           <a:p>
-            <a:r>
-              <a:rPr lang="en-US" b="0" i="0" dirty="0">
+            <a:pPr algn="r"/>
+            <a:r>
+              <a:rPr lang="en-US" b="0" i="0">
                 <a:solidFill>
-                  <a:srgbClr val="374151"/>
+                  <a:schemeClr val="bg1"/>
                 </a:solidFill>
                 <a:effectLst/>
                 <a:latin typeface="Söhne"/>
               </a:rPr>
               <a:t>folder structure</a:t>
             </a:r>
-            <a:endParaRPr lang="en-IL" dirty="0"/>
-          </a:p>
-        </p:txBody>
-      </p:sp>
+            <a:endParaRPr lang="en-IL">
+              <a:solidFill>
+                <a:schemeClr val="bg1"/>
+              </a:solidFill>
+            </a:endParaRPr>
+          </a:p>
+        </p:txBody>
+      </p:sp>
+      <p:cxnSp>
+        <p:nvCxnSpPr>
+          <p:cNvPr id="10" name="Straight Connector 9">
+            <a:extLst>
+              <a:ext uri="{FF2B5EF4-FFF2-40B4-BE49-F238E27FC236}">
+                <a16:creationId xmlns:a16="http://schemas.microsoft.com/office/drawing/2014/main" id="{EE504C98-6397-41C1-A8D8-2D9C4ED307E0}"/>
+              </a:ext>
+              <a:ext uri="{C183D7F6-B498-43B3-948B-1728B52AA6E4}">
+                <adec:decorative xmlns:adec="http://schemas.microsoft.com/office/drawing/2017/decorative" val="1"/>
+              </a:ext>
+            </a:extLst>
+          </p:cNvPr>
+          <p:cNvCxnSpPr>
+            <a:cxnSpLocks noGrp="1" noRot="1" noChangeAspect="1" noMove="1" noResize="1" noEditPoints="1" noAdjustHandles="1" noChangeArrowheads="1" noChangeShapeType="1"/>
+          </p:cNvCxnSpPr>
+          <p:nvPr>
+            <p:extLst>
+              <p:ext uri="{386F3935-93C4-4BCD-93E2-E3B085C9AB24}">
+                <p16:designElem xmlns:p16="http://schemas.microsoft.com/office/powerpoint/2015/main" val="1"/>
+              </p:ext>
+            </p:extLst>
+          </p:nvPr>
+        </p:nvCxnSpPr>
+        <p:spPr>
+          <a:xfrm flipH="1">
+            <a:off x="126210" y="2026340"/>
+            <a:ext cx="5220936" cy="0"/>
+          </a:xfrm>
+          <a:prstGeom prst="line">
+            <a:avLst/>
+          </a:prstGeom>
+          <a:ln w="12700">
+            <a:solidFill>
+              <a:schemeClr val="accent2"/>
+            </a:solidFill>
+          </a:ln>
+        </p:spPr>
+        <p:style>
+          <a:lnRef idx="1">
+            <a:schemeClr val="accent1"/>
+          </a:lnRef>
+          <a:fillRef idx="0">
+            <a:schemeClr val="accent1"/>
+          </a:fillRef>
+          <a:effectRef idx="0">
+            <a:schemeClr val="accent1"/>
+          </a:effectRef>
+          <a:fontRef idx="minor">
+            <a:schemeClr val="tx1"/>
+          </a:fontRef>
+        </p:style>
+      </p:cxnSp>
       <p:sp>
         <p:nvSpPr>
           <p:cNvPr id="3" name="Content Placeholder 2">
@@ -9740,21 +13436,26 @@
             <p:ph idx="1"/>
           </p:nvPr>
         </p:nvSpPr>
-        <p:spPr/>
+        <p:spPr>
+          <a:xfrm>
+            <a:off x="1392667" y="2398957"/>
+            <a:ext cx="9406666" cy="3526144"/>
+          </a:xfrm>
+        </p:spPr>
         <p:txBody>
           <a:bodyPr>
-            <a:normAutofit fontScale="85000" lnSpcReduction="20000"/>
+            <a:normAutofit/>
           </a:bodyPr>
           <a:lstStyle/>
           <a:p>
-            <a:pPr algn="l">
+            <a:pPr>
               <a:buFont typeface="+mj-lt"/>
               <a:buAutoNum type="arabicPeriod"/>
             </a:pPr>
             <a:r>
-              <a:rPr lang="en-US" b="1" i="0" dirty="0">
+              <a:rPr lang="en-US" sz="1700" b="1" i="0">
                 <a:solidFill>
-                  <a:srgbClr val="374151"/>
+                  <a:schemeClr val="bg1"/>
                 </a:solidFill>
                 <a:effectLst/>
                 <a:latin typeface="Söhne"/>
@@ -9762,121 +13463,51 @@
               <a:t>.next/</a:t>
             </a:r>
             <a:r>
-              <a:rPr lang="en-US" b="0" i="0" dirty="0">
+              <a:rPr lang="en-US" sz="1700" b="0" i="0">
                 <a:solidFill>
-                  <a:srgbClr val="374151"/>
+                  <a:schemeClr val="bg1"/>
                 </a:solidFill>
                 <a:effectLst/>
                 <a:latin typeface="Söhne"/>
               </a:rPr>
-              <a:t>: This is a folder generated automatically when you run your </a:t>
-            </a:r>
-            <a:r>
-              <a:rPr lang="en-US" b="0" i="0" dirty="0" err="1">
+              <a:t>: This is a folder generated automatically when you run your Next.js application in development mode (npm run dev). It contains the compiled version of your project and should not be touched.</a:t>
+            </a:r>
+          </a:p>
+          <a:p>
+            <a:pPr>
+              <a:buFont typeface="+mj-lt"/>
+              <a:buAutoNum type="arabicPeriod"/>
+            </a:pPr>
+            <a:r>
+              <a:rPr lang="en-US" sz="1700" b="1" i="0">
                 <a:solidFill>
-                  <a:srgbClr val="374151"/>
+                  <a:schemeClr val="bg1"/>
                 </a:solidFill>
                 <a:effectLst/>
                 <a:latin typeface="Söhne"/>
               </a:rPr>
-              <a:t>Next.js</a:t>
-            </a:r>
-            <a:r>
-              <a:rPr lang="en-US" b="0" i="0" dirty="0">
+              <a:t>node_modules/</a:t>
+            </a:r>
+            <a:r>
+              <a:rPr lang="en-US" sz="1700" b="0" i="0">
                 <a:solidFill>
-                  <a:srgbClr val="374151"/>
+                  <a:schemeClr val="bg1"/>
                 </a:solidFill>
                 <a:effectLst/>
                 <a:latin typeface="Söhne"/>
               </a:rPr>
-              <a:t> application in development mode (</a:t>
-            </a:r>
-            <a:r>
-              <a:rPr lang="en-US" b="0" i="0" dirty="0" err="1">
-                <a:solidFill>
-                  <a:srgbClr val="374151"/>
-                </a:solidFill>
-                <a:effectLst/>
-                <a:latin typeface="Söhne"/>
-              </a:rPr>
-              <a:t>npm</a:t>
-            </a:r>
-            <a:r>
-              <a:rPr lang="en-US" b="0" i="0" dirty="0">
-                <a:solidFill>
-                  <a:srgbClr val="374151"/>
-                </a:solidFill>
-                <a:effectLst/>
-                <a:latin typeface="Söhne"/>
-              </a:rPr>
-              <a:t> run dev). It contains the compiled version of your project and should not be touched.</a:t>
-            </a:r>
-          </a:p>
-          <a:p>
-            <a:pPr algn="l">
+              <a:t>: This folder contains all the dependencies and libraries used in your project. They are installed via npm or yarn.</a:t>
+            </a:r>
+          </a:p>
+          <a:p>
+            <a:pPr>
               <a:buFont typeface="+mj-lt"/>
               <a:buAutoNum type="arabicPeriod"/>
             </a:pPr>
             <a:r>
-              <a:rPr lang="en-US" b="1" i="0" dirty="0" err="1">
+              <a:rPr lang="en-US" sz="1700" b="1" i="0">
                 <a:solidFill>
-                  <a:srgbClr val="374151"/>
-                </a:solidFill>
-                <a:effectLst/>
-                <a:latin typeface="Söhne"/>
-              </a:rPr>
-              <a:t>node_modules</a:t>
-            </a:r>
-            <a:r>
-              <a:rPr lang="en-US" b="1" i="0" dirty="0">
-                <a:solidFill>
-                  <a:srgbClr val="374151"/>
-                </a:solidFill>
-                <a:effectLst/>
-                <a:latin typeface="Söhne"/>
-              </a:rPr>
-              <a:t>/</a:t>
-            </a:r>
-            <a:r>
-              <a:rPr lang="en-US" b="0" i="0" dirty="0">
-                <a:solidFill>
-                  <a:srgbClr val="374151"/>
-                </a:solidFill>
-                <a:effectLst/>
-                <a:latin typeface="Söhne"/>
-              </a:rPr>
-              <a:t>: This folder contains all the dependencies and libraries used in your project. They are installed via </a:t>
-            </a:r>
-            <a:r>
-              <a:rPr lang="en-US" b="0" i="0" dirty="0" err="1">
-                <a:solidFill>
-                  <a:srgbClr val="374151"/>
-                </a:solidFill>
-                <a:effectLst/>
-                <a:latin typeface="Söhne"/>
-              </a:rPr>
-              <a:t>npm</a:t>
-            </a:r>
-            <a:r>
-              <a:rPr lang="en-US" b="0" i="0" dirty="0">
-                <a:solidFill>
-                  <a:srgbClr val="374151"/>
-                </a:solidFill>
-                <a:effectLst/>
-                <a:latin typeface="Söhne"/>
-              </a:rPr>
-              <a:t> or yarn.</a:t>
-            </a:r>
-          </a:p>
-          <a:p>
-            <a:pPr algn="l">
-              <a:buFont typeface="+mj-lt"/>
-              <a:buAutoNum type="arabicPeriod"/>
-            </a:pPr>
-            <a:r>
-              <a:rPr lang="en-US" b="1" i="0" dirty="0">
-                <a:solidFill>
-                  <a:srgbClr val="374151"/>
+                  <a:schemeClr val="bg1"/>
                 </a:solidFill>
                 <a:effectLst/>
                 <a:latin typeface="Söhne"/>
@@ -9884,125 +13515,35 @@
               <a:t>pages/</a:t>
             </a:r>
             <a:r>
-              <a:rPr lang="en-US" b="0" i="0" dirty="0">
+              <a:rPr lang="en-US" sz="1700" b="0" i="0">
                 <a:solidFill>
-                  <a:srgbClr val="374151"/>
+                  <a:schemeClr val="bg1"/>
                 </a:solidFill>
                 <a:effectLst/>
                 <a:latin typeface="Söhne"/>
               </a:rPr>
-              <a:t>: This is one of the most important folders in a </a:t>
-            </a:r>
-            <a:r>
-              <a:rPr lang="en-US" b="0" i="0" dirty="0" err="1">
+              <a:t>: This is one of the most important folders in a Next.js project. Every file in the pages directory becomes a route. For example, pages/index.js maps to your site's homepage (/). If you create a pages/about.js, it will be accessible at /about. The pages/api directory is used for creating API routes.</a:t>
+            </a:r>
+          </a:p>
+          <a:p>
+            <a:pPr marL="742950" lvl="1" indent="-285750">
+              <a:buFont typeface="+mj-lt"/>
+              <a:buAutoNum type="arabicPeriod"/>
+            </a:pPr>
+            <a:r>
+              <a:rPr lang="en-US" sz="1700" b="1" i="0">
                 <a:solidFill>
-                  <a:srgbClr val="374151"/>
+                  <a:schemeClr val="bg1"/>
                 </a:solidFill>
                 <a:effectLst/>
                 <a:latin typeface="Söhne"/>
               </a:rPr>
-              <a:t>Next.js</a:t>
-            </a:r>
-            <a:r>
-              <a:rPr lang="en-US" b="0" i="0" dirty="0">
+              <a:t>_app.js</a:t>
+            </a:r>
+            <a:r>
+              <a:rPr lang="en-US" sz="1700" b="0" i="0">
                 <a:solidFill>
-                  <a:srgbClr val="374151"/>
-                </a:solidFill>
-                <a:effectLst/>
-                <a:latin typeface="Söhne"/>
-              </a:rPr>
-              <a:t> project. Every file in the pages directory becomes a route. For example, pages/</a:t>
-            </a:r>
-            <a:r>
-              <a:rPr lang="en-US" b="0" i="0" dirty="0" err="1">
-                <a:solidFill>
-                  <a:srgbClr val="374151"/>
-                </a:solidFill>
-                <a:effectLst/>
-                <a:latin typeface="Söhne"/>
-              </a:rPr>
-              <a:t>index.js</a:t>
-            </a:r>
-            <a:r>
-              <a:rPr lang="en-US" b="0" i="0" dirty="0">
-                <a:solidFill>
-                  <a:srgbClr val="374151"/>
-                </a:solidFill>
-                <a:effectLst/>
-                <a:latin typeface="Söhne"/>
-              </a:rPr>
-              <a:t> maps to your site's homepage (/). If you create a pages/</a:t>
-            </a:r>
-            <a:r>
-              <a:rPr lang="en-US" b="0" i="0" dirty="0" err="1">
-                <a:solidFill>
-                  <a:srgbClr val="374151"/>
-                </a:solidFill>
-                <a:effectLst/>
-                <a:latin typeface="Söhne"/>
-              </a:rPr>
-              <a:t>about.js</a:t>
-            </a:r>
-            <a:r>
-              <a:rPr lang="en-US" b="0" i="0" dirty="0">
-                <a:solidFill>
-                  <a:srgbClr val="374151"/>
-                </a:solidFill>
-                <a:effectLst/>
-                <a:latin typeface="Söhne"/>
-              </a:rPr>
-              <a:t>, it will be accessible at /about. The pages/</a:t>
-            </a:r>
-            <a:r>
-              <a:rPr lang="en-US" b="0" i="0" dirty="0" err="1">
-                <a:solidFill>
-                  <a:srgbClr val="374151"/>
-                </a:solidFill>
-                <a:effectLst/>
-                <a:latin typeface="Söhne"/>
-              </a:rPr>
-              <a:t>api</a:t>
-            </a:r>
-            <a:r>
-              <a:rPr lang="en-US" b="0" i="0" dirty="0">
-                <a:solidFill>
-                  <a:srgbClr val="374151"/>
-                </a:solidFill>
-                <a:effectLst/>
-                <a:latin typeface="Söhne"/>
-              </a:rPr>
-              <a:t> directory is used for creating API routes.</a:t>
-            </a:r>
-          </a:p>
-          <a:p>
-            <a:pPr marL="742950" lvl="1" indent="-285750" algn="l">
-              <a:buFont typeface="+mj-lt"/>
-              <a:buAutoNum type="arabicPeriod"/>
-            </a:pPr>
-            <a:r>
-              <a:rPr lang="en-US" b="1" i="0" dirty="0">
-                <a:solidFill>
-                  <a:srgbClr val="374151"/>
-                </a:solidFill>
-                <a:effectLst/>
-                <a:latin typeface="Söhne"/>
-              </a:rPr>
-              <a:t>_</a:t>
-            </a:r>
-            <a:r>
-              <a:rPr lang="en-US" b="1" i="0" dirty="0" err="1">
-                <a:solidFill>
-                  <a:srgbClr val="374151"/>
-                </a:solidFill>
-                <a:effectLst/>
-                <a:latin typeface="Söhne"/>
-              </a:rPr>
-              <a:t>app.js</a:t>
-            </a:r>
-            <a:r>
-              <a:rPr lang="en-US" b="0" i="0" dirty="0">
-                <a:solidFill>
-                  <a:srgbClr val="374151"/>
+                  <a:schemeClr val="bg1"/>
                 </a:solidFill>
                 <a:effectLst/>
                 <a:latin typeface="Söhne"/>
@@ -10011,34 +13552,24 @@
             </a:r>
           </a:p>
           <a:p>
-            <a:pPr marL="742950" lvl="1" indent="-285750" algn="l">
+            <a:pPr marL="742950" lvl="1" indent="-285750">
               <a:buFont typeface="+mj-lt"/>
               <a:buAutoNum type="arabicPeriod"/>
             </a:pPr>
             <a:r>
-              <a:rPr lang="en-US" b="1" i="0" dirty="0">
+              <a:rPr lang="en-US" sz="1700" b="1" i="0">
                 <a:solidFill>
-                  <a:srgbClr val="374151"/>
+                  <a:schemeClr val="bg1"/>
                 </a:solidFill>
                 <a:effectLst/>
                 <a:latin typeface="Söhne"/>
               </a:rPr>
-              <a:t>_</a:t>
-            </a:r>
-            <a:r>
-              <a:rPr lang="en-US" b="1" i="0" dirty="0" err="1">
+              <a:t>_document.js</a:t>
+            </a:r>
+            <a:r>
+              <a:rPr lang="en-US" sz="1700" b="0" i="0">
                 <a:solidFill>
-                  <a:srgbClr val="374151"/>
-                </a:solidFill>
-                <a:effectLst/>
-                <a:latin typeface="Söhne"/>
-              </a:rPr>
-              <a:t>document.js</a:t>
-            </a:r>
-            <a:r>
-              <a:rPr lang="en-US" b="0" i="0" dirty="0">
-                <a:solidFill>
-                  <a:srgbClr val="374151"/>
+                  <a:schemeClr val="bg1"/>
                 </a:solidFill>
                 <a:effectLst/>
                 <a:latin typeface="Söhne"/>
@@ -10046,9 +13577,80 @@
               <a:t>: This file is used to augment your application's &lt;html&gt; and &lt;body&gt; tags. This is commonly used to insert shared page headers, stylesheets, etc.</a:t>
             </a:r>
             <a:br>
-              <a:rPr lang="en-US" dirty="0"/>
+              <a:rPr lang="en-US" sz="1700">
+                <a:solidFill>
+                  <a:schemeClr val="bg1"/>
+                </a:solidFill>
+              </a:rPr>
             </a:br>
-            <a:endParaRPr lang="en-IL" dirty="0"/>
+            <a:endParaRPr lang="en-IL" sz="1700">
+              <a:solidFill>
+                <a:schemeClr val="bg1"/>
+              </a:solidFill>
+            </a:endParaRPr>
+          </a:p>
+        </p:txBody>
+      </p:sp>
+      <p:sp>
+        <p:nvSpPr>
+          <p:cNvPr id="12" name="Rectangle 11">
+            <a:extLst>
+              <a:ext uri="{FF2B5EF4-FFF2-40B4-BE49-F238E27FC236}">
+                <a16:creationId xmlns:a16="http://schemas.microsoft.com/office/drawing/2014/main" id="{9DD005C1-8C51-42D6-9BEE-B9B83849743D}"/>
+              </a:ext>
+              <a:ext uri="{C183D7F6-B498-43B3-948B-1728B52AA6E4}">
+                <adec:decorative xmlns:adec="http://schemas.microsoft.com/office/drawing/2017/decorative" val="1"/>
+              </a:ext>
+            </a:extLst>
+          </p:cNvPr>
+          <p:cNvSpPr>
+            <a:spLocks noGrp="1" noRot="1" noChangeAspect="1" noMove="1" noResize="1" noEditPoints="1" noAdjustHandles="1" noChangeArrowheads="1" noChangeShapeType="1" noTextEdit="1"/>
+          </p:cNvSpPr>
+          <p:nvPr>
+            <p:extLst>
+              <p:ext uri="{386F3935-93C4-4BCD-93E2-E3B085C9AB24}">
+                <p16:designElem xmlns:p16="http://schemas.microsoft.com/office/powerpoint/2015/main" val="1"/>
+              </p:ext>
+            </p:extLst>
+          </p:nvPr>
+        </p:nvSpPr>
+        <p:spPr>
+          <a:xfrm>
+            <a:off x="126206" y="115193"/>
+            <a:ext cx="11939588" cy="6627614"/>
+          </a:xfrm>
+          <a:prstGeom prst="rect">
+            <a:avLst/>
+          </a:prstGeom>
+          <a:noFill/>
+          <a:ln w="12700">
+            <a:solidFill>
+              <a:schemeClr val="accent2"/>
+            </a:solidFill>
+          </a:ln>
+        </p:spPr>
+        <p:style>
+          <a:lnRef idx="2">
+            <a:schemeClr val="accent1">
+              <a:shade val="50000"/>
+            </a:schemeClr>
+          </a:lnRef>
+          <a:fillRef idx="1">
+            <a:schemeClr val="accent1"/>
+          </a:fillRef>
+          <a:effectRef idx="0">
+            <a:schemeClr val="accent1"/>
+          </a:effectRef>
+          <a:fontRef idx="minor">
+            <a:schemeClr val="lt1"/>
+          </a:fontRef>
+        </p:style>
+        <p:txBody>
+          <a:bodyPr rtlCol="0" anchor="ctr"/>
+          <a:lstStyle/>
+          <a:p>
+            <a:pPr algn="ctr"/>
+            <a:endParaRPr lang="en-US"/>
           </a:p>
         </p:txBody>
       </p:sp>
@@ -10062,12 +13664,32 @@
   <p:clrMapOvr>
     <a:masterClrMapping/>
   </p:clrMapOvr>
+  <mc:AlternateContent xmlns:mc="http://schemas.openxmlformats.org/markup-compatibility/2006">
+    <mc:Choice xmlns:p159="http://schemas.microsoft.com/office/powerpoint/2015/09/main" Requires="p159">
+      <p:transition xmlns:p14="http://schemas.microsoft.com/office/powerpoint/2010/main" spd="slow" p14:dur="2000">
+        <p159:morph option="byObject"/>
+      </p:transition>
+    </mc:Choice>
+    <mc:Fallback>
+      <p:transition spd="slow">
+        <p:fade/>
+      </p:transition>
+    </mc:Fallback>
+  </mc:AlternateContent>
 </p:sld>
 </file>
 
 <file path=ppt/slides/slide6.xml><?xml version="1.0" encoding="utf-8"?>
 <p:sld xmlns:a="http://schemas.openxmlformats.org/drawingml/2006/main" xmlns:r="http://schemas.openxmlformats.org/officeDocument/2006/relationships" xmlns:p="http://schemas.openxmlformats.org/presentationml/2006/main">
   <p:cSld>
+    <p:bg>
+      <p:bgPr>
+        <a:solidFill>
+          <a:schemeClr val="bg1"/>
+        </a:solidFill>
+        <a:effectLst/>
+      </p:bgPr>
+    </p:bg>
     <p:spTree>
       <p:nvGrpSpPr>
         <p:cNvPr id="1" name=""/>
@@ -10084,6 +13706,76 @@
       </p:grpSpPr>
       <p:sp>
         <p:nvSpPr>
+          <p:cNvPr id="8" name="Rectangle 7">
+            <a:extLst>
+              <a:ext uri="{FF2B5EF4-FFF2-40B4-BE49-F238E27FC236}">
+                <a16:creationId xmlns:a16="http://schemas.microsoft.com/office/drawing/2014/main" id="{A7AE9375-4664-4DB2-922D-2782A6E439AC}"/>
+              </a:ext>
+              <a:ext uri="{C183D7F6-B498-43B3-948B-1728B52AA6E4}">
+                <adec:decorative xmlns:adec="http://schemas.microsoft.com/office/drawing/2017/decorative" val="1"/>
+              </a:ext>
+            </a:extLst>
+          </p:cNvPr>
+          <p:cNvSpPr>
+            <a:spLocks noGrp="1" noRot="1" noChangeAspect="1" noMove="1" noResize="1" noEditPoints="1" noAdjustHandles="1" noChangeArrowheads="1" noChangeShapeType="1" noTextEdit="1"/>
+          </p:cNvSpPr>
+          <p:nvPr>
+            <p:extLst>
+              <p:ext uri="{386F3935-93C4-4BCD-93E2-E3B085C9AB24}">
+                <p16:designElem xmlns:p16="http://schemas.microsoft.com/office/powerpoint/2015/main" val="1"/>
+              </p:ext>
+            </p:extLst>
+          </p:nvPr>
+        </p:nvSpPr>
+        <p:spPr>
+          <a:xfrm>
+            <a:off x="0" y="0"/>
+            <a:ext cx="12192000" cy="6858000"/>
+          </a:xfrm>
+          <a:prstGeom prst="rect">
+            <a:avLst/>
+          </a:prstGeom>
+          <a:solidFill>
+            <a:schemeClr val="tx1">
+              <a:lumMod val="95000"/>
+              <a:lumOff val="5000"/>
+            </a:schemeClr>
+          </a:solidFill>
+          <a:ln>
+            <a:noFill/>
+          </a:ln>
+        </p:spPr>
+        <p:style>
+          <a:lnRef idx="2">
+            <a:schemeClr val="accent1">
+              <a:shade val="50000"/>
+            </a:schemeClr>
+          </a:lnRef>
+          <a:fillRef idx="1">
+            <a:schemeClr val="accent1"/>
+          </a:fillRef>
+          <a:effectRef idx="0">
+            <a:schemeClr val="accent1"/>
+          </a:effectRef>
+          <a:fontRef idx="minor">
+            <a:schemeClr val="lt1"/>
+          </a:fontRef>
+        </p:style>
+        <p:txBody>
+          <a:bodyPr rtlCol="0" anchor="ctr"/>
+          <a:lstStyle/>
+          <a:p>
+            <a:pPr algn="ctr"/>
+            <a:endParaRPr lang="en-US" dirty="0">
+              <a:solidFill>
+                <a:schemeClr val="tx1"/>
+              </a:solidFill>
+            </a:endParaRPr>
+          </a:p>
+        </p:txBody>
+      </p:sp>
+      <p:sp>
+        <p:nvSpPr>
           <p:cNvPr id="2" name="Title 1">
             <a:extLst>
               <a:ext uri="{FF2B5EF4-FFF2-40B4-BE49-F238E27FC236}">
@@ -10098,53 +13790,126 @@
             <p:ph type="title"/>
           </p:nvPr>
         </p:nvSpPr>
-        <p:spPr/>
-        <p:txBody>
-          <a:bodyPr/>
-          <a:lstStyle/>
-          <a:p>
-            <a:r>
-              <a:rPr lang="en-US" dirty="0"/>
-              <a:t>M</a:t>
-            </a:r>
-            <a:r>
-              <a:rPr lang="en-IL" dirty="0"/>
-              <a:t>ore folders</a:t>
-            </a:r>
-          </a:p>
-        </p:txBody>
-      </p:sp>
-      <p:sp>
-        <p:nvSpPr>
-          <p:cNvPr id="3" name="Content Placeholder 2">
-            <a:extLst>
-              <a:ext uri="{FF2B5EF4-FFF2-40B4-BE49-F238E27FC236}">
-                <a16:creationId xmlns:a16="http://schemas.microsoft.com/office/drawing/2014/main" id="{5C521763-DD62-5B65-FDC7-2F77E21F569B}"/>
-              </a:ext>
-            </a:extLst>
-          </p:cNvPr>
-          <p:cNvSpPr>
-            <a:spLocks noGrp="1"/>
-          </p:cNvSpPr>
-          <p:nvPr>
-            <p:ph idx="1"/>
-          </p:nvPr>
-        </p:nvSpPr>
-        <p:spPr/>
-        <p:txBody>
-          <a:bodyPr>
-            <a:normAutofit fontScale="92500" lnSpcReduction="10000"/>
+        <p:spPr>
+          <a:xfrm>
+            <a:off x="838200" y="669925"/>
+            <a:ext cx="4508946" cy="1325563"/>
+          </a:xfrm>
+        </p:spPr>
+        <p:txBody>
+          <a:bodyPr anchor="b">
+            <a:normAutofit/>
           </a:bodyPr>
           <a:lstStyle/>
           <a:p>
-            <a:pPr algn="l">
+            <a:pPr algn="r"/>
+            <a:r>
+              <a:rPr lang="en-US">
+                <a:solidFill>
+                  <a:schemeClr val="bg1"/>
+                </a:solidFill>
+              </a:rPr>
+              <a:t>M</a:t>
+            </a:r>
+            <a:r>
+              <a:rPr lang="en-IL">
+                <a:solidFill>
+                  <a:schemeClr val="bg1"/>
+                </a:solidFill>
+              </a:rPr>
+              <a:t>ore folders</a:t>
+            </a:r>
+          </a:p>
+        </p:txBody>
+      </p:sp>
+      <p:cxnSp>
+        <p:nvCxnSpPr>
+          <p:cNvPr id="10" name="Straight Connector 9">
+            <a:extLst>
+              <a:ext uri="{FF2B5EF4-FFF2-40B4-BE49-F238E27FC236}">
+                <a16:creationId xmlns:a16="http://schemas.microsoft.com/office/drawing/2014/main" id="{EE504C98-6397-41C1-A8D8-2D9C4ED307E0}"/>
+              </a:ext>
+              <a:ext uri="{C183D7F6-B498-43B3-948B-1728B52AA6E4}">
+                <adec:decorative xmlns:adec="http://schemas.microsoft.com/office/drawing/2017/decorative" val="1"/>
+              </a:ext>
+            </a:extLst>
+          </p:cNvPr>
+          <p:cNvCxnSpPr>
+            <a:cxnSpLocks noGrp="1" noRot="1" noChangeAspect="1" noMove="1" noResize="1" noEditPoints="1" noAdjustHandles="1" noChangeArrowheads="1" noChangeShapeType="1"/>
+          </p:cNvCxnSpPr>
+          <p:nvPr>
+            <p:extLst>
+              <p:ext uri="{386F3935-93C4-4BCD-93E2-E3B085C9AB24}">
+                <p16:designElem xmlns:p16="http://schemas.microsoft.com/office/powerpoint/2015/main" val="1"/>
+              </p:ext>
+            </p:extLst>
+          </p:nvPr>
+        </p:nvCxnSpPr>
+        <p:spPr>
+          <a:xfrm flipH="1">
+            <a:off x="126210" y="2026340"/>
+            <a:ext cx="5220936" cy="0"/>
+          </a:xfrm>
+          <a:prstGeom prst="line">
+            <a:avLst/>
+          </a:prstGeom>
+          <a:ln w="12700">
+            <a:solidFill>
+              <a:schemeClr val="accent2"/>
+            </a:solidFill>
+          </a:ln>
+        </p:spPr>
+        <p:style>
+          <a:lnRef idx="1">
+            <a:schemeClr val="accent1"/>
+          </a:lnRef>
+          <a:fillRef idx="0">
+            <a:schemeClr val="accent1"/>
+          </a:fillRef>
+          <a:effectRef idx="0">
+            <a:schemeClr val="accent1"/>
+          </a:effectRef>
+          <a:fontRef idx="minor">
+            <a:schemeClr val="tx1"/>
+          </a:fontRef>
+        </p:style>
+      </p:cxnSp>
+      <p:sp>
+        <p:nvSpPr>
+          <p:cNvPr id="3" name="Content Placeholder 2">
+            <a:extLst>
+              <a:ext uri="{FF2B5EF4-FFF2-40B4-BE49-F238E27FC236}">
+                <a16:creationId xmlns:a16="http://schemas.microsoft.com/office/drawing/2014/main" id="{5C521763-DD62-5B65-FDC7-2F77E21F569B}"/>
+              </a:ext>
+            </a:extLst>
+          </p:cNvPr>
+          <p:cNvSpPr>
+            <a:spLocks noGrp="1"/>
+          </p:cNvSpPr>
+          <p:nvPr>
+            <p:ph idx="1"/>
+          </p:nvPr>
+        </p:nvSpPr>
+        <p:spPr>
+          <a:xfrm>
+            <a:off x="1392667" y="2398957"/>
+            <a:ext cx="9406666" cy="3526144"/>
+          </a:xfrm>
+        </p:spPr>
+        <p:txBody>
+          <a:bodyPr>
+            <a:normAutofit/>
+          </a:bodyPr>
+          <a:lstStyle/>
+          <a:p>
+            <a:pPr>
               <a:buFont typeface="+mj-lt"/>
               <a:buAutoNum type="arabicPeriod"/>
             </a:pPr>
             <a:r>
-              <a:rPr lang="en-US" b="1" i="0" dirty="0">
+              <a:rPr lang="en-US" sz="2000" b="1" i="0">
                 <a:solidFill>
-                  <a:srgbClr val="374151"/>
+                  <a:schemeClr val="bg1"/>
                 </a:solidFill>
                 <a:effectLst/>
                 <a:latin typeface="Söhne"/>
@@ -10152,9 +13917,9 @@
               <a:t>public/</a:t>
             </a:r>
             <a:r>
-              <a:rPr lang="en-US" b="0" i="0" dirty="0">
+              <a:rPr lang="en-US" sz="2000" b="0" i="0">
                 <a:solidFill>
-                  <a:srgbClr val="374151"/>
+                  <a:schemeClr val="bg1"/>
                 </a:solidFill>
                 <a:effectLst/>
                 <a:latin typeface="Söhne"/>
@@ -10163,14 +13928,14 @@
             </a:r>
           </a:p>
           <a:p>
-            <a:pPr algn="l">
+            <a:pPr>
               <a:buFont typeface="+mj-lt"/>
               <a:buAutoNum type="arabicPeriod"/>
             </a:pPr>
             <a:r>
-              <a:rPr lang="en-US" b="1" i="0" dirty="0">
+              <a:rPr lang="en-US" sz="2000" b="1" i="0">
                 <a:solidFill>
-                  <a:srgbClr val="374151"/>
+                  <a:schemeClr val="bg1"/>
                 </a:solidFill>
                 <a:effectLst/>
                 <a:latin typeface="Söhne"/>
@@ -10178,9 +13943,9 @@
               <a:t>styles/</a:t>
             </a:r>
             <a:r>
-              <a:rPr lang="en-US" b="0" i="0" dirty="0">
+              <a:rPr lang="en-US" sz="2000" b="0" i="0">
                 <a:solidFill>
-                  <a:srgbClr val="374151"/>
+                  <a:schemeClr val="bg1"/>
                 </a:solidFill>
                 <a:effectLst/>
                 <a:latin typeface="Söhne"/>
@@ -10189,14 +13954,14 @@
             </a:r>
           </a:p>
           <a:p>
-            <a:pPr algn="l">
+            <a:pPr>
               <a:buFont typeface="+mj-lt"/>
               <a:buAutoNum type="arabicPeriod"/>
             </a:pPr>
             <a:r>
-              <a:rPr lang="en-US" b="1" i="0" dirty="0" err="1">
+              <a:rPr lang="en-US" sz="2000" b="1" i="0">
                 <a:solidFill>
-                  <a:srgbClr val="374151"/>
+                  <a:schemeClr val="bg1"/>
                 </a:solidFill>
                 <a:effectLst/>
                 <a:latin typeface="Söhne"/>
@@ -10204,65 +13969,25 @@
               <a:t>package.json</a:t>
             </a:r>
             <a:r>
-              <a:rPr lang="en-US" b="0" i="0" dirty="0">
+              <a:rPr lang="en-US" sz="2000" b="0" i="0">
                 <a:solidFill>
-                  <a:srgbClr val="374151"/>
+                  <a:schemeClr val="bg1"/>
                 </a:solidFill>
                 <a:effectLst/>
                 <a:latin typeface="Söhne"/>
               </a:rPr>
-              <a:t>: This file includes metadata about your project and its dependencies. When you install a package using </a:t>
-            </a:r>
-            <a:r>
-              <a:rPr lang="en-US" b="0" i="0" dirty="0" err="1">
-                <a:solidFill>
-                  <a:srgbClr val="374151"/>
-                </a:solidFill>
-                <a:effectLst/>
-                <a:latin typeface="Söhne"/>
-              </a:rPr>
-              <a:t>npm</a:t>
-            </a:r>
-            <a:r>
-              <a:rPr lang="en-US" b="0" i="0" dirty="0">
-                <a:solidFill>
-                  <a:srgbClr val="374151"/>
-                </a:solidFill>
-                <a:effectLst/>
-                <a:latin typeface="Söhne"/>
-              </a:rPr>
-              <a:t> or yarn, it gets listed here under "dependencies" or "</a:t>
-            </a:r>
-            <a:r>
-              <a:rPr lang="en-US" b="0" i="0" dirty="0" err="1">
-                <a:solidFill>
-                  <a:srgbClr val="374151"/>
-                </a:solidFill>
-                <a:effectLst/>
-                <a:latin typeface="Söhne"/>
-              </a:rPr>
-              <a:t>devDependencies</a:t>
-            </a:r>
-            <a:r>
-              <a:rPr lang="en-US" b="0" i="0" dirty="0">
-                <a:solidFill>
-                  <a:srgbClr val="374151"/>
-                </a:solidFill>
-                <a:effectLst/>
-                <a:latin typeface="Söhne"/>
-              </a:rPr>
-              <a:t>".</a:t>
-            </a:r>
-          </a:p>
-          <a:p>
-            <a:pPr algn="l">
+              <a:t>: This file includes metadata about your project and its dependencies. When you install a package using npm or yarn, it gets listed here under "dependencies" or "devDependencies".</a:t>
+            </a:r>
+          </a:p>
+          <a:p>
+            <a:pPr>
               <a:buFont typeface="+mj-lt"/>
               <a:buAutoNum type="arabicPeriod"/>
             </a:pPr>
             <a:r>
-              <a:rPr lang="en-US" b="1" i="0" dirty="0" err="1">
+              <a:rPr lang="en-US" sz="2000" b="1" i="0">
                 <a:solidFill>
-                  <a:srgbClr val="374151"/>
+                  <a:schemeClr val="bg1"/>
                 </a:solidFill>
                 <a:effectLst/>
                 <a:latin typeface="Söhne"/>
@@ -10270,55 +13995,78 @@
               <a:t>next.config.js</a:t>
             </a:r>
             <a:r>
-              <a:rPr lang="en-US" b="0" i="0" dirty="0">
+              <a:rPr lang="en-US" sz="2000" b="0" i="0">
                 <a:solidFill>
-                  <a:srgbClr val="374151"/>
+                  <a:schemeClr val="bg1"/>
                 </a:solidFill>
                 <a:effectLst/>
                 <a:latin typeface="Söhne"/>
               </a:rPr>
-              <a:t>: This optional file is used to configure advanced features of </a:t>
-            </a:r>
-            <a:r>
-              <a:rPr lang="en-US" b="0" i="0" dirty="0" err="1">
-                <a:solidFill>
-                  <a:srgbClr val="374151"/>
-                </a:solidFill>
-                <a:effectLst/>
-                <a:latin typeface="Söhne"/>
-              </a:rPr>
-              <a:t>Next.js</a:t>
-            </a:r>
-            <a:r>
-              <a:rPr lang="en-US" b="0" i="0" dirty="0">
-                <a:solidFill>
-                  <a:srgbClr val="374151"/>
-                </a:solidFill>
-                <a:effectLst/>
-                <a:latin typeface="Söhne"/>
-              </a:rPr>
-              <a:t>. It's not created by default, you would create it when you need to customize the default settings provided by </a:t>
-            </a:r>
-            <a:r>
-              <a:rPr lang="en-US" b="0" i="0" dirty="0" err="1">
-                <a:solidFill>
-                  <a:srgbClr val="374151"/>
-                </a:solidFill>
-                <a:effectLst/>
-                <a:latin typeface="Söhne"/>
-              </a:rPr>
-              <a:t>Next.js</a:t>
-            </a:r>
-            <a:r>
-              <a:rPr lang="en-US" b="0" i="0" dirty="0">
-                <a:solidFill>
-                  <a:srgbClr val="374151"/>
-                </a:solidFill>
-                <a:effectLst/>
-                <a:latin typeface="Söhne"/>
-              </a:rPr>
-              <a:t>.</a:t>
-            </a:r>
+              <a:t>: This optional file is used to configure advanced features of Next.js. It's not created by default, you would create it when you need to customize the default settings provided by Next.js.</a:t>
+            </a:r>
+          </a:p>
+        </p:txBody>
+      </p:sp>
+      <p:sp>
+        <p:nvSpPr>
+          <p:cNvPr id="12" name="Rectangle 11">
+            <a:extLst>
+              <a:ext uri="{FF2B5EF4-FFF2-40B4-BE49-F238E27FC236}">
+                <a16:creationId xmlns:a16="http://schemas.microsoft.com/office/drawing/2014/main" id="{9DD005C1-8C51-42D6-9BEE-B9B83849743D}"/>
+              </a:ext>
+              <a:ext uri="{C183D7F6-B498-43B3-948B-1728B52AA6E4}">
+                <adec:decorative xmlns:adec="http://schemas.microsoft.com/office/drawing/2017/decorative" val="1"/>
+              </a:ext>
+            </a:extLst>
+          </p:cNvPr>
+          <p:cNvSpPr>
+            <a:spLocks noGrp="1" noRot="1" noChangeAspect="1" noMove="1" noResize="1" noEditPoints="1" noAdjustHandles="1" noChangeArrowheads="1" noChangeShapeType="1" noTextEdit="1"/>
+          </p:cNvSpPr>
+          <p:nvPr>
+            <p:extLst>
+              <p:ext uri="{386F3935-93C4-4BCD-93E2-E3B085C9AB24}">
+                <p16:designElem xmlns:p16="http://schemas.microsoft.com/office/powerpoint/2015/main" val="1"/>
+              </p:ext>
+            </p:extLst>
+          </p:nvPr>
+        </p:nvSpPr>
+        <p:spPr>
+          <a:xfrm>
+            <a:off x="126206" y="115193"/>
+            <a:ext cx="11939588" cy="6627614"/>
+          </a:xfrm>
+          <a:prstGeom prst="rect">
+            <a:avLst/>
+          </a:prstGeom>
+          <a:noFill/>
+          <a:ln w="12700">
+            <a:solidFill>
+              <a:schemeClr val="accent2"/>
+            </a:solidFill>
+          </a:ln>
+        </p:spPr>
+        <p:style>
+          <a:lnRef idx="2">
+            <a:schemeClr val="accent1">
+              <a:shade val="50000"/>
+            </a:schemeClr>
+          </a:lnRef>
+          <a:fillRef idx="1">
+            <a:schemeClr val="accent1"/>
+          </a:fillRef>
+          <a:effectRef idx="0">
+            <a:schemeClr val="accent1"/>
+          </a:effectRef>
+          <a:fontRef idx="minor">
+            <a:schemeClr val="lt1"/>
+          </a:fontRef>
+        </p:style>
+        <p:txBody>
+          <a:bodyPr rtlCol="0" anchor="ctr"/>
+          <a:lstStyle/>
+          <a:p>
+            <a:pPr algn="ctr"/>
+            <a:endParaRPr lang="en-US"/>
           </a:p>
         </p:txBody>
       </p:sp>
@@ -10332,12 +14080,32 @@
   <p:clrMapOvr>
     <a:masterClrMapping/>
   </p:clrMapOvr>
+  <mc:AlternateContent xmlns:mc="http://schemas.openxmlformats.org/markup-compatibility/2006">
+    <mc:Choice xmlns:p159="http://schemas.microsoft.com/office/powerpoint/2015/09/main" Requires="p159">
+      <p:transition xmlns:p14="http://schemas.microsoft.com/office/powerpoint/2010/main" spd="slow" p14:dur="2000">
+        <p159:morph option="byObject"/>
+      </p:transition>
+    </mc:Choice>
+    <mc:Fallback>
+      <p:transition spd="slow">
+        <p:fade/>
+      </p:transition>
+    </mc:Fallback>
+  </mc:AlternateContent>
 </p:sld>
 </file>
 
 <file path=ppt/slides/slide7.xml><?xml version="1.0" encoding="utf-8"?>
 <p:sld xmlns:a="http://schemas.openxmlformats.org/drawingml/2006/main" xmlns:r="http://schemas.openxmlformats.org/officeDocument/2006/relationships" xmlns:p="http://schemas.openxmlformats.org/presentationml/2006/main">
   <p:cSld>
+    <p:bg>
+      <p:bgPr>
+        <a:solidFill>
+          <a:schemeClr val="bg1"/>
+        </a:solidFill>
+        <a:effectLst/>
+      </p:bgPr>
+    </p:bg>
     <p:spTree>
       <p:nvGrpSpPr>
         <p:cNvPr id="1" name=""/>
@@ -10354,6 +14122,76 @@
       </p:grpSpPr>
       <p:sp>
         <p:nvSpPr>
+          <p:cNvPr id="8" name="Rectangle 7">
+            <a:extLst>
+              <a:ext uri="{FF2B5EF4-FFF2-40B4-BE49-F238E27FC236}">
+                <a16:creationId xmlns:a16="http://schemas.microsoft.com/office/drawing/2014/main" id="{A7AE9375-4664-4DB2-922D-2782A6E439AC}"/>
+              </a:ext>
+              <a:ext uri="{C183D7F6-B498-43B3-948B-1728B52AA6E4}">
+                <adec:decorative xmlns:adec="http://schemas.microsoft.com/office/drawing/2017/decorative" val="1"/>
+              </a:ext>
+            </a:extLst>
+          </p:cNvPr>
+          <p:cNvSpPr>
+            <a:spLocks noGrp="1" noRot="1" noChangeAspect="1" noMove="1" noResize="1" noEditPoints="1" noAdjustHandles="1" noChangeArrowheads="1" noChangeShapeType="1" noTextEdit="1"/>
+          </p:cNvSpPr>
+          <p:nvPr>
+            <p:extLst>
+              <p:ext uri="{386F3935-93C4-4BCD-93E2-E3B085C9AB24}">
+                <p16:designElem xmlns:p16="http://schemas.microsoft.com/office/powerpoint/2015/main" val="1"/>
+              </p:ext>
+            </p:extLst>
+          </p:nvPr>
+        </p:nvSpPr>
+        <p:spPr>
+          <a:xfrm>
+            <a:off x="0" y="0"/>
+            <a:ext cx="12192000" cy="6858000"/>
+          </a:xfrm>
+          <a:prstGeom prst="rect">
+            <a:avLst/>
+          </a:prstGeom>
+          <a:solidFill>
+            <a:schemeClr val="tx1">
+              <a:lumMod val="95000"/>
+              <a:lumOff val="5000"/>
+            </a:schemeClr>
+          </a:solidFill>
+          <a:ln>
+            <a:noFill/>
+          </a:ln>
+        </p:spPr>
+        <p:style>
+          <a:lnRef idx="2">
+            <a:schemeClr val="accent1">
+              <a:shade val="50000"/>
+            </a:schemeClr>
+          </a:lnRef>
+          <a:fillRef idx="1">
+            <a:schemeClr val="accent1"/>
+          </a:fillRef>
+          <a:effectRef idx="0">
+            <a:schemeClr val="accent1"/>
+          </a:effectRef>
+          <a:fontRef idx="minor">
+            <a:schemeClr val="lt1"/>
+          </a:fontRef>
+        </p:style>
+        <p:txBody>
+          <a:bodyPr rtlCol="0" anchor="ctr"/>
+          <a:lstStyle/>
+          <a:p>
+            <a:pPr algn="ctr"/>
+            <a:endParaRPr lang="en-US" dirty="0">
+              <a:solidFill>
+                <a:schemeClr val="tx1"/>
+              </a:solidFill>
+            </a:endParaRPr>
+          </a:p>
+        </p:txBody>
+      </p:sp>
+      <p:sp>
+        <p:nvSpPr>
           <p:cNvPr id="2" name="Title 1">
             <a:extLst>
               <a:ext uri="{FF2B5EF4-FFF2-40B4-BE49-F238E27FC236}">
@@ -10368,27 +14206,89 @@
             <p:ph type="title"/>
           </p:nvPr>
         </p:nvSpPr>
-        <p:spPr/>
-        <p:txBody>
-          <a:bodyPr>
+        <p:spPr>
+          <a:xfrm>
+            <a:off x="838200" y="669925"/>
+            <a:ext cx="4508946" cy="1325563"/>
+          </a:xfrm>
+        </p:spPr>
+        <p:txBody>
+          <a:bodyPr anchor="b">
             <a:normAutofit/>
           </a:bodyPr>
           <a:lstStyle/>
           <a:p>
-            <a:r>
-              <a:rPr lang="en-US" b="1" i="0" dirty="0">
+            <a:pPr algn="r"/>
+            <a:r>
+              <a:rPr lang="en-US" b="1" i="0">
                 <a:solidFill>
-                  <a:srgbClr val="374151"/>
+                  <a:schemeClr val="bg1"/>
                 </a:solidFill>
                 <a:effectLst/>
                 <a:latin typeface="Söhne"/>
               </a:rPr>
               <a:t>What is React?</a:t>
             </a:r>
-            <a:endParaRPr lang="en-IL" dirty="0"/>
-          </a:p>
-        </p:txBody>
-      </p:sp>
+            <a:endParaRPr lang="en-IL">
+              <a:solidFill>
+                <a:schemeClr val="bg1"/>
+              </a:solidFill>
+            </a:endParaRPr>
+          </a:p>
+        </p:txBody>
+      </p:sp>
+      <p:cxnSp>
+        <p:nvCxnSpPr>
+          <p:cNvPr id="10" name="Straight Connector 9">
+            <a:extLst>
+              <a:ext uri="{FF2B5EF4-FFF2-40B4-BE49-F238E27FC236}">
+                <a16:creationId xmlns:a16="http://schemas.microsoft.com/office/drawing/2014/main" id="{EE504C98-6397-41C1-A8D8-2D9C4ED307E0}"/>
+              </a:ext>
+              <a:ext uri="{C183D7F6-B498-43B3-948B-1728B52AA6E4}">
+                <adec:decorative xmlns:adec="http://schemas.microsoft.com/office/drawing/2017/decorative" val="1"/>
+              </a:ext>
+            </a:extLst>
+          </p:cNvPr>
+          <p:cNvCxnSpPr>
+            <a:cxnSpLocks noGrp="1" noRot="1" noChangeAspect="1" noMove="1" noResize="1" noEditPoints="1" noAdjustHandles="1" noChangeArrowheads="1" noChangeShapeType="1"/>
+          </p:cNvCxnSpPr>
+          <p:nvPr>
+            <p:extLst>
+              <p:ext uri="{386F3935-93C4-4BCD-93E2-E3B085C9AB24}">
+                <p16:designElem xmlns:p16="http://schemas.microsoft.com/office/powerpoint/2015/main" val="1"/>
+              </p:ext>
+            </p:extLst>
+          </p:nvPr>
+        </p:nvCxnSpPr>
+        <p:spPr>
+          <a:xfrm flipH="1">
+            <a:off x="126210" y="2026340"/>
+            <a:ext cx="5220936" cy="0"/>
+          </a:xfrm>
+          <a:prstGeom prst="line">
+            <a:avLst/>
+          </a:prstGeom>
+          <a:ln w="12700">
+            <a:solidFill>
+              <a:schemeClr val="accent2"/>
+            </a:solidFill>
+          </a:ln>
+        </p:spPr>
+        <p:style>
+          <a:lnRef idx="1">
+            <a:schemeClr val="accent1"/>
+          </a:lnRef>
+          <a:fillRef idx="0">
+            <a:schemeClr val="accent1"/>
+          </a:fillRef>
+          <a:effectRef idx="0">
+            <a:schemeClr val="accent1"/>
+          </a:effectRef>
+          <a:fontRef idx="minor">
+            <a:schemeClr val="tx1"/>
+          </a:fontRef>
+        </p:style>
+      </p:cxnSp>
       <p:sp>
         <p:nvSpPr>
           <p:cNvPr id="3" name="Content Placeholder 2">
@@ -10405,16 +14305,22 @@
             <p:ph idx="1"/>
           </p:nvPr>
         </p:nvSpPr>
-        <p:spPr/>
-        <p:txBody>
-          <a:bodyPr/>
+        <p:spPr>
+          <a:xfrm>
+            <a:off x="1392667" y="2398957"/>
+            <a:ext cx="9406666" cy="3526144"/>
+          </a:xfrm>
+        </p:spPr>
+        <p:txBody>
+          <a:bodyPr>
+            <a:normAutofit/>
+          </a:bodyPr>
           <a:lstStyle/>
           <a:p>
-            <a:pPr algn="l"/>
-            <a:r>
-              <a:rPr lang="en-US" b="0" i="0" dirty="0">
+            <a:r>
+              <a:rPr lang="en-US" sz="2000" b="0" i="0">
                 <a:solidFill>
-                  <a:srgbClr val="374151"/>
+                  <a:schemeClr val="bg1"/>
                 </a:solidFill>
                 <a:effectLst/>
                 <a:latin typeface="Söhne"/>
@@ -10426,7 +14332,74 @@
             <a:pPr marL="0" indent="0">
               <a:buNone/>
             </a:pPr>
-            <a:endParaRPr lang="en-IL" dirty="0"/>
+            <a:endParaRPr lang="en-IL" sz="2000">
+              <a:solidFill>
+                <a:schemeClr val="bg1"/>
+              </a:solidFill>
+            </a:endParaRPr>
+          </a:p>
+        </p:txBody>
+      </p:sp>
+      <p:sp>
+        <p:nvSpPr>
+          <p:cNvPr id="12" name="Rectangle 11">
+            <a:extLst>
+              <a:ext uri="{FF2B5EF4-FFF2-40B4-BE49-F238E27FC236}">
+                <a16:creationId xmlns:a16="http://schemas.microsoft.com/office/drawing/2014/main" id="{9DD005C1-8C51-42D6-9BEE-B9B83849743D}"/>
+              </a:ext>
+              <a:ext uri="{C183D7F6-B498-43B3-948B-1728B52AA6E4}">
+                <adec:decorative xmlns:adec="http://schemas.microsoft.com/office/drawing/2017/decorative" val="1"/>
+              </a:ext>
+            </a:extLst>
+          </p:cNvPr>
+          <p:cNvSpPr>
+            <a:spLocks noGrp="1" noRot="1" noChangeAspect="1" noMove="1" noResize="1" noEditPoints="1" noAdjustHandles="1" noChangeArrowheads="1" noChangeShapeType="1" noTextEdit="1"/>
+          </p:cNvSpPr>
+          <p:nvPr>
+            <p:extLst>
+              <p:ext uri="{386F3935-93C4-4BCD-93E2-E3B085C9AB24}">
+                <p16:designElem xmlns:p16="http://schemas.microsoft.com/office/powerpoint/2015/main" val="1"/>
+              </p:ext>
+            </p:extLst>
+          </p:nvPr>
+        </p:nvSpPr>
+        <p:spPr>
+          <a:xfrm>
+            <a:off x="126206" y="115193"/>
+            <a:ext cx="11939588" cy="6627614"/>
+          </a:xfrm>
+          <a:prstGeom prst="rect">
+            <a:avLst/>
+          </a:prstGeom>
+          <a:noFill/>
+          <a:ln w="12700">
+            <a:solidFill>
+              <a:schemeClr val="accent2"/>
+            </a:solidFill>
+          </a:ln>
+        </p:spPr>
+        <p:style>
+          <a:lnRef idx="2">
+            <a:schemeClr val="accent1">
+              <a:shade val="50000"/>
+            </a:schemeClr>
+          </a:lnRef>
+          <a:fillRef idx="1">
+            <a:schemeClr val="accent1"/>
+          </a:fillRef>
+          <a:effectRef idx="0">
+            <a:schemeClr val="accent1"/>
+          </a:effectRef>
+          <a:fontRef idx="minor">
+            <a:schemeClr val="lt1"/>
+          </a:fontRef>
+        </p:style>
+        <p:txBody>
+          <a:bodyPr rtlCol="0" anchor="ctr"/>
+          <a:lstStyle/>
+          <a:p>
+            <a:pPr algn="ctr"/>
+            <a:endParaRPr lang="en-US"/>
           </a:p>
         </p:txBody>
       </p:sp>
@@ -10440,12 +14413,32 @@
   <p:clrMapOvr>
     <a:masterClrMapping/>
   </p:clrMapOvr>
+  <mc:AlternateContent xmlns:mc="http://schemas.openxmlformats.org/markup-compatibility/2006">
+    <mc:Choice xmlns:p159="http://schemas.microsoft.com/office/powerpoint/2015/09/main" Requires="p159">
+      <p:transition xmlns:p14="http://schemas.microsoft.com/office/powerpoint/2010/main" spd="slow" p14:dur="2000">
+        <p159:morph option="byObject"/>
+      </p:transition>
+    </mc:Choice>
+    <mc:Fallback>
+      <p:transition spd="slow">
+        <p:fade/>
+      </p:transition>
+    </mc:Fallback>
+  </mc:AlternateContent>
 </p:sld>
 </file>
 
 <file path=ppt/slides/slide8.xml><?xml version="1.0" encoding="utf-8"?>
 <p:sld xmlns:a="http://schemas.openxmlformats.org/drawingml/2006/main" xmlns:r="http://schemas.openxmlformats.org/officeDocument/2006/relationships" xmlns:p="http://schemas.openxmlformats.org/presentationml/2006/main">
   <p:cSld>
+    <p:bg>
+      <p:bgPr>
+        <a:solidFill>
+          <a:schemeClr val="bg1"/>
+        </a:solidFill>
+        <a:effectLst/>
+      </p:bgPr>
+    </p:bg>
     <p:spTree>
       <p:nvGrpSpPr>
         <p:cNvPr id="1" name=""/>
@@ -10462,6 +14455,76 @@
       </p:grpSpPr>
       <p:sp>
         <p:nvSpPr>
+          <p:cNvPr id="8" name="Rectangle 7">
+            <a:extLst>
+              <a:ext uri="{FF2B5EF4-FFF2-40B4-BE49-F238E27FC236}">
+                <a16:creationId xmlns:a16="http://schemas.microsoft.com/office/drawing/2014/main" id="{A7AE9375-4664-4DB2-922D-2782A6E439AC}"/>
+              </a:ext>
+              <a:ext uri="{C183D7F6-B498-43B3-948B-1728B52AA6E4}">
+                <adec:decorative xmlns:adec="http://schemas.microsoft.com/office/drawing/2017/decorative" val="1"/>
+              </a:ext>
+            </a:extLst>
+          </p:cNvPr>
+          <p:cNvSpPr>
+            <a:spLocks noGrp="1" noRot="1" noChangeAspect="1" noMove="1" noResize="1" noEditPoints="1" noAdjustHandles="1" noChangeArrowheads="1" noChangeShapeType="1" noTextEdit="1"/>
+          </p:cNvSpPr>
+          <p:nvPr>
+            <p:extLst>
+              <p:ext uri="{386F3935-93C4-4BCD-93E2-E3B085C9AB24}">
+                <p16:designElem xmlns:p16="http://schemas.microsoft.com/office/powerpoint/2015/main" val="1"/>
+              </p:ext>
+            </p:extLst>
+          </p:nvPr>
+        </p:nvSpPr>
+        <p:spPr>
+          <a:xfrm>
+            <a:off x="0" y="0"/>
+            <a:ext cx="12192000" cy="6858000"/>
+          </a:xfrm>
+          <a:prstGeom prst="rect">
+            <a:avLst/>
+          </a:prstGeom>
+          <a:solidFill>
+            <a:schemeClr val="tx1">
+              <a:lumMod val="95000"/>
+              <a:lumOff val="5000"/>
+            </a:schemeClr>
+          </a:solidFill>
+          <a:ln>
+            <a:noFill/>
+          </a:ln>
+        </p:spPr>
+        <p:style>
+          <a:lnRef idx="2">
+            <a:schemeClr val="accent1">
+              <a:shade val="50000"/>
+            </a:schemeClr>
+          </a:lnRef>
+          <a:fillRef idx="1">
+            <a:schemeClr val="accent1"/>
+          </a:fillRef>
+          <a:effectRef idx="0">
+            <a:schemeClr val="accent1"/>
+          </a:effectRef>
+          <a:fontRef idx="minor">
+            <a:schemeClr val="lt1"/>
+          </a:fontRef>
+        </p:style>
+        <p:txBody>
+          <a:bodyPr rtlCol="0" anchor="ctr"/>
+          <a:lstStyle/>
+          <a:p>
+            <a:pPr algn="ctr"/>
+            <a:endParaRPr lang="en-US" dirty="0">
+              <a:solidFill>
+                <a:schemeClr val="tx1"/>
+              </a:solidFill>
+            </a:endParaRPr>
+          </a:p>
+        </p:txBody>
+      </p:sp>
+      <p:sp>
+        <p:nvSpPr>
           <p:cNvPr id="2" name="Title 1">
             <a:extLst>
               <a:ext uri="{FF2B5EF4-FFF2-40B4-BE49-F238E27FC236}">
@@ -10476,50 +14539,122 @@
             <p:ph type="title"/>
           </p:nvPr>
         </p:nvSpPr>
-        <p:spPr/>
-        <p:txBody>
-          <a:bodyPr/>
-          <a:lstStyle/>
-          <a:p>
-            <a:r>
-              <a:rPr lang="en-US" dirty="0"/>
-              <a:t>T</a:t>
-            </a:r>
-            <a:r>
-              <a:rPr lang="en-IL" dirty="0"/>
-              <a:t>sx?</a:t>
-            </a:r>
-          </a:p>
-        </p:txBody>
-      </p:sp>
-      <p:sp>
-        <p:nvSpPr>
-          <p:cNvPr id="3" name="Content Placeholder 2">
-            <a:extLst>
-              <a:ext uri="{FF2B5EF4-FFF2-40B4-BE49-F238E27FC236}">
-                <a16:creationId xmlns:a16="http://schemas.microsoft.com/office/drawing/2014/main" id="{5C521763-DD62-5B65-FDC7-2F77E21F569B}"/>
-              </a:ext>
-            </a:extLst>
-          </p:cNvPr>
-          <p:cNvSpPr>
-            <a:spLocks noGrp="1"/>
-          </p:cNvSpPr>
-          <p:nvPr>
-            <p:ph idx="1"/>
-          </p:nvPr>
-        </p:nvSpPr>
-        <p:spPr/>
-        <p:txBody>
-          <a:bodyPr>
-            <a:normAutofit lnSpcReduction="10000"/>
+        <p:spPr>
+          <a:xfrm>
+            <a:off x="838200" y="669925"/>
+            <a:ext cx="4508946" cy="1325563"/>
+          </a:xfrm>
+        </p:spPr>
+        <p:txBody>
+          <a:bodyPr anchor="b">
+            <a:normAutofit/>
           </a:bodyPr>
           <a:lstStyle/>
           <a:p>
-            <a:pPr algn="l"/>
-            <a:r>
-              <a:rPr lang="en-US" b="0" i="0" dirty="0">
+            <a:pPr algn="r"/>
+            <a:r>
+              <a:rPr lang="en-US">
                 <a:solidFill>
-                  <a:srgbClr val="374151"/>
+                  <a:schemeClr val="bg1"/>
+                </a:solidFill>
+              </a:rPr>
+              <a:t>T</a:t>
+            </a:r>
+            <a:r>
+              <a:rPr lang="en-IL">
+                <a:solidFill>
+                  <a:schemeClr val="bg1"/>
+                </a:solidFill>
+              </a:rPr>
+              <a:t>sx?</a:t>
+            </a:r>
+          </a:p>
+        </p:txBody>
+      </p:sp>
+      <p:cxnSp>
+        <p:nvCxnSpPr>
+          <p:cNvPr id="10" name="Straight Connector 9">
+            <a:extLst>
+              <a:ext uri="{FF2B5EF4-FFF2-40B4-BE49-F238E27FC236}">
+                <a16:creationId xmlns:a16="http://schemas.microsoft.com/office/drawing/2014/main" id="{EE504C98-6397-41C1-A8D8-2D9C4ED307E0}"/>
+              </a:ext>
+              <a:ext uri="{C183D7F6-B498-43B3-948B-1728B52AA6E4}">
+                <adec:decorative xmlns:adec="http://schemas.microsoft.com/office/drawing/2017/decorative" val="1"/>
+              </a:ext>
+            </a:extLst>
+          </p:cNvPr>
+          <p:cNvCxnSpPr>
+            <a:cxnSpLocks noGrp="1" noRot="1" noChangeAspect="1" noMove="1" noResize="1" noEditPoints="1" noAdjustHandles="1" noChangeArrowheads="1" noChangeShapeType="1"/>
+          </p:cNvCxnSpPr>
+          <p:nvPr>
+            <p:extLst>
+              <p:ext uri="{386F3935-93C4-4BCD-93E2-E3B085C9AB24}">
+                <p16:designElem xmlns:p16="http://schemas.microsoft.com/office/powerpoint/2015/main" val="1"/>
+              </p:ext>
+            </p:extLst>
+          </p:nvPr>
+        </p:nvCxnSpPr>
+        <p:spPr>
+          <a:xfrm flipH="1">
+            <a:off x="126210" y="2026340"/>
+            <a:ext cx="5220936" cy="0"/>
+          </a:xfrm>
+          <a:prstGeom prst="line">
+            <a:avLst/>
+          </a:prstGeom>
+          <a:ln w="12700">
+            <a:solidFill>
+              <a:schemeClr val="accent2"/>
+            </a:solidFill>
+          </a:ln>
+        </p:spPr>
+        <p:style>
+          <a:lnRef idx="1">
+            <a:schemeClr val="accent1"/>
+          </a:lnRef>
+          <a:fillRef idx="0">
+            <a:schemeClr val="accent1"/>
+          </a:fillRef>
+          <a:effectRef idx="0">
+            <a:schemeClr val="accent1"/>
+          </a:effectRef>
+          <a:fontRef idx="minor">
+            <a:schemeClr val="tx1"/>
+          </a:fontRef>
+        </p:style>
+      </p:cxnSp>
+      <p:sp>
+        <p:nvSpPr>
+          <p:cNvPr id="3" name="Content Placeholder 2">
+            <a:extLst>
+              <a:ext uri="{FF2B5EF4-FFF2-40B4-BE49-F238E27FC236}">
+                <a16:creationId xmlns:a16="http://schemas.microsoft.com/office/drawing/2014/main" id="{5C521763-DD62-5B65-FDC7-2F77E21F569B}"/>
+              </a:ext>
+            </a:extLst>
+          </p:cNvPr>
+          <p:cNvSpPr>
+            <a:spLocks noGrp="1"/>
+          </p:cNvSpPr>
+          <p:nvPr>
+            <p:ph idx="1"/>
+          </p:nvPr>
+        </p:nvSpPr>
+        <p:spPr>
+          <a:xfrm>
+            <a:off x="1392667" y="2398957"/>
+            <a:ext cx="9406666" cy="3526144"/>
+          </a:xfrm>
+        </p:spPr>
+        <p:txBody>
+          <a:bodyPr>
+            <a:normAutofit/>
+          </a:bodyPr>
+          <a:lstStyle/>
+          <a:p>
+            <a:r>
+              <a:rPr lang="en-US" sz="2000" b="0" i="0">
+                <a:solidFill>
+                  <a:schemeClr val="bg1"/>
                 </a:solidFill>
                 <a:effectLst/>
                 <a:latin typeface="Söhne"/>
@@ -10528,17 +14663,79 @@
             </a:r>
           </a:p>
           <a:p>
-            <a:pPr algn="l"/>
-            <a:r>
-              <a:rPr lang="en-US" b="0" i="0" dirty="0">
+            <a:r>
+              <a:rPr lang="en-US" sz="2000" b="0" i="0">
                 <a:solidFill>
-                  <a:srgbClr val="374151"/>
+                  <a:schemeClr val="bg1"/>
                 </a:solidFill>
                 <a:effectLst/>
                 <a:latin typeface="Söhne"/>
               </a:rPr>
               <a:t>The combination of TypeScript and JSX (TSX) provides a powerful development environment, allowing you to leverage the features of both technologies. TypeScript brings static typing to your codebase, improving tooling capabilities and making your code more predictable and easier to debug. JSX, on the other hand, brings a declarative syntax for building user interfaces in JavaScript.</a:t>
             </a:r>
+          </a:p>
+        </p:txBody>
+      </p:sp>
+      <p:sp>
+        <p:nvSpPr>
+          <p:cNvPr id="12" name="Rectangle 11">
+            <a:extLst>
+              <a:ext uri="{FF2B5EF4-FFF2-40B4-BE49-F238E27FC236}">
+                <a16:creationId xmlns:a16="http://schemas.microsoft.com/office/drawing/2014/main" id="{9DD005C1-8C51-42D6-9BEE-B9B83849743D}"/>
+              </a:ext>
+              <a:ext uri="{C183D7F6-B498-43B3-948B-1728B52AA6E4}">
+                <adec:decorative xmlns:adec="http://schemas.microsoft.com/office/drawing/2017/decorative" val="1"/>
+              </a:ext>
+            </a:extLst>
+          </p:cNvPr>
+          <p:cNvSpPr>
+            <a:spLocks noGrp="1" noRot="1" noChangeAspect="1" noMove="1" noResize="1" noEditPoints="1" noAdjustHandles="1" noChangeArrowheads="1" noChangeShapeType="1" noTextEdit="1"/>
+          </p:cNvSpPr>
+          <p:nvPr>
+            <p:extLst>
+              <p:ext uri="{386F3935-93C4-4BCD-93E2-E3B085C9AB24}">
+                <p16:designElem xmlns:p16="http://schemas.microsoft.com/office/powerpoint/2015/main" val="1"/>
+              </p:ext>
+            </p:extLst>
+          </p:nvPr>
+        </p:nvSpPr>
+        <p:spPr>
+          <a:xfrm>
+            <a:off x="126206" y="115193"/>
+            <a:ext cx="11939588" cy="6627614"/>
+          </a:xfrm>
+          <a:prstGeom prst="rect">
+            <a:avLst/>
+          </a:prstGeom>
+          <a:noFill/>
+          <a:ln w="12700">
+            <a:solidFill>
+              <a:schemeClr val="accent2"/>
+            </a:solidFill>
+          </a:ln>
+        </p:spPr>
+        <p:style>
+          <a:lnRef idx="2">
+            <a:schemeClr val="accent1">
+              <a:shade val="50000"/>
+            </a:schemeClr>
+          </a:lnRef>
+          <a:fillRef idx="1">
+            <a:schemeClr val="accent1"/>
+          </a:fillRef>
+          <a:effectRef idx="0">
+            <a:schemeClr val="accent1"/>
+          </a:effectRef>
+          <a:fontRef idx="minor">
+            <a:schemeClr val="lt1"/>
+          </a:fontRef>
+        </p:style>
+        <p:txBody>
+          <a:bodyPr rtlCol="0" anchor="ctr"/>
+          <a:lstStyle/>
+          <a:p>
+            <a:pPr algn="ctr"/>
+            <a:endParaRPr lang="en-US"/>
           </a:p>
         </p:txBody>
       </p:sp>
@@ -10552,6 +14749,18 @@
   <p:clrMapOvr>
     <a:masterClrMapping/>
   </p:clrMapOvr>
+  <mc:AlternateContent xmlns:mc="http://schemas.openxmlformats.org/markup-compatibility/2006">
+    <mc:Choice xmlns:p159="http://schemas.microsoft.com/office/powerpoint/2015/09/main" Requires="p159">
+      <p:transition xmlns:p14="http://schemas.microsoft.com/office/powerpoint/2010/main" spd="slow" p14:dur="2000">
+        <p159:morph option="byObject"/>
+      </p:transition>
+    </mc:Choice>
+    <mc:Fallback>
+      <p:transition spd="slow">
+        <p:fade/>
+      </p:transition>
+    </mc:Fallback>
+  </mc:AlternateContent>
 </p:sld>
 </file>
 
@@ -11152,6 +15361,18 @@
   <p:clrMapOvr>
     <a:masterClrMapping/>
   </p:clrMapOvr>
+  <mc:AlternateContent xmlns:mc="http://schemas.openxmlformats.org/markup-compatibility/2006">
+    <mc:Choice xmlns:p159="http://schemas.microsoft.com/office/powerpoint/2015/09/main" Requires="p159">
+      <p:transition xmlns:p14="http://schemas.microsoft.com/office/powerpoint/2010/main" spd="slow" p14:dur="2000">
+        <p159:morph option="byObject"/>
+      </p:transition>
+    </mc:Choice>
+    <mc:Fallback>
+      <p:transition spd="slow">
+        <p:fade/>
+      </p:transition>
+    </mc:Fallback>
+  </mc:AlternateContent>
   <p:timing>
     <p:tnLst>
       <p:par>
